--- a/Documents/NervousNet_Redesign.pptx
+++ b/Documents/NervousNet_Redesign.pptx
@@ -32056,7 +32056,7 @@
         </p:nvSpPr>
         <p:spPr>
           <a:xfrm>
-            <a:off x="1650275" y="1689100"/>
+            <a:off x="1582539" y="1689100"/>
             <a:ext cx="387095" cy="215444"/>
           </a:xfrm>
           <a:prstGeom prst="rect">
@@ -32167,7 +32167,7 @@
         </p:nvSpPr>
         <p:spPr>
           <a:xfrm>
-            <a:off x="1719777" y="4302896"/>
+            <a:off x="1584305" y="4548439"/>
             <a:ext cx="530915" cy="338554"/>
           </a:xfrm>
           <a:prstGeom prst="rect">
@@ -32299,7 +32299,7 @@
         </p:nvSpPr>
         <p:spPr>
           <a:xfrm>
-            <a:off x="1613538" y="2652953"/>
+            <a:off x="1526968" y="2633132"/>
             <a:ext cx="571891" cy="338554"/>
           </a:xfrm>
           <a:prstGeom prst="rect">

--- a/Documents/NervousNet_Redesign.pptx
+++ b/Documents/NervousNet_Redesign.pptx
@@ -37438,7 +37438,11 @@
             </a:pPr>
             <a:r>
               <a:rPr lang="en-US" sz="1400" dirty="0" smtClean="0"/>
-              <a:t>View nervousnet Extensions Apps</a:t>
+              <a:t>View nervousnet Extensions </a:t>
+            </a:r>
+            <a:r>
+              <a:rPr lang="en-US" sz="1400" dirty="0" smtClean="0"/>
+              <a:t>Apps</a:t>
             </a:r>
           </a:p>
           <a:p>
@@ -37446,6 +37450,10 @@
               <a:buFont typeface="Arial"/>
               <a:buChar char="•"/>
             </a:pPr>
+            <a:r>
+              <a:rPr lang="en-US" sz="1400" dirty="0" smtClean="0"/>
+              <a:t>*******</a:t>
+            </a:r>
             <a:endParaRPr lang="en-US" sz="1400" dirty="0"/>
           </a:p>
         </p:txBody>
@@ -37618,10 +37626,10 @@
           <a:lstStyle/>
           <a:p>
             <a:r>
-              <a:rPr lang="en-US" smtClean="0"/>
+              <a:rPr lang="en-US" dirty="0" smtClean="0"/>
               <a:t>© ETH Zürich, COSS </a:t>
             </a:r>
-            <a:endParaRPr lang="en-US"/>
+            <a:endParaRPr lang="en-US" dirty="0"/>
           </a:p>
         </p:txBody>
       </p:sp>

--- a/Documents/NervousNet_Redesign.pptx
+++ b/Documents/NervousNet_Redesign.pptx
@@ -5,10 +5,10 @@
     <p:sldMasterId id="2147483677" r:id="rId1"/>
   </p:sldMasterIdLst>
   <p:notesMasterIdLst>
-    <p:notesMasterId r:id="rId18"/>
+    <p:notesMasterId r:id="rId27"/>
   </p:notesMasterIdLst>
   <p:handoutMasterIdLst>
-    <p:handoutMasterId r:id="rId19"/>
+    <p:handoutMasterId r:id="rId28"/>
   </p:handoutMasterIdLst>
   <p:sldIdLst>
     <p:sldId id="256" r:id="rId2"/>
@@ -26,7 +26,16 @@
     <p:sldId id="292" r:id="rId14"/>
     <p:sldId id="288" r:id="rId15"/>
     <p:sldId id="287" r:id="rId16"/>
-    <p:sldId id="291" r:id="rId17"/>
+    <p:sldId id="294" r:id="rId17"/>
+    <p:sldId id="297" r:id="rId18"/>
+    <p:sldId id="298" r:id="rId19"/>
+    <p:sldId id="299" r:id="rId20"/>
+    <p:sldId id="300" r:id="rId21"/>
+    <p:sldId id="302" r:id="rId22"/>
+    <p:sldId id="301" r:id="rId23"/>
+    <p:sldId id="295" r:id="rId24"/>
+    <p:sldId id="296" r:id="rId25"/>
+    <p:sldId id="291" r:id="rId26"/>
   </p:sldIdLst>
   <p:sldSz cx="9144000" cy="5143500" type="screen16x9"/>
   <p:notesSz cx="6858000" cy="9144000"/>
@@ -2470,7 +2479,7 @@
         <a:p>
           <a:pPr algn="ctr"/>
           <a:r>
-            <a:rPr lang="en-US" sz="1400" dirty="0" smtClean="0">
+            <a:rPr lang="en-US" sz="1400" dirty="0" err="1" smtClean="0">
               <a:solidFill>
                 <a:schemeClr val="tx1"/>
               </a:solidFill>
@@ -2493,11 +2502,6 @@
             </a:rPr>
             <a:t>Team </a:t>
           </a:r>
-          <a:endParaRPr lang="en-US" sz="1400" dirty="0" smtClean="0">
-            <a:solidFill>
-              <a:schemeClr val="tx1"/>
-            </a:solidFill>
-          </a:endParaRPr>
         </a:p>
         <a:p>
           <a:pPr algn="ctr"/>
@@ -2509,11 +2513,6 @@
             </a:rPr>
             <a:t>*</a:t>
           </a:r>
-          <a:endParaRPr lang="en-US" sz="1400" dirty="0" smtClean="0">
-            <a:solidFill>
-              <a:schemeClr val="tx1"/>
-            </a:solidFill>
-          </a:endParaRPr>
         </a:p>
         <a:p>
           <a:pPr algn="ctr"/>
@@ -2587,11 +2586,6 @@
             </a:rPr>
             <a:t>COSS</a:t>
           </a:r>
-          <a:endParaRPr lang="en-US" sz="1400" dirty="0" smtClean="0">
-            <a:solidFill>
-              <a:schemeClr val="tx1"/>
-            </a:solidFill>
-          </a:endParaRPr>
         </a:p>
         <a:p>
           <a:pPr algn="ctr"/>
@@ -2603,11 +2597,6 @@
             </a:rPr>
             <a:t>Team </a:t>
           </a:r>
-          <a:endParaRPr lang="en-US" sz="1400" dirty="0" smtClean="0">
-            <a:solidFill>
-              <a:schemeClr val="tx1"/>
-            </a:solidFill>
-          </a:endParaRPr>
         </a:p>
         <a:p>
           <a:pPr algn="ctr"/>
@@ -2619,11 +2608,6 @@
             </a:rPr>
             <a:t>*</a:t>
           </a:r>
-          <a:endParaRPr lang="en-US" sz="1400" dirty="0" smtClean="0">
-            <a:solidFill>
-              <a:schemeClr val="tx1"/>
-            </a:solidFill>
-          </a:endParaRPr>
         </a:p>
         <a:p>
           <a:pPr algn="ctr"/>
@@ -2708,11 +2692,6 @@
             </a:rPr>
             <a:t>*</a:t>
           </a:r>
-          <a:endParaRPr lang="en-US" sz="1400" dirty="0" smtClean="0">
-            <a:solidFill>
-              <a:schemeClr val="tx1"/>
-            </a:solidFill>
-          </a:endParaRPr>
         </a:p>
         <a:p>
           <a:pPr algn="ctr"/>
@@ -3752,7 +3731,7 @@
             </a:spcAft>
           </a:pPr>
           <a:r>
-            <a:rPr lang="en-US" sz="1400" kern="1200" dirty="0" smtClean="0">
+            <a:rPr lang="en-US" sz="1400" kern="1200" dirty="0" err="1" smtClean="0">
               <a:solidFill>
                 <a:schemeClr val="tx1"/>
               </a:solidFill>
@@ -3785,11 +3764,6 @@
             </a:rPr>
             <a:t>Team </a:t>
           </a:r>
-          <a:endParaRPr lang="en-US" sz="1400" kern="1200" dirty="0" smtClean="0">
-            <a:solidFill>
-              <a:schemeClr val="tx1"/>
-            </a:solidFill>
-          </a:endParaRPr>
         </a:p>
         <a:p>
           <a:pPr lvl="0" algn="ctr" defTabSz="622300">
@@ -3811,11 +3785,6 @@
             </a:rPr>
             <a:t>*</a:t>
           </a:r>
-          <a:endParaRPr lang="en-US" sz="1400" kern="1200" dirty="0" smtClean="0">
-            <a:solidFill>
-              <a:schemeClr val="tx1"/>
-            </a:solidFill>
-          </a:endParaRPr>
         </a:p>
         <a:p>
           <a:pPr lvl="0" algn="ctr" defTabSz="622300">
@@ -3955,11 +3924,6 @@
             </a:rPr>
             <a:t>COSS</a:t>
           </a:r>
-          <a:endParaRPr lang="en-US" sz="1400" kern="1200" dirty="0" smtClean="0">
-            <a:solidFill>
-              <a:schemeClr val="tx1"/>
-            </a:solidFill>
-          </a:endParaRPr>
         </a:p>
         <a:p>
           <a:pPr lvl="0" algn="ctr" defTabSz="622300">
@@ -3981,11 +3945,6 @@
             </a:rPr>
             <a:t>Team </a:t>
           </a:r>
-          <a:endParaRPr lang="en-US" sz="1400" kern="1200" dirty="0" smtClean="0">
-            <a:solidFill>
-              <a:schemeClr val="tx1"/>
-            </a:solidFill>
-          </a:endParaRPr>
         </a:p>
         <a:p>
           <a:pPr lvl="0" algn="ctr" defTabSz="622300">
@@ -4007,11 +3966,6 @@
             </a:rPr>
             <a:t>*</a:t>
           </a:r>
-          <a:endParaRPr lang="en-US" sz="1400" kern="1200" dirty="0" smtClean="0">
-            <a:solidFill>
-              <a:schemeClr val="tx1"/>
-            </a:solidFill>
-          </a:endParaRPr>
         </a:p>
         <a:p>
           <a:pPr lvl="0" algn="ctr" defTabSz="622300">
@@ -4172,11 +4126,6 @@
             </a:rPr>
             <a:t>*</a:t>
           </a:r>
-          <a:endParaRPr lang="en-US" sz="1400" kern="1200" dirty="0" smtClean="0">
-            <a:solidFill>
-              <a:schemeClr val="tx1"/>
-            </a:solidFill>
-          </a:endParaRPr>
         </a:p>
         <a:p>
           <a:pPr lvl="0" algn="ctr" defTabSz="622300">
@@ -7392,7 +7341,7 @@
           <a:p>
             <a:fld id="{E29EADBD-8C2A-0E4C-92CE-5EBFF6224A3A}" type="datetime1">
               <a:rPr lang="en-US" smtClean="0"/>
-              <a:t>15/12/15</a:t>
+              <a:t>27/01/16</a:t>
             </a:fld>
             <a:endParaRPr lang="en-US"/>
           </a:p>
@@ -7562,7 +7511,7 @@
           <a:p>
             <a:fld id="{00A2197B-82DA-B840-975D-6BA3EE4C2DC8}" type="datetime1">
               <a:rPr lang="en-US" smtClean="0"/>
-              <a:t>15/12/15</a:t>
+              <a:t>27/01/16</a:t>
             </a:fld>
             <a:endParaRPr lang="en-US"/>
           </a:p>
@@ -8390,7 +8339,7 @@
           <a:p>
             <a:fld id="{D9367090-103A-FA49-A3B4-31066D77167B}" type="datetime1">
               <a:rPr lang="en-US" smtClean="0"/>
-              <a:t>15/12/15</a:t>
+              <a:t>27/01/16</a:t>
             </a:fld>
             <a:endParaRPr lang="en-US"/>
           </a:p>
@@ -8715,7 +8664,7 @@
           <a:p>
             <a:fld id="{ABC2C74B-38EB-6142-981A-F4874F5C558C}" type="datetime1">
               <a:rPr lang="en-US" smtClean="0"/>
-              <a:t>15/12/15</a:t>
+              <a:t>27/01/16</a:t>
             </a:fld>
             <a:endParaRPr lang="en-US"/>
           </a:p>
@@ -8996,7 +8945,7 @@
           <a:p>
             <a:fld id="{2E308B6A-9F4E-B64E-B36C-0598F402E0B0}" type="datetime1">
               <a:rPr lang="en-US" smtClean="0"/>
-              <a:t>15/12/15</a:t>
+              <a:t>27/01/16</a:t>
             </a:fld>
             <a:endParaRPr lang="en-US"/>
           </a:p>
@@ -9294,7 +9243,7 @@
           <a:p>
             <a:fld id="{85937D96-DDC1-4747-AA95-A033CACCB96C}" type="datetime1">
               <a:rPr lang="en-US" smtClean="0"/>
-              <a:t>15/12/15</a:t>
+              <a:t>27/01/16</a:t>
             </a:fld>
             <a:endParaRPr lang="en-US"/>
           </a:p>
@@ -9627,7 +9576,7 @@
           <a:p>
             <a:fld id="{5321CDED-9626-FA46-9EE7-E82FB8600649}" type="datetime1">
               <a:rPr lang="en-US" smtClean="0"/>
-              <a:t>15/12/15</a:t>
+              <a:t>27/01/16</a:t>
             </a:fld>
             <a:endParaRPr lang="en-US"/>
           </a:p>
@@ -9882,7 +9831,7 @@
           <a:p>
             <a:fld id="{1C24507A-5856-C541-981B-4412383053C8}" type="datetime1">
               <a:rPr lang="en-US" smtClean="0"/>
-              <a:t>15/12/15</a:t>
+              <a:t>27/01/16</a:t>
             </a:fld>
             <a:endParaRPr lang="en-US"/>
           </a:p>
@@ -10065,7 +10014,7 @@
           <a:p>
             <a:fld id="{6905DD47-EC52-8743-A4BF-BDFBFBA3AE81}" type="datetime1">
               <a:rPr lang="en-US" smtClean="0"/>
-              <a:t>15/12/15</a:t>
+              <a:t>27/01/16</a:t>
             </a:fld>
             <a:endParaRPr lang="en-US"/>
           </a:p>
@@ -10238,7 +10187,7 @@
           <a:p>
             <a:fld id="{1D77DB73-494B-5E4A-8019-F4524E111BAF}" type="datetime1">
               <a:rPr lang="en-US" smtClean="0"/>
-              <a:t>15/12/15</a:t>
+              <a:t>27/01/16</a:t>
             </a:fld>
             <a:endParaRPr lang="en-US"/>
           </a:p>
@@ -10511,7 +10460,7 @@
           <a:p>
             <a:fld id="{5A88EB98-4821-3849-86D7-AEAB3699D07C}" type="datetime1">
               <a:rPr lang="en-US" smtClean="0"/>
-              <a:t>15/12/15</a:t>
+              <a:t>27/01/16</a:t>
             </a:fld>
             <a:endParaRPr lang="en-US"/>
           </a:p>
@@ -10822,7 +10771,7 @@
           <a:p>
             <a:fld id="{E2211E45-9E9F-C742-80C0-3820C3566BB1}" type="datetime1">
               <a:rPr lang="en-US" smtClean="0"/>
-              <a:t>15/12/15</a:t>
+              <a:t>27/01/16</a:t>
             </a:fld>
             <a:endParaRPr lang="en-US"/>
           </a:p>
@@ -11118,7 +11067,7 @@
           <a:p>
             <a:fld id="{CB5CC828-769C-E54C-9215-692401F93968}" type="datetime1">
               <a:rPr lang="en-US" smtClean="0"/>
-              <a:t>15/12/15</a:t>
+              <a:t>27/01/16</a:t>
             </a:fld>
             <a:endParaRPr lang="en-US"/>
           </a:p>
@@ -11552,7 +11501,7 @@
           <a:p>
             <a:fld id="{1AA2AE0E-A114-5642-B6C6-FD149E76306E}" type="datetime1">
               <a:rPr lang="en-US" smtClean="0"/>
-              <a:t>15/12/15</a:t>
+              <a:t>27/01/16</a:t>
             </a:fld>
             <a:endParaRPr lang="en-US"/>
           </a:p>
@@ -11902,7 +11851,7 @@
           <a:p>
             <a:fld id="{8A715A52-2182-4049-98B2-F3202A644989}" type="datetime1">
               <a:rPr lang="en-US" smtClean="0"/>
-              <a:t>15/12/15</a:t>
+              <a:t>27/01/16</a:t>
             </a:fld>
             <a:endParaRPr lang="en-US"/>
           </a:p>
@@ -11996,7 +11945,7 @@
           <a:p>
             <a:fld id="{3CF4FDC8-DC40-7C44-B03A-3EFB3AAE78B7}" type="datetime1">
               <a:rPr lang="en-US" smtClean="0"/>
-              <a:t>15/12/15</a:t>
+              <a:t>27/01/16</a:t>
             </a:fld>
             <a:endParaRPr lang="en-US"/>
           </a:p>
@@ -12337,7 +12286,7 @@
           <a:p>
             <a:fld id="{22BC680A-A1C5-9D47-898A-4B941B6FDB12}" type="datetime1">
               <a:rPr lang="en-US" smtClean="0"/>
-              <a:t>15/12/15</a:t>
+              <a:t>27/01/16</a:t>
             </a:fld>
             <a:endParaRPr lang="en-US"/>
           </a:p>
@@ -12553,7 +12502,7 @@
           <a:p>
             <a:fld id="{A94D9655-E859-0A4D-ABA6-66C7095048D0}" type="datetime1">
               <a:rPr lang="en-US" smtClean="0"/>
-              <a:t>15/12/15</a:t>
+              <a:t>27/01/16</a:t>
             </a:fld>
             <a:endParaRPr lang="en-US"/>
           </a:p>
@@ -13110,8 +13059,12 @@
           <a:lstStyle/>
           <a:p>
             <a:r>
+              <a:rPr lang="en-US" dirty="0" err="1" smtClean="0"/>
+              <a:t>nervousnet</a:t>
+            </a:r>
+            <a:r>
               <a:rPr lang="en-US" dirty="0" smtClean="0"/>
-              <a:t>nervousnet </a:t>
+              <a:t> </a:t>
             </a:r>
             <a:endParaRPr lang="en-US" dirty="0"/>
           </a:p>
@@ -14193,6 +14146,16 @@
           <a:lstStyle/>
           <a:p>
             <a:r>
+              <a:rPr lang="en-US" sz="1100" b="1" dirty="0" err="1" smtClean="0">
+                <a:solidFill>
+                  <a:schemeClr val="bg1">
+                    <a:lumMod val="85000"/>
+                  </a:schemeClr>
+                </a:solidFill>
+              </a:rPr>
+              <a:t>nervousnet</a:t>
+            </a:r>
+            <a:r>
               <a:rPr lang="en-US" sz="1100" b="1" dirty="0" smtClean="0">
                 <a:solidFill>
                   <a:schemeClr val="bg1">
@@ -14200,7 +14163,7 @@
                   </a:schemeClr>
                 </a:solidFill>
               </a:rPr>
-              <a:t>nervousnet VM</a:t>
+              <a:t> VM</a:t>
             </a:r>
             <a:endParaRPr lang="en-US" sz="1100" b="1" dirty="0">
               <a:solidFill>
@@ -14235,6 +14198,16 @@
           <a:lstStyle/>
           <a:p>
             <a:r>
+              <a:rPr lang="en-US" sz="1100" b="1" dirty="0" err="1" smtClean="0">
+                <a:solidFill>
+                  <a:schemeClr val="bg1">
+                    <a:lumMod val="85000"/>
+                  </a:schemeClr>
+                </a:solidFill>
+              </a:rPr>
+              <a:t>nervousnet</a:t>
+            </a:r>
+            <a:r>
               <a:rPr lang="en-US" sz="1100" b="1" dirty="0" smtClean="0">
                 <a:solidFill>
                   <a:schemeClr val="bg1">
@@ -14242,7 +14215,7 @@
                   </a:schemeClr>
                 </a:solidFill>
               </a:rPr>
-              <a:t>nervousnet Mobile App</a:t>
+              <a:t> Mobile App</a:t>
             </a:r>
             <a:endParaRPr lang="en-US" sz="1100" b="1" dirty="0">
               <a:solidFill>
@@ -15631,6 +15604,16 @@
           <a:lstStyle/>
           <a:p>
             <a:r>
+              <a:rPr lang="en-US" sz="1100" b="1" dirty="0" err="1" smtClean="0">
+                <a:solidFill>
+                  <a:schemeClr val="bg1">
+                    <a:lumMod val="85000"/>
+                  </a:schemeClr>
+                </a:solidFill>
+              </a:rPr>
+              <a:t>nervousnet</a:t>
+            </a:r>
+            <a:r>
               <a:rPr lang="en-US" sz="1100" b="1" dirty="0" smtClean="0">
                 <a:solidFill>
                   <a:schemeClr val="bg1">
@@ -15638,7 +15621,7 @@
                   </a:schemeClr>
                 </a:solidFill>
               </a:rPr>
-              <a:t>nervousnet VM</a:t>
+              <a:t> VM</a:t>
             </a:r>
             <a:endParaRPr lang="en-US" sz="1100" b="1" dirty="0">
               <a:solidFill>
@@ -15673,6 +15656,16 @@
           <a:lstStyle/>
           <a:p>
             <a:r>
+              <a:rPr lang="en-US" sz="1100" b="1" dirty="0" err="1" smtClean="0">
+                <a:solidFill>
+                  <a:schemeClr val="bg1">
+                    <a:lumMod val="85000"/>
+                  </a:schemeClr>
+                </a:solidFill>
+              </a:rPr>
+              <a:t>nervousnet</a:t>
+            </a:r>
+            <a:r>
               <a:rPr lang="en-US" sz="1100" b="1" dirty="0" smtClean="0">
                 <a:solidFill>
                   <a:schemeClr val="bg1">
@@ -15680,7 +15673,7 @@
                   </a:schemeClr>
                 </a:solidFill>
               </a:rPr>
-              <a:t>nervousnet Mobile App</a:t>
+              <a:t> Mobile App</a:t>
             </a:r>
             <a:endParaRPr lang="en-US" sz="1100" b="1" dirty="0">
               <a:solidFill>
@@ -15999,12 +15992,20 @@
           <a:p>
             <a:pPr algn="ctr"/>
             <a:r>
+              <a:rPr lang="en-US" sz="1200" dirty="0" err="1" smtClean="0">
+                <a:solidFill>
+                  <a:srgbClr val="D9D9D9"/>
+                </a:solidFill>
+              </a:rPr>
+              <a:t>nervousnet</a:t>
+            </a:r>
+            <a:r>
               <a:rPr lang="en-US" sz="1200" dirty="0" smtClean="0">
                 <a:solidFill>
                   <a:srgbClr val="D9D9D9"/>
                 </a:solidFill>
               </a:rPr>
-              <a:t>nervousnet </a:t>
+              <a:t> </a:t>
             </a:r>
             <a:r>
               <a:rPr lang="en-US" sz="1200" dirty="0">
@@ -16276,12 +16277,20 @@
           <a:lstStyle/>
           <a:p>
             <a:r>
+              <a:rPr lang="en-US" dirty="0" err="1" smtClean="0">
+                <a:solidFill>
+                  <a:schemeClr val="bg1"/>
+                </a:solidFill>
+              </a:rPr>
+              <a:t>nervousnet</a:t>
+            </a:r>
+            <a:r>
               <a:rPr lang="en-US" dirty="0" smtClean="0">
                 <a:solidFill>
                   <a:schemeClr val="bg1"/>
                 </a:solidFill>
               </a:rPr>
-              <a:t>nervousnet HUB</a:t>
+              <a:t> HUB</a:t>
             </a:r>
             <a:endParaRPr lang="en-US" dirty="0">
               <a:solidFill>
@@ -16504,15 +16513,15 @@
             </a:pPr>
             <a:r>
               <a:rPr lang="en-US" sz="1400" dirty="0" smtClean="0"/>
-              <a:t>View nervousnet </a:t>
+              <a:t>View </a:t>
+            </a:r>
+            <a:r>
+              <a:rPr lang="en-US" sz="1400" dirty="0" err="1" smtClean="0"/>
+              <a:t>nervousnet</a:t>
             </a:r>
             <a:r>
               <a:rPr lang="en-US" sz="1400" dirty="0" smtClean="0"/>
-              <a:t>Extension </a:t>
-            </a:r>
-            <a:r>
-              <a:rPr lang="en-US" sz="1400" dirty="0" smtClean="0"/>
-              <a:t>Apps</a:t>
+              <a:t> Extension Apps</a:t>
             </a:r>
           </a:p>
           <a:p>
@@ -16559,7 +16568,15 @@
             </a:pPr>
             <a:r>
               <a:rPr lang="en-US" sz="1400" dirty="0" smtClean="0"/>
-              <a:t>Applications depending upon the nervousnet App</a:t>
+              <a:t>Applications depending upon the </a:t>
+            </a:r>
+            <a:r>
+              <a:rPr lang="en-US" sz="1400" dirty="0" err="1" smtClean="0"/>
+              <a:t>nervousnet</a:t>
+            </a:r>
+            <a:r>
+              <a:rPr lang="en-US" sz="1400" dirty="0" smtClean="0"/>
+              <a:t> App</a:t>
             </a:r>
           </a:p>
           <a:p>
@@ -16572,15 +16589,7 @@
             </a:pPr>
             <a:r>
               <a:rPr lang="en-US" sz="1400" dirty="0" smtClean="0"/>
-              <a:t>Every time an extension app is started it checks if the “HUB” app is installed and running. If </a:t>
-            </a:r>
-            <a:r>
-              <a:rPr lang="en-US" sz="1400" dirty="0" smtClean="0"/>
-              <a:t>not, </a:t>
-            </a:r>
-            <a:r>
-              <a:rPr lang="en-US" sz="1400" dirty="0" smtClean="0"/>
-              <a:t>prompts to download it.</a:t>
+              <a:t>Every time an extension app is started it checks if the “HUB” app is installed and running. If not, prompts to download it.</a:t>
             </a:r>
           </a:p>
           <a:p>
@@ -16593,7 +16602,15 @@
             </a:pPr>
             <a:r>
               <a:rPr lang="en-US" sz="1400" dirty="0" smtClean="0"/>
-              <a:t>e.g. SwarmPulse, nervousnet Competition app, Falling walls treasure hunt app and more external developer apps.</a:t>
+              <a:t>e.g. SwarmPulse, </a:t>
+            </a:r>
+            <a:r>
+              <a:rPr lang="en-US" sz="1400" dirty="0" err="1" smtClean="0"/>
+              <a:t>nervousnet</a:t>
+            </a:r>
+            <a:r>
+              <a:rPr lang="en-US" sz="1400" dirty="0" smtClean="0"/>
+              <a:t> Competition app, Falling walls treasure hunt app and more external developer apps.</a:t>
             </a:r>
             <a:endParaRPr lang="en-US" sz="1400" dirty="0"/>
           </a:p>
@@ -16642,6 +16659,19 @@
           <a:p>
             <a:pPr algn="ctr"/>
             <a:r>
+              <a:rPr lang="en-US" sz="1100" b="1" dirty="0" err="1" smtClean="0">
+                <a:solidFill>
+                  <a:schemeClr val="tx1">
+                    <a:lumMod val="50000"/>
+                    <a:lumOff val="50000"/>
+                  </a:schemeClr>
+                </a:solidFill>
+                <a:latin typeface="Nunito-Black"/>
+                <a:cs typeface="Nunito-Black"/>
+              </a:rPr>
+              <a:t>nervousnet</a:t>
+            </a:r>
+            <a:r>
               <a:rPr lang="en-US" sz="1100" b="1" dirty="0" smtClean="0">
                 <a:solidFill>
                   <a:schemeClr val="tx1">
@@ -16652,7 +16682,7 @@
                 <a:latin typeface="Nunito-Black"/>
                 <a:cs typeface="Nunito-Black"/>
               </a:rPr>
-              <a:t>nervousnet </a:t>
+              <a:t> </a:t>
             </a:r>
           </a:p>
           <a:p>
@@ -16859,7 +16889,7 @@
           <a:lstStyle/>
           <a:p>
             <a:r>
-              <a:rPr lang="en-US" dirty="0">
+              <a:rPr lang="en-US" dirty="0" err="1">
                 <a:solidFill>
                   <a:schemeClr val="bg1"/>
                 </a:solidFill>
@@ -16867,12 +16897,20 @@
               <a:t>n</a:t>
             </a:r>
             <a:r>
+              <a:rPr lang="en-US" dirty="0" err="1" smtClean="0">
+                <a:solidFill>
+                  <a:schemeClr val="bg1"/>
+                </a:solidFill>
+              </a:rPr>
+              <a:t>ervousnet</a:t>
+            </a:r>
+            <a:r>
               <a:rPr lang="en-US" dirty="0" smtClean="0">
                 <a:solidFill>
                   <a:schemeClr val="bg1"/>
                 </a:solidFill>
               </a:rPr>
-              <a:t>ervousnet HUB</a:t>
+              <a:t> HUB</a:t>
             </a:r>
             <a:endParaRPr lang="en-US" dirty="0">
               <a:solidFill>
@@ -16992,7 +17030,7 @@
           <a:lstStyle/>
           <a:p>
             <a:r>
-              <a:rPr lang="en-US" sz="800" b="1" dirty="0" smtClean="0"/>
+              <a:rPr lang="en-US" sz="800" b="1" dirty="0" err="1" smtClean="0"/>
               <a:t>nervousnet</a:t>
             </a:r>
             <a:endParaRPr lang="en-US" sz="800" b="1" dirty="0"/>
@@ -18831,7 +18869,7 @@
           <a:lstStyle/>
           <a:p>
             <a:r>
-              <a:rPr lang="en-US" dirty="0">
+              <a:rPr lang="en-US" dirty="0" err="1">
                 <a:solidFill>
                   <a:schemeClr val="bg1"/>
                 </a:solidFill>
@@ -18839,12 +18877,20 @@
               <a:t>n</a:t>
             </a:r>
             <a:r>
+              <a:rPr lang="en-US" dirty="0" err="1" smtClean="0">
+                <a:solidFill>
+                  <a:schemeClr val="bg1"/>
+                </a:solidFill>
+              </a:rPr>
+              <a:t>ervousnet</a:t>
+            </a:r>
+            <a:r>
               <a:rPr lang="en-US" dirty="0" smtClean="0">
                 <a:solidFill>
                   <a:schemeClr val="bg1"/>
                 </a:solidFill>
               </a:rPr>
-              <a:t>ervousnet HUB</a:t>
+              <a:t> HUB</a:t>
             </a:r>
             <a:endParaRPr lang="en-US" dirty="0">
               <a:solidFill>
@@ -19702,7 +19748,7 @@
           <a:lstStyle/>
           <a:p>
             <a:r>
-              <a:rPr lang="en-US" dirty="0">
+              <a:rPr lang="en-US" dirty="0" err="1">
                 <a:solidFill>
                   <a:schemeClr val="bg1"/>
                 </a:solidFill>
@@ -19710,12 +19756,20 @@
               <a:t>n</a:t>
             </a:r>
             <a:r>
+              <a:rPr lang="en-US" dirty="0" err="1" smtClean="0">
+                <a:solidFill>
+                  <a:schemeClr val="bg1"/>
+                </a:solidFill>
+              </a:rPr>
+              <a:t>ervousnet</a:t>
+            </a:r>
+            <a:r>
               <a:rPr lang="en-US" dirty="0" smtClean="0">
                 <a:solidFill>
                   <a:schemeClr val="bg1"/>
                 </a:solidFill>
               </a:rPr>
-              <a:t>ervousnet HUB</a:t>
+              <a:t> HUB</a:t>
             </a:r>
             <a:endParaRPr lang="en-US" dirty="0">
               <a:solidFill>
@@ -20855,13 +20909,18 @@
           <a:p>
             <a:pPr algn="ctr"/>
             <a:r>
-              <a:rPr lang="en-US" sz="900" dirty="0" smtClean="0">
+              <a:rPr lang="en-US" sz="900" dirty="0" err="1" smtClean="0">
                 <a:solidFill>
                   <a:schemeClr val="tx1"/>
                 </a:solidFill>
               </a:rPr>
               <a:t>nervousnet</a:t>
             </a:r>
+            <a:endParaRPr lang="en-US" sz="900" dirty="0" smtClean="0">
+              <a:solidFill>
+                <a:schemeClr val="tx1"/>
+              </a:solidFill>
+            </a:endParaRPr>
           </a:p>
           <a:p>
             <a:pPr algn="ctr"/>
@@ -21284,7 +21343,23 @@
                   <a:srgbClr val="FFFFFF"/>
                 </a:solidFill>
               </a:rPr>
-              <a:t> The "SwarmPulse" service is built on top of the nervousnet research platform, a large-scale distributed research platform that provides real-time social sensing services as a public good. Existing Big Data</a:t>
+              <a:t> The "SwarmPulse" service is built on top of the </a:t>
+            </a:r>
+            <a:r>
+              <a:rPr lang="en-US" sz="800" b="1" dirty="0" err="1" smtClean="0">
+                <a:solidFill>
+                  <a:srgbClr val="FFFFFF"/>
+                </a:solidFill>
+              </a:rPr>
+              <a:t>nervousnet</a:t>
+            </a:r>
+            <a:r>
+              <a:rPr lang="en-US" sz="800" b="1" dirty="0" smtClean="0">
+                <a:solidFill>
+                  <a:srgbClr val="FFFFFF"/>
+                </a:solidFill>
+              </a:rPr>
+              <a:t> research platform, a large-scale distributed research platform that provides real-time social sensing services as a public good. Existing Big Data</a:t>
             </a:r>
             <a:endParaRPr lang="en-US" sz="800" b="1" dirty="0">
               <a:solidFill>
@@ -21394,7 +21469,7 @@
 </file>
 
 <file path=ppt/slides/slide16.xml><?xml version="1.0" encoding="utf-8"?>
-<p:sld xmlns:a="http://schemas.openxmlformats.org/drawingml/2006/main" xmlns:r="http://schemas.openxmlformats.org/officeDocument/2006/relationships" xmlns:p="http://schemas.openxmlformats.org/presentationml/2006/main" show="0">
+<p:sld xmlns:a="http://schemas.openxmlformats.org/drawingml/2006/main" xmlns:r="http://schemas.openxmlformats.org/officeDocument/2006/relationships" xmlns:p="http://schemas.openxmlformats.org/presentationml/2006/main">
   <p:cSld>
     <p:spTree>
       <p:nvGrpSpPr>
@@ -21410,6 +21485,80 @@
           <a:chExt cx="0" cy="0"/>
         </a:xfrm>
       </p:grpSpPr>
+      <p:pic>
+        <p:nvPicPr>
+          <p:cNvPr id="11" name="Picture 10"/>
+          <p:cNvPicPr>
+            <a:picLocks noChangeAspect="1"/>
+          </p:cNvPicPr>
+          <p:nvPr/>
+        </p:nvPicPr>
+        <p:blipFill>
+          <a:blip r:embed="rId2"/>
+          <a:stretch>
+            <a:fillRect/>
+          </a:stretch>
+        </p:blipFill>
+        <p:spPr>
+          <a:xfrm>
+            <a:off x="3354025" y="396645"/>
+            <a:ext cx="2564175" cy="4615515"/>
+          </a:xfrm>
+          <a:prstGeom prst="rect">
+            <a:avLst/>
+          </a:prstGeom>
+        </p:spPr>
+      </p:pic>
+      <p:sp>
+        <p:nvSpPr>
+          <p:cNvPr id="8" name="Rectangle 7"/>
+          <p:cNvSpPr/>
+          <p:nvPr/>
+        </p:nvSpPr>
+        <p:spPr>
+          <a:xfrm>
+            <a:off x="3801533" y="1240260"/>
+            <a:ext cx="1693334" cy="2921000"/>
+          </a:xfrm>
+          <a:prstGeom prst="rect">
+            <a:avLst/>
+          </a:prstGeom>
+          <a:solidFill>
+            <a:schemeClr val="bg1">
+              <a:lumMod val="85000"/>
+            </a:schemeClr>
+          </a:solidFill>
+          <a:ln>
+            <a:solidFill>
+              <a:schemeClr val="bg1">
+                <a:lumMod val="50000"/>
+              </a:schemeClr>
+            </a:solidFill>
+          </a:ln>
+        </p:spPr>
+        <p:style>
+          <a:lnRef idx="1">
+            <a:schemeClr val="accent1"/>
+          </a:lnRef>
+          <a:fillRef idx="3">
+            <a:schemeClr val="accent1"/>
+          </a:fillRef>
+          <a:effectRef idx="2">
+            <a:schemeClr val="accent1"/>
+          </a:effectRef>
+          <a:fontRef idx="minor">
+            <a:schemeClr val="lt1"/>
+          </a:fontRef>
+        </p:style>
+        <p:txBody>
+          <a:bodyPr rtlCol="0" anchor="ctr"/>
+          <a:lstStyle/>
+          <a:p>
+            <a:pPr algn="ctr"/>
+            <a:endParaRPr lang="en-US"/>
+          </a:p>
+        </p:txBody>
+      </p:sp>
       <p:sp>
         <p:nvSpPr>
           <p:cNvPr id="2" name="TextBox 1"/>
@@ -21452,12 +21601,28 @@
           <a:lstStyle/>
           <a:p>
             <a:r>
+              <a:rPr lang="en-US" dirty="0" err="1">
+                <a:solidFill>
+                  <a:schemeClr val="bg1"/>
+                </a:solidFill>
+              </a:rPr>
+              <a:t>n</a:t>
+            </a:r>
+            <a:r>
+              <a:rPr lang="en-US" dirty="0" err="1" smtClean="0">
+                <a:solidFill>
+                  <a:schemeClr val="bg1"/>
+                </a:solidFill>
+              </a:rPr>
+              <a:t>ervousnet</a:t>
+            </a:r>
+            <a:r>
               <a:rPr lang="en-US" dirty="0" smtClean="0">
                 <a:solidFill>
                   <a:schemeClr val="bg1"/>
                 </a:solidFill>
               </a:rPr>
-              <a:t>nervousnet</a:t>
+              <a:t> HUB</a:t>
             </a:r>
             <a:endParaRPr lang="en-US" dirty="0">
               <a:solidFill>
@@ -21525,7 +21690,7 @@
                   <a:schemeClr val="tx1"/>
                 </a:solidFill>
               </a:rPr>
-              <a:t>Targeting Users</a:t>
+              <a:t>Mobile App UI Wireframes</a:t>
             </a:r>
             <a:endParaRPr lang="en-US" dirty="0">
               <a:solidFill>
@@ -21535,31 +21700,858 @@
           </a:p>
         </p:txBody>
       </p:sp>
-      <p:graphicFrame>
-        <p:nvGraphicFramePr>
-          <p:cNvPr id="3" name="Diagram 2"/>
-          <p:cNvGraphicFramePr/>
-          <p:nvPr>
-            <p:extLst>
-              <p:ext uri="{D42A27DB-BD31-4B8C-83A1-F6EECF244321}">
-                <p14:modId xmlns:p14="http://schemas.microsoft.com/office/powerpoint/2010/main" val="1478489717"/>
-              </p:ext>
-            </p:extLst>
-          </p:nvPr>
-        </p:nvGraphicFramePr>
-        <p:xfrm>
-          <a:off x="1185333" y="1388532"/>
-          <a:ext cx="6815667" cy="3215217"/>
-        </p:xfrm>
-        <a:graphic>
-          <a:graphicData uri="http://schemas.openxmlformats.org/drawingml/2006/diagram">
-            <dgm:relIds xmlns:dgm="http://schemas.openxmlformats.org/drawingml/2006/diagram" xmlns:r="http://schemas.openxmlformats.org/officeDocument/2006/relationships" r:dm="rId3" r:lo="rId4" r:qs="rId5" r:cs="rId6"/>
-          </a:graphicData>
-        </a:graphic>
-      </p:graphicFrame>
-      <p:sp>
-        <p:nvSpPr>
-          <p:cNvPr id="5" name="Footer Placeholder 4"/>
+      <p:sp>
+        <p:nvSpPr>
+          <p:cNvPr id="5" name="Rectangle 4"/>
+          <p:cNvSpPr/>
+          <p:nvPr/>
+        </p:nvSpPr>
+        <p:spPr>
+          <a:xfrm>
+            <a:off x="3801533" y="1248727"/>
+            <a:ext cx="1693334" cy="211666"/>
+          </a:xfrm>
+          <a:prstGeom prst="rect">
+            <a:avLst/>
+          </a:prstGeom>
+          <a:solidFill>
+            <a:schemeClr val="tx1"/>
+          </a:solidFill>
+          <a:ln>
+            <a:solidFill>
+              <a:schemeClr val="tx1"/>
+            </a:solidFill>
+          </a:ln>
+        </p:spPr>
+        <p:style>
+          <a:lnRef idx="1">
+            <a:schemeClr val="accent1"/>
+          </a:lnRef>
+          <a:fillRef idx="3">
+            <a:schemeClr val="accent1"/>
+          </a:fillRef>
+          <a:effectRef idx="2">
+            <a:schemeClr val="accent1"/>
+          </a:effectRef>
+          <a:fontRef idx="minor">
+            <a:schemeClr val="lt1"/>
+          </a:fontRef>
+        </p:style>
+        <p:txBody>
+          <a:bodyPr rtlCol="0" anchor="ctr"/>
+          <a:lstStyle/>
+          <a:p>
+            <a:r>
+              <a:rPr lang="en-US" sz="800" b="1" dirty="0" err="1" smtClean="0"/>
+              <a:t>nervousnet</a:t>
+            </a:r>
+            <a:endParaRPr lang="en-US" sz="800" b="1" dirty="0"/>
+          </a:p>
+        </p:txBody>
+      </p:sp>
+      <p:sp>
+        <p:nvSpPr>
+          <p:cNvPr id="13" name="Rectangle 12"/>
+          <p:cNvSpPr/>
+          <p:nvPr/>
+        </p:nvSpPr>
+        <p:spPr>
+          <a:xfrm>
+            <a:off x="3801534" y="1587395"/>
+            <a:ext cx="1693334" cy="304798"/>
+          </a:xfrm>
+          <a:prstGeom prst="rect">
+            <a:avLst/>
+          </a:prstGeom>
+          <a:solidFill>
+            <a:schemeClr val="bg1"/>
+          </a:solidFill>
+          <a:ln>
+            <a:noFill/>
+          </a:ln>
+        </p:spPr>
+        <p:style>
+          <a:lnRef idx="1">
+            <a:schemeClr val="accent1"/>
+          </a:lnRef>
+          <a:fillRef idx="3">
+            <a:schemeClr val="accent1"/>
+          </a:fillRef>
+          <a:effectRef idx="2">
+            <a:schemeClr val="accent1"/>
+          </a:effectRef>
+          <a:fontRef idx="minor">
+            <a:schemeClr val="lt1"/>
+          </a:fontRef>
+        </p:style>
+        <p:txBody>
+          <a:bodyPr rtlCol="0" anchor="ctr"/>
+          <a:lstStyle/>
+          <a:p>
+            <a:r>
+              <a:rPr lang="en-US" sz="800" b="1" dirty="0" smtClean="0">
+                <a:solidFill>
+                  <a:schemeClr val="tx1">
+                    <a:lumMod val="50000"/>
+                    <a:lumOff val="50000"/>
+                  </a:schemeClr>
+                </a:solidFill>
+              </a:rPr>
+              <a:t>Automatic</a:t>
+            </a:r>
+          </a:p>
+          <a:p>
+            <a:r>
+              <a:rPr lang="en-US" sz="800" b="1" dirty="0" smtClean="0">
+                <a:solidFill>
+                  <a:schemeClr val="tx1">
+                    <a:lumMod val="50000"/>
+                    <a:lumOff val="50000"/>
+                  </a:schemeClr>
+                </a:solidFill>
+              </a:rPr>
+              <a:t>Data Collection</a:t>
+            </a:r>
+            <a:endParaRPr lang="en-US" sz="800" b="1" dirty="0">
+              <a:solidFill>
+                <a:schemeClr val="tx1">
+                  <a:lumMod val="50000"/>
+                  <a:lumOff val="50000"/>
+                </a:schemeClr>
+              </a:solidFill>
+            </a:endParaRPr>
+          </a:p>
+        </p:txBody>
+      </p:sp>
+      <p:sp>
+        <p:nvSpPr>
+          <p:cNvPr id="16" name="Rounded Rectangle 15"/>
+          <p:cNvSpPr/>
+          <p:nvPr/>
+        </p:nvSpPr>
+        <p:spPr>
+          <a:xfrm>
+            <a:off x="4991091" y="1629730"/>
+            <a:ext cx="486837" cy="211666"/>
+          </a:xfrm>
+          <a:prstGeom prst="roundRect">
+            <a:avLst>
+              <a:gd name="adj" fmla="val 44667"/>
+            </a:avLst>
+          </a:prstGeom>
+          <a:solidFill>
+            <a:schemeClr val="bg1">
+              <a:lumMod val="75000"/>
+            </a:schemeClr>
+          </a:solidFill>
+          <a:ln>
+            <a:solidFill>
+              <a:srgbClr val="7F7F7F"/>
+            </a:solidFill>
+          </a:ln>
+          <a:effectLst>
+            <a:innerShdw blurRad="63500" dist="584200" dir="13500000">
+              <a:srgbClr val="000000">
+                <a:alpha val="50000"/>
+              </a:srgbClr>
+            </a:innerShdw>
+          </a:effectLst>
+        </p:spPr>
+        <p:style>
+          <a:lnRef idx="1">
+            <a:schemeClr val="accent1"/>
+          </a:lnRef>
+          <a:fillRef idx="3">
+            <a:schemeClr val="accent1"/>
+          </a:fillRef>
+          <a:effectRef idx="2">
+            <a:schemeClr val="accent1"/>
+          </a:effectRef>
+          <a:fontRef idx="minor">
+            <a:schemeClr val="lt1"/>
+          </a:fontRef>
+        </p:style>
+        <p:txBody>
+          <a:bodyPr rtlCol="0" anchor="ctr"/>
+          <a:lstStyle/>
+          <a:p>
+            <a:pPr algn="r"/>
+            <a:r>
+              <a:rPr lang="en-US" sz="700" dirty="0" smtClean="0">
+                <a:solidFill>
+                  <a:srgbClr val="404040"/>
+                </a:solidFill>
+              </a:rPr>
+              <a:t>OFF</a:t>
+            </a:r>
+            <a:endParaRPr lang="en-US" sz="700" dirty="0">
+              <a:solidFill>
+                <a:srgbClr val="404040"/>
+              </a:solidFill>
+            </a:endParaRPr>
+          </a:p>
+        </p:txBody>
+      </p:sp>
+      <p:sp>
+        <p:nvSpPr>
+          <p:cNvPr id="12" name="Rounded Rectangle 11"/>
+          <p:cNvSpPr/>
+          <p:nvPr/>
+        </p:nvSpPr>
+        <p:spPr>
+          <a:xfrm>
+            <a:off x="4724401" y="1629730"/>
+            <a:ext cx="436031" cy="211666"/>
+          </a:xfrm>
+          <a:prstGeom prst="roundRect">
+            <a:avLst>
+              <a:gd name="adj" fmla="val 44667"/>
+            </a:avLst>
+          </a:prstGeom>
+          <a:solidFill>
+            <a:schemeClr val="tx1">
+              <a:lumMod val="65000"/>
+              <a:lumOff val="35000"/>
+            </a:schemeClr>
+          </a:solidFill>
+          <a:ln>
+            <a:solidFill>
+              <a:srgbClr val="7F7F7F"/>
+            </a:solidFill>
+          </a:ln>
+        </p:spPr>
+        <p:style>
+          <a:lnRef idx="1">
+            <a:schemeClr val="accent1"/>
+          </a:lnRef>
+          <a:fillRef idx="3">
+            <a:schemeClr val="accent1"/>
+          </a:fillRef>
+          <a:effectRef idx="2">
+            <a:schemeClr val="accent1"/>
+          </a:effectRef>
+          <a:fontRef idx="minor">
+            <a:schemeClr val="lt1"/>
+          </a:fontRef>
+        </p:style>
+        <p:txBody>
+          <a:bodyPr rtlCol="0" anchor="ctr"/>
+          <a:lstStyle/>
+          <a:p>
+            <a:pPr algn="ctr"/>
+            <a:r>
+              <a:rPr lang="en-US" sz="700" b="1" dirty="0" smtClean="0">
+                <a:solidFill>
+                  <a:schemeClr val="bg1"/>
+                </a:solidFill>
+              </a:rPr>
+              <a:t>ON</a:t>
+            </a:r>
+            <a:endParaRPr lang="en-US" sz="700" b="1" dirty="0">
+              <a:solidFill>
+                <a:schemeClr val="bg1"/>
+              </a:solidFill>
+            </a:endParaRPr>
+          </a:p>
+        </p:txBody>
+      </p:sp>
+      <p:sp>
+        <p:nvSpPr>
+          <p:cNvPr id="17" name="Rectangle 16">
+            <a:hlinkClick r:id="rId3" action="ppaction://hlinksldjump"/>
+          </p:cNvPr>
+          <p:cNvSpPr/>
+          <p:nvPr/>
+        </p:nvSpPr>
+        <p:spPr>
+          <a:xfrm>
+            <a:off x="3818467" y="1934525"/>
+            <a:ext cx="795868" cy="668867"/>
+          </a:xfrm>
+          <a:prstGeom prst="rect">
+            <a:avLst/>
+          </a:prstGeom>
+          <a:solidFill>
+            <a:schemeClr val="tx2">
+              <a:lumMod val="90000"/>
+              <a:lumOff val="10000"/>
+            </a:schemeClr>
+          </a:solidFill>
+          <a:ln/>
+        </p:spPr>
+        <p:style>
+          <a:lnRef idx="3">
+            <a:schemeClr val="lt1"/>
+          </a:lnRef>
+          <a:fillRef idx="1">
+            <a:schemeClr val="accent4"/>
+          </a:fillRef>
+          <a:effectRef idx="1">
+            <a:schemeClr val="accent4"/>
+          </a:effectRef>
+          <a:fontRef idx="minor">
+            <a:schemeClr val="lt1"/>
+          </a:fontRef>
+        </p:style>
+        <p:txBody>
+          <a:bodyPr rtlCol="0" anchor="ctr"/>
+          <a:lstStyle/>
+          <a:p>
+            <a:pPr algn="ctr"/>
+            <a:endParaRPr lang="en-US" sz="700" b="1" dirty="0" smtClean="0"/>
+          </a:p>
+          <a:p>
+            <a:pPr algn="ctr"/>
+            <a:endParaRPr lang="en-US" sz="700" b="1" dirty="0"/>
+          </a:p>
+          <a:p>
+            <a:pPr algn="ctr"/>
+            <a:endParaRPr lang="en-US" sz="700" b="1" dirty="0" smtClean="0"/>
+          </a:p>
+          <a:p>
+            <a:pPr algn="ctr"/>
+            <a:r>
+              <a:rPr lang="en-US" sz="700" b="1" dirty="0" smtClean="0"/>
+              <a:t>Sensor</a:t>
+            </a:r>
+            <a:r>
+              <a:rPr lang="en-US" sz="700" b="1" dirty="0"/>
+              <a:t>s</a:t>
+            </a:r>
+            <a:endParaRPr lang="en-US" sz="700" b="1" dirty="0" smtClean="0"/>
+          </a:p>
+        </p:txBody>
+      </p:sp>
+      <p:sp>
+        <p:nvSpPr>
+          <p:cNvPr id="24" name="Rectangle 23">
+            <a:hlinkClick r:id="rId4" action="ppaction://hlinksldjump"/>
+          </p:cNvPr>
+          <p:cNvSpPr/>
+          <p:nvPr/>
+        </p:nvSpPr>
+        <p:spPr>
+          <a:xfrm>
+            <a:off x="4690562" y="1934519"/>
+            <a:ext cx="795868" cy="668867"/>
+          </a:xfrm>
+          <a:prstGeom prst="rect">
+            <a:avLst/>
+          </a:prstGeom>
+          <a:solidFill>
+            <a:schemeClr val="tx2">
+              <a:lumMod val="90000"/>
+              <a:lumOff val="10000"/>
+            </a:schemeClr>
+          </a:solidFill>
+          <a:ln/>
+        </p:spPr>
+        <p:style>
+          <a:lnRef idx="3">
+            <a:schemeClr val="lt1"/>
+          </a:lnRef>
+          <a:fillRef idx="1">
+            <a:schemeClr val="accent4"/>
+          </a:fillRef>
+          <a:effectRef idx="1">
+            <a:schemeClr val="accent4"/>
+          </a:effectRef>
+          <a:fontRef idx="minor">
+            <a:schemeClr val="lt1"/>
+          </a:fontRef>
+        </p:style>
+        <p:txBody>
+          <a:bodyPr rtlCol="0" anchor="ctr"/>
+          <a:lstStyle/>
+          <a:p>
+            <a:pPr algn="ctr"/>
+            <a:endParaRPr lang="en-US" sz="700" b="1" dirty="0" smtClean="0"/>
+          </a:p>
+          <a:p>
+            <a:pPr algn="ctr"/>
+            <a:endParaRPr lang="en-US" sz="700" b="1" dirty="0"/>
+          </a:p>
+          <a:p>
+            <a:pPr algn="ctr"/>
+            <a:endParaRPr lang="en-US" sz="700" b="1" dirty="0" smtClean="0"/>
+          </a:p>
+          <a:p>
+            <a:pPr algn="ctr"/>
+            <a:r>
+              <a:rPr lang="en-US" sz="700" b="1" dirty="0" smtClean="0"/>
+              <a:t>Sensor Analytics</a:t>
+            </a:r>
+            <a:endParaRPr lang="en-US" sz="700" b="1" dirty="0"/>
+          </a:p>
+        </p:txBody>
+      </p:sp>
+      <p:sp>
+        <p:nvSpPr>
+          <p:cNvPr id="25" name="Rectangle 24"/>
+          <p:cNvSpPr/>
+          <p:nvPr/>
+        </p:nvSpPr>
+        <p:spPr>
+          <a:xfrm>
+            <a:off x="4686309" y="2628786"/>
+            <a:ext cx="795868" cy="668867"/>
+          </a:xfrm>
+          <a:prstGeom prst="rect">
+            <a:avLst/>
+          </a:prstGeom>
+          <a:solidFill>
+            <a:schemeClr val="tx2">
+              <a:lumMod val="90000"/>
+              <a:lumOff val="10000"/>
+            </a:schemeClr>
+          </a:solidFill>
+          <a:ln/>
+        </p:spPr>
+        <p:style>
+          <a:lnRef idx="3">
+            <a:schemeClr val="lt1"/>
+          </a:lnRef>
+          <a:fillRef idx="1">
+            <a:schemeClr val="accent4"/>
+          </a:fillRef>
+          <a:effectRef idx="1">
+            <a:schemeClr val="accent4"/>
+          </a:effectRef>
+          <a:fontRef idx="minor">
+            <a:schemeClr val="lt1"/>
+          </a:fontRef>
+        </p:style>
+        <p:txBody>
+          <a:bodyPr rtlCol="0" anchor="ctr"/>
+          <a:lstStyle/>
+          <a:p>
+            <a:pPr algn="ctr"/>
+            <a:endParaRPr lang="en-US" sz="700" b="1" dirty="0" smtClean="0"/>
+          </a:p>
+          <a:p>
+            <a:pPr algn="ctr"/>
+            <a:endParaRPr lang="en-US" sz="700" b="1" dirty="0"/>
+          </a:p>
+          <a:p>
+            <a:pPr algn="ctr"/>
+            <a:endParaRPr lang="en-US" sz="700" b="1" dirty="0"/>
+          </a:p>
+          <a:p>
+            <a:pPr algn="ctr"/>
+            <a:endParaRPr lang="en-US" sz="700" b="1" dirty="0"/>
+          </a:p>
+          <a:p>
+            <a:pPr algn="ctr"/>
+            <a:r>
+              <a:rPr lang="en-US" sz="700" b="1" dirty="0"/>
+              <a:t>Settings</a:t>
+            </a:r>
+          </a:p>
+        </p:txBody>
+      </p:sp>
+      <p:sp>
+        <p:nvSpPr>
+          <p:cNvPr id="26" name="Rectangle 25"/>
+          <p:cNvSpPr/>
+          <p:nvPr/>
+        </p:nvSpPr>
+        <p:spPr>
+          <a:xfrm>
+            <a:off x="3822693" y="3331514"/>
+            <a:ext cx="795868" cy="668867"/>
+          </a:xfrm>
+          <a:prstGeom prst="rect">
+            <a:avLst/>
+          </a:prstGeom>
+          <a:solidFill>
+            <a:schemeClr val="tx2">
+              <a:lumMod val="90000"/>
+              <a:lumOff val="10000"/>
+            </a:schemeClr>
+          </a:solidFill>
+          <a:ln/>
+        </p:spPr>
+        <p:style>
+          <a:lnRef idx="3">
+            <a:schemeClr val="lt1"/>
+          </a:lnRef>
+          <a:fillRef idx="1">
+            <a:schemeClr val="accent4"/>
+          </a:fillRef>
+          <a:effectRef idx="1">
+            <a:schemeClr val="accent4"/>
+          </a:effectRef>
+          <a:fontRef idx="minor">
+            <a:schemeClr val="lt1"/>
+          </a:fontRef>
+        </p:style>
+        <p:txBody>
+          <a:bodyPr rtlCol="0" anchor="ctr"/>
+          <a:lstStyle/>
+          <a:p>
+            <a:pPr algn="ctr"/>
+            <a:endParaRPr lang="en-US" sz="700" b="1" dirty="0" smtClean="0"/>
+          </a:p>
+          <a:p>
+            <a:pPr algn="ctr"/>
+            <a:endParaRPr lang="en-US" sz="700" b="1" dirty="0"/>
+          </a:p>
+          <a:p>
+            <a:pPr algn="ctr"/>
+            <a:endParaRPr lang="en-US" sz="700" b="1" dirty="0" smtClean="0"/>
+          </a:p>
+          <a:p>
+            <a:pPr algn="ctr"/>
+            <a:endParaRPr lang="en-US" sz="700" b="1" dirty="0"/>
+          </a:p>
+          <a:p>
+            <a:pPr algn="ctr"/>
+            <a:r>
+              <a:rPr lang="en-US" sz="700" b="1" dirty="0" smtClean="0"/>
+              <a:t>Help</a:t>
+            </a:r>
+            <a:endParaRPr lang="en-US" sz="700" b="1" dirty="0"/>
+          </a:p>
+        </p:txBody>
+      </p:sp>
+      <p:sp>
+        <p:nvSpPr>
+          <p:cNvPr id="27" name="Rectangle 26"/>
+          <p:cNvSpPr/>
+          <p:nvPr/>
+        </p:nvSpPr>
+        <p:spPr>
+          <a:xfrm>
+            <a:off x="4682060" y="3323054"/>
+            <a:ext cx="795868" cy="668867"/>
+          </a:xfrm>
+          <a:prstGeom prst="rect">
+            <a:avLst/>
+          </a:prstGeom>
+          <a:solidFill>
+            <a:schemeClr val="tx2">
+              <a:lumMod val="90000"/>
+              <a:lumOff val="10000"/>
+            </a:schemeClr>
+          </a:solidFill>
+          <a:ln/>
+        </p:spPr>
+        <p:style>
+          <a:lnRef idx="3">
+            <a:schemeClr val="lt1"/>
+          </a:lnRef>
+          <a:fillRef idx="1">
+            <a:schemeClr val="accent4"/>
+          </a:fillRef>
+          <a:effectRef idx="1">
+            <a:schemeClr val="accent4"/>
+          </a:effectRef>
+          <a:fontRef idx="minor">
+            <a:schemeClr val="lt1"/>
+          </a:fontRef>
+        </p:style>
+        <p:txBody>
+          <a:bodyPr rtlCol="0" anchor="ctr"/>
+          <a:lstStyle/>
+          <a:p>
+            <a:pPr algn="ctr"/>
+            <a:endParaRPr lang="en-US" sz="700" b="1" dirty="0" smtClean="0"/>
+          </a:p>
+          <a:p>
+            <a:pPr algn="ctr"/>
+            <a:endParaRPr lang="en-US" sz="700" b="1" dirty="0"/>
+          </a:p>
+          <a:p>
+            <a:pPr algn="ctr"/>
+            <a:endParaRPr lang="en-US" sz="700" b="1" dirty="0" smtClean="0"/>
+          </a:p>
+          <a:p>
+            <a:pPr algn="ctr"/>
+            <a:endParaRPr lang="en-US" sz="700" b="1" dirty="0" smtClean="0"/>
+          </a:p>
+          <a:p>
+            <a:pPr algn="ctr"/>
+            <a:r>
+              <a:rPr lang="en-US" sz="700" b="1" dirty="0" smtClean="0"/>
+              <a:t>About</a:t>
+            </a:r>
+            <a:endParaRPr lang="en-US" sz="700" b="1" dirty="0"/>
+          </a:p>
+        </p:txBody>
+      </p:sp>
+      <p:pic>
+        <p:nvPicPr>
+          <p:cNvPr id="22" name="Picture 21"/>
+          <p:cNvPicPr>
+            <a:picLocks noChangeAspect="1"/>
+          </p:cNvPicPr>
+          <p:nvPr/>
+        </p:nvPicPr>
+        <p:blipFill>
+          <a:blip r:embed="rId5">
+            <a:lum bright="70000" contrast="-70000"/>
+          </a:blip>
+          <a:stretch>
+            <a:fillRect/>
+          </a:stretch>
+        </p:blipFill>
+        <p:spPr>
+          <a:xfrm>
+            <a:off x="4948765" y="2019189"/>
+            <a:ext cx="262468" cy="262468"/>
+          </a:xfrm>
+          <a:prstGeom prst="rect">
+            <a:avLst/>
+          </a:prstGeom>
+        </p:spPr>
+      </p:pic>
+      <p:pic>
+        <p:nvPicPr>
+          <p:cNvPr id="37" name="Picture 36"/>
+          <p:cNvPicPr>
+            <a:picLocks noChangeAspect="1"/>
+          </p:cNvPicPr>
+          <p:nvPr/>
+        </p:nvPicPr>
+        <p:blipFill>
+          <a:blip r:embed="rId6">
+            <a:lum bright="70000" contrast="-70000"/>
+          </a:blip>
+          <a:stretch>
+            <a:fillRect/>
+          </a:stretch>
+        </p:blipFill>
+        <p:spPr>
+          <a:xfrm>
+            <a:off x="4826012" y="2598691"/>
+            <a:ext cx="533397" cy="533397"/>
+          </a:xfrm>
+          <a:prstGeom prst="rect">
+            <a:avLst/>
+          </a:prstGeom>
+        </p:spPr>
+      </p:pic>
+      <p:pic>
+        <p:nvPicPr>
+          <p:cNvPr id="39" name="Picture 38"/>
+          <p:cNvPicPr>
+            <a:picLocks noChangeAspect="1"/>
+          </p:cNvPicPr>
+          <p:nvPr/>
+        </p:nvPicPr>
+        <p:blipFill>
+          <a:blip r:embed="rId7">
+            <a:lum bright="70000" contrast="-70000"/>
+          </a:blip>
+          <a:stretch>
+            <a:fillRect/>
+          </a:stretch>
+        </p:blipFill>
+        <p:spPr>
+          <a:xfrm>
+            <a:off x="4059755" y="3441595"/>
+            <a:ext cx="330199" cy="330199"/>
+          </a:xfrm>
+          <a:prstGeom prst="rect">
+            <a:avLst/>
+          </a:prstGeom>
+        </p:spPr>
+      </p:pic>
+      <p:pic>
+        <p:nvPicPr>
+          <p:cNvPr id="40" name="Picture 39"/>
+          <p:cNvPicPr>
+            <a:picLocks noChangeAspect="1"/>
+          </p:cNvPicPr>
+          <p:nvPr/>
+        </p:nvPicPr>
+        <p:blipFill>
+          <a:blip r:embed="rId8">
+            <a:lum bright="70000" contrast="-70000"/>
+          </a:blip>
+          <a:stretch>
+            <a:fillRect/>
+          </a:stretch>
+        </p:blipFill>
+        <p:spPr>
+          <a:xfrm>
+            <a:off x="4927593" y="3458529"/>
+            <a:ext cx="266706" cy="266706"/>
+          </a:xfrm>
+          <a:prstGeom prst="rect">
+            <a:avLst/>
+          </a:prstGeom>
+        </p:spPr>
+      </p:pic>
+      <p:sp>
+        <p:nvSpPr>
+          <p:cNvPr id="67" name="Rectangle 66"/>
+          <p:cNvSpPr/>
+          <p:nvPr/>
+        </p:nvSpPr>
+        <p:spPr>
+          <a:xfrm>
+            <a:off x="626534" y="2366003"/>
+            <a:ext cx="1693334" cy="394129"/>
+          </a:xfrm>
+          <a:prstGeom prst="rect">
+            <a:avLst/>
+          </a:prstGeom>
+          <a:solidFill>
+            <a:schemeClr val="tx1"/>
+          </a:solidFill>
+          <a:ln>
+            <a:solidFill>
+              <a:schemeClr val="tx1"/>
+            </a:solidFill>
+          </a:ln>
+        </p:spPr>
+        <p:style>
+          <a:lnRef idx="1">
+            <a:schemeClr val="accent1"/>
+          </a:lnRef>
+          <a:fillRef idx="3">
+            <a:schemeClr val="accent1"/>
+          </a:fillRef>
+          <a:effectRef idx="2">
+            <a:schemeClr val="accent1"/>
+          </a:effectRef>
+          <a:fontRef idx="minor">
+            <a:schemeClr val="lt1"/>
+          </a:fontRef>
+        </p:style>
+        <p:txBody>
+          <a:bodyPr rtlCol="0" anchor="ctr"/>
+          <a:lstStyle/>
+          <a:p>
+            <a:pPr algn="ctr"/>
+            <a:r>
+              <a:rPr lang="en-US" sz="800" b="1" dirty="0" smtClean="0"/>
+              <a:t>Home Screen </a:t>
+            </a:r>
+          </a:p>
+          <a:p>
+            <a:pPr algn="ctr"/>
+            <a:r>
+              <a:rPr lang="en-US" sz="800" b="1" dirty="0" smtClean="0"/>
+              <a:t>0</a:t>
+            </a:r>
+            <a:endParaRPr lang="en-US" sz="800" b="1" dirty="0"/>
+          </a:p>
+        </p:txBody>
+      </p:sp>
+      <p:sp>
+        <p:nvSpPr>
+          <p:cNvPr id="76" name="Rectangle 75"/>
+          <p:cNvSpPr/>
+          <p:nvPr/>
+        </p:nvSpPr>
+        <p:spPr>
+          <a:xfrm>
+            <a:off x="3826935" y="2628788"/>
+            <a:ext cx="795868" cy="668867"/>
+          </a:xfrm>
+          <a:prstGeom prst="rect">
+            <a:avLst/>
+          </a:prstGeom>
+          <a:solidFill>
+            <a:schemeClr val="tx2">
+              <a:lumMod val="90000"/>
+              <a:lumOff val="10000"/>
+            </a:schemeClr>
+          </a:solidFill>
+          <a:ln/>
+        </p:spPr>
+        <p:style>
+          <a:lnRef idx="3">
+            <a:schemeClr val="lt1"/>
+          </a:lnRef>
+          <a:fillRef idx="1">
+            <a:schemeClr val="accent4"/>
+          </a:fillRef>
+          <a:effectRef idx="1">
+            <a:schemeClr val="accent4"/>
+          </a:effectRef>
+          <a:fontRef idx="minor">
+            <a:schemeClr val="lt1"/>
+          </a:fontRef>
+        </p:style>
+        <p:txBody>
+          <a:bodyPr rtlCol="0" anchor="ctr"/>
+          <a:lstStyle/>
+          <a:p>
+            <a:pPr algn="ctr"/>
+            <a:endParaRPr lang="en-US" sz="700" b="1" dirty="0" smtClean="0"/>
+          </a:p>
+          <a:p>
+            <a:pPr algn="ctr"/>
+            <a:endParaRPr lang="en-US" sz="700" b="1" dirty="0"/>
+          </a:p>
+          <a:p>
+            <a:pPr algn="ctr"/>
+            <a:endParaRPr lang="en-US" sz="700" b="1" dirty="0" smtClean="0"/>
+          </a:p>
+          <a:p>
+            <a:pPr algn="ctr"/>
+            <a:r>
+              <a:rPr lang="en-US" sz="700" b="1" dirty="0" smtClean="0"/>
+              <a:t>App Showcase</a:t>
+            </a:r>
+            <a:endParaRPr lang="en-US" sz="700" b="1" dirty="0"/>
+          </a:p>
+        </p:txBody>
+      </p:sp>
+      <p:pic>
+        <p:nvPicPr>
+          <p:cNvPr id="77" name="Picture 76"/>
+          <p:cNvPicPr>
+            <a:picLocks noChangeAspect="1"/>
+          </p:cNvPicPr>
+          <p:nvPr/>
+        </p:nvPicPr>
+        <p:blipFill>
+          <a:blip r:embed="rId9"/>
+          <a:stretch>
+            <a:fillRect/>
+          </a:stretch>
+        </p:blipFill>
+        <p:spPr>
+          <a:xfrm>
+            <a:off x="4076682" y="2679006"/>
+            <a:ext cx="321742" cy="321742"/>
+          </a:xfrm>
+          <a:prstGeom prst="rect">
+            <a:avLst/>
+          </a:prstGeom>
+        </p:spPr>
+      </p:pic>
+      <p:pic>
+        <p:nvPicPr>
+          <p:cNvPr id="78" name="Picture 77"/>
+          <p:cNvPicPr>
+            <a:picLocks noChangeAspect="1"/>
+          </p:cNvPicPr>
+          <p:nvPr/>
+        </p:nvPicPr>
+        <p:blipFill>
+          <a:blip r:embed="rId10"/>
+          <a:stretch>
+            <a:fillRect/>
+          </a:stretch>
+        </p:blipFill>
+        <p:spPr>
+          <a:xfrm>
+            <a:off x="4085160" y="2019190"/>
+            <a:ext cx="270934" cy="270934"/>
+          </a:xfrm>
+          <a:prstGeom prst="rect">
+            <a:avLst/>
+          </a:prstGeom>
+        </p:spPr>
+      </p:pic>
+      <p:sp>
+        <p:nvSpPr>
+          <p:cNvPr id="4" name="Footer Placeholder 3"/>
           <p:cNvSpPr>
             <a:spLocks noGrp="1"/>
           </p:cNvSpPr>
@@ -21567,37 +22559,3130 @@
             <p:ph type="ftr" sz="quarter" idx="11"/>
           </p:nvPr>
         </p:nvSpPr>
-        <p:spPr/>
+        <p:spPr>
+          <a:xfrm>
+            <a:off x="1120588" y="56525"/>
+            <a:ext cx="2895600" cy="273844"/>
+          </a:xfrm>
+        </p:spPr>
         <p:txBody>
           <a:bodyPr/>
           <a:lstStyle/>
           <a:p>
             <a:r>
-              <a:rPr lang="en-US" smtClean="0"/>
+              <a:rPr lang="en-US" dirty="0" smtClean="0"/>
               <a:t>© ETH Zürich, COSS </a:t>
             </a:r>
-            <a:endParaRPr lang="en-US"/>
+            <a:endParaRPr lang="en-US" dirty="0"/>
           </a:p>
         </p:txBody>
       </p:sp>
     </p:spTree>
     <p:extLst>
       <p:ext uri="{BB962C8B-B14F-4D97-AF65-F5344CB8AC3E}">
-        <p14:creationId xmlns:p14="http://schemas.microsoft.com/office/powerpoint/2010/main" val="188781168"/>
+        <p14:creationId xmlns:p14="http://schemas.microsoft.com/office/powerpoint/2010/main" val="3784410966"/>
       </p:ext>
     </p:extLst>
   </p:cSld>
   <p:clrMapOvr>
     <a:masterClrMapping/>
   </p:clrMapOvr>
-  <mc:AlternateContent xmlns:mc="http://schemas.openxmlformats.org/markup-compatibility/2006">
-    <mc:Choice xmlns:p14="http://schemas.microsoft.com/office/powerpoint/2010/main" Requires="p14">
-      <p:transition spd="slow" p14:dur="2000"/>
-    </mc:Choice>
-    <mc:Fallback>
-      <p:transition xmlns:p14="http://schemas.microsoft.com/office/powerpoint/2010/main" spd="slow"/>
-    </mc:Fallback>
-  </mc:AlternateContent>
+  <p:timing>
+    <p:tnLst>
+      <p:par>
+        <p:cTn xmlns:p14="http://schemas.microsoft.com/office/powerpoint/2010/main" id="1" dur="indefinite" restart="never" nodeType="tmRoot"/>
+      </p:par>
+    </p:tnLst>
+  </p:timing>
+</p:sld>
+</file>
+
+<file path=ppt/slides/slide17.xml><?xml version="1.0" encoding="utf-8"?>
+<p:sld xmlns:a="http://schemas.openxmlformats.org/drawingml/2006/main" xmlns:r="http://schemas.openxmlformats.org/officeDocument/2006/relationships" xmlns:p="http://schemas.openxmlformats.org/presentationml/2006/main">
+  <p:cSld>
+    <p:spTree>
+      <p:nvGrpSpPr>
+        <p:cNvPr id="1" name=""/>
+        <p:cNvGrpSpPr/>
+        <p:nvPr/>
+      </p:nvGrpSpPr>
+      <p:grpSpPr>
+        <a:xfrm>
+          <a:off x="0" y="0"/>
+          <a:ext cx="0" cy="0"/>
+          <a:chOff x="0" y="0"/>
+          <a:chExt cx="0" cy="0"/>
+        </a:xfrm>
+      </p:grpSpPr>
+      <p:sp>
+        <p:nvSpPr>
+          <p:cNvPr id="2" name="TextBox 1"/>
+          <p:cNvSpPr txBox="1"/>
+          <p:nvPr/>
+        </p:nvSpPr>
+        <p:spPr>
+          <a:xfrm>
+            <a:off x="0" y="266239"/>
+            <a:ext cx="3367638" cy="369332"/>
+          </a:xfrm>
+          <a:prstGeom prst="rect">
+            <a:avLst/>
+          </a:prstGeom>
+          <a:solidFill>
+            <a:schemeClr val="tx1">
+              <a:lumMod val="65000"/>
+              <a:lumOff val="35000"/>
+            </a:schemeClr>
+          </a:solidFill>
+        </p:spPr>
+        <p:style>
+          <a:lnRef idx="2">
+            <a:schemeClr val="dk1"/>
+          </a:lnRef>
+          <a:fillRef idx="1">
+            <a:schemeClr val="lt1"/>
+          </a:fillRef>
+          <a:effectRef idx="0">
+            <a:schemeClr val="dk1"/>
+          </a:effectRef>
+          <a:fontRef idx="minor">
+            <a:schemeClr val="dk1"/>
+          </a:fontRef>
+        </p:style>
+        <p:txBody>
+          <a:bodyPr wrap="square" rtlCol="0">
+            <a:spAutoFit/>
+          </a:bodyPr>
+          <a:lstStyle/>
+          <a:p>
+            <a:r>
+              <a:rPr lang="en-US" dirty="0" err="1">
+                <a:solidFill>
+                  <a:schemeClr val="bg1"/>
+                </a:solidFill>
+              </a:rPr>
+              <a:t>n</a:t>
+            </a:r>
+            <a:r>
+              <a:rPr lang="en-US" dirty="0" err="1" smtClean="0">
+                <a:solidFill>
+                  <a:schemeClr val="bg1"/>
+                </a:solidFill>
+              </a:rPr>
+              <a:t>ervousnet</a:t>
+            </a:r>
+            <a:r>
+              <a:rPr lang="en-US" dirty="0" smtClean="0">
+                <a:solidFill>
+                  <a:schemeClr val="bg1"/>
+                </a:solidFill>
+              </a:rPr>
+              <a:t> HUB</a:t>
+            </a:r>
+            <a:endParaRPr lang="en-US" dirty="0">
+              <a:solidFill>
+                <a:schemeClr val="bg1"/>
+              </a:solidFill>
+            </a:endParaRPr>
+          </a:p>
+        </p:txBody>
+      </p:sp>
+      <p:sp>
+        <p:nvSpPr>
+          <p:cNvPr id="23" name="TextBox 22"/>
+          <p:cNvSpPr txBox="1"/>
+          <p:nvPr/>
+        </p:nvSpPr>
+        <p:spPr>
+          <a:xfrm>
+            <a:off x="3367638" y="260253"/>
+            <a:ext cx="5612323" cy="369332"/>
+          </a:xfrm>
+          <a:prstGeom prst="rect">
+            <a:avLst/>
+          </a:prstGeom>
+          <a:solidFill>
+            <a:schemeClr val="bg1">
+              <a:lumMod val="65000"/>
+            </a:schemeClr>
+          </a:solidFill>
+        </p:spPr>
+        <p:style>
+          <a:lnRef idx="2">
+            <a:schemeClr val="dk1"/>
+          </a:lnRef>
+          <a:fillRef idx="1">
+            <a:schemeClr val="lt1"/>
+          </a:fillRef>
+          <a:effectRef idx="0">
+            <a:schemeClr val="dk1"/>
+          </a:effectRef>
+          <a:fontRef idx="minor">
+            <a:schemeClr val="dk1"/>
+          </a:fontRef>
+        </p:style>
+        <p:txBody>
+          <a:bodyPr wrap="square" rtlCol="0">
+            <a:spAutoFit/>
+          </a:bodyPr>
+          <a:lstStyle>
+            <a:defPPr>
+              <a:defRPr lang="en-US"/>
+            </a:defPPr>
+            <a:lvl1pPr>
+              <a:defRPr>
+                <a:solidFill>
+                  <a:schemeClr val="bg1"/>
+                </a:solidFill>
+              </a:defRPr>
+            </a:lvl1pPr>
+          </a:lstStyle>
+          <a:p>
+            <a:pPr algn="r"/>
+            <a:r>
+              <a:rPr lang="en-US" dirty="0" smtClean="0">
+                <a:solidFill>
+                  <a:schemeClr val="tx1"/>
+                </a:solidFill>
+              </a:rPr>
+              <a:t>Mobile App UI Wireframes</a:t>
+            </a:r>
+            <a:endParaRPr lang="en-US" dirty="0">
+              <a:solidFill>
+                <a:schemeClr val="tx1"/>
+              </a:solidFill>
+            </a:endParaRPr>
+          </a:p>
+        </p:txBody>
+      </p:sp>
+      <p:pic>
+        <p:nvPicPr>
+          <p:cNvPr id="30" name="Picture 29"/>
+          <p:cNvPicPr>
+            <a:picLocks noChangeAspect="1"/>
+          </p:cNvPicPr>
+          <p:nvPr/>
+        </p:nvPicPr>
+        <p:blipFill>
+          <a:blip r:embed="rId2"/>
+          <a:stretch>
+            <a:fillRect/>
+          </a:stretch>
+        </p:blipFill>
+        <p:spPr>
+          <a:xfrm>
+            <a:off x="1387193" y="527985"/>
+            <a:ext cx="2564175" cy="4615515"/>
+          </a:xfrm>
+          <a:prstGeom prst="rect">
+            <a:avLst/>
+          </a:prstGeom>
+        </p:spPr>
+      </p:pic>
+      <p:sp>
+        <p:nvSpPr>
+          <p:cNvPr id="31" name="Rectangle 30"/>
+          <p:cNvSpPr/>
+          <p:nvPr/>
+        </p:nvSpPr>
+        <p:spPr>
+          <a:xfrm>
+            <a:off x="1834701" y="1371600"/>
+            <a:ext cx="1693334" cy="2921000"/>
+          </a:xfrm>
+          <a:prstGeom prst="rect">
+            <a:avLst/>
+          </a:prstGeom>
+          <a:solidFill>
+            <a:schemeClr val="bg1">
+              <a:lumMod val="85000"/>
+            </a:schemeClr>
+          </a:solidFill>
+          <a:ln>
+            <a:solidFill>
+              <a:srgbClr val="7F7F7F"/>
+            </a:solidFill>
+          </a:ln>
+        </p:spPr>
+        <p:style>
+          <a:lnRef idx="1">
+            <a:schemeClr val="accent1"/>
+          </a:lnRef>
+          <a:fillRef idx="3">
+            <a:schemeClr val="accent1"/>
+          </a:fillRef>
+          <a:effectRef idx="2">
+            <a:schemeClr val="accent1"/>
+          </a:effectRef>
+          <a:fontRef idx="minor">
+            <a:schemeClr val="lt1"/>
+          </a:fontRef>
+        </p:style>
+        <p:txBody>
+          <a:bodyPr rtlCol="0" anchor="ctr"/>
+          <a:lstStyle/>
+          <a:p>
+            <a:pPr algn="ctr"/>
+            <a:endParaRPr lang="en-US"/>
+          </a:p>
+        </p:txBody>
+      </p:sp>
+      <p:sp>
+        <p:nvSpPr>
+          <p:cNvPr id="68" name="Rectangle 67"/>
+          <p:cNvSpPr/>
+          <p:nvPr/>
+        </p:nvSpPr>
+        <p:spPr>
+          <a:xfrm>
+            <a:off x="0" y="2348536"/>
+            <a:ext cx="1693334" cy="373021"/>
+          </a:xfrm>
+          <a:prstGeom prst="rect">
+            <a:avLst/>
+          </a:prstGeom>
+          <a:solidFill>
+            <a:schemeClr val="tx1"/>
+          </a:solidFill>
+          <a:ln>
+            <a:solidFill>
+              <a:schemeClr val="tx1"/>
+            </a:solidFill>
+          </a:ln>
+        </p:spPr>
+        <p:style>
+          <a:lnRef idx="1">
+            <a:schemeClr val="accent1"/>
+          </a:lnRef>
+          <a:fillRef idx="3">
+            <a:schemeClr val="accent1"/>
+          </a:fillRef>
+          <a:effectRef idx="2">
+            <a:schemeClr val="accent1"/>
+          </a:effectRef>
+          <a:fontRef idx="minor">
+            <a:schemeClr val="lt1"/>
+          </a:fontRef>
+        </p:style>
+        <p:txBody>
+          <a:bodyPr rtlCol="0" anchor="ctr"/>
+          <a:lstStyle/>
+          <a:p>
+            <a:pPr algn="ctr"/>
+            <a:r>
+              <a:rPr lang="en-US" sz="800" b="1" dirty="0" smtClean="0"/>
+              <a:t>Sensors Main Screen</a:t>
+            </a:r>
+          </a:p>
+          <a:p>
+            <a:pPr algn="ctr"/>
+            <a:r>
+              <a:rPr lang="en-US" sz="800" b="1" dirty="0" smtClean="0"/>
+              <a:t>0-1</a:t>
+            </a:r>
+            <a:endParaRPr lang="en-US" sz="800" b="1" dirty="0"/>
+          </a:p>
+        </p:txBody>
+      </p:sp>
+      <p:sp>
+        <p:nvSpPr>
+          <p:cNvPr id="79" name="Rectangle 78"/>
+          <p:cNvSpPr/>
+          <p:nvPr/>
+        </p:nvSpPr>
+        <p:spPr>
+          <a:xfrm>
+            <a:off x="1834701" y="1371599"/>
+            <a:ext cx="1693334" cy="211666"/>
+          </a:xfrm>
+          <a:prstGeom prst="rect">
+            <a:avLst/>
+          </a:prstGeom>
+          <a:solidFill>
+            <a:schemeClr val="tx1"/>
+          </a:solidFill>
+          <a:ln>
+            <a:solidFill>
+              <a:schemeClr val="tx1"/>
+            </a:solidFill>
+          </a:ln>
+        </p:spPr>
+        <p:style>
+          <a:lnRef idx="1">
+            <a:schemeClr val="accent1"/>
+          </a:lnRef>
+          <a:fillRef idx="3">
+            <a:schemeClr val="accent1"/>
+          </a:fillRef>
+          <a:effectRef idx="2">
+            <a:schemeClr val="accent1"/>
+          </a:effectRef>
+          <a:fontRef idx="minor">
+            <a:schemeClr val="lt1"/>
+          </a:fontRef>
+        </p:style>
+        <p:txBody>
+          <a:bodyPr rtlCol="0" anchor="ctr"/>
+          <a:lstStyle/>
+          <a:p>
+            <a:pPr algn="ctr"/>
+            <a:r>
+              <a:rPr lang="en-US" sz="800" b="1" dirty="0" smtClean="0"/>
+              <a:t>Sensors</a:t>
+            </a:r>
+            <a:endParaRPr lang="en-US" sz="800" b="1" dirty="0"/>
+          </a:p>
+        </p:txBody>
+      </p:sp>
+      <p:sp>
+        <p:nvSpPr>
+          <p:cNvPr id="80" name="Rectangle 79"/>
+          <p:cNvSpPr/>
+          <p:nvPr/>
+        </p:nvSpPr>
+        <p:spPr>
+          <a:xfrm>
+            <a:off x="1842109" y="1638279"/>
+            <a:ext cx="795868" cy="668867"/>
+          </a:xfrm>
+          <a:prstGeom prst="rect">
+            <a:avLst/>
+          </a:prstGeom>
+          <a:solidFill>
+            <a:schemeClr val="tx2">
+              <a:lumMod val="90000"/>
+              <a:lumOff val="10000"/>
+            </a:schemeClr>
+          </a:solidFill>
+          <a:ln/>
+        </p:spPr>
+        <p:style>
+          <a:lnRef idx="3">
+            <a:schemeClr val="lt1"/>
+          </a:lnRef>
+          <a:fillRef idx="1">
+            <a:schemeClr val="accent4"/>
+          </a:fillRef>
+          <a:effectRef idx="1">
+            <a:schemeClr val="accent4"/>
+          </a:effectRef>
+          <a:fontRef idx="minor">
+            <a:schemeClr val="lt1"/>
+          </a:fontRef>
+        </p:style>
+        <p:txBody>
+          <a:bodyPr rtlCol="0" anchor="ctr"/>
+          <a:lstStyle/>
+          <a:p>
+            <a:pPr algn="ctr"/>
+            <a:endParaRPr lang="en-US" sz="700" b="1" dirty="0" smtClean="0"/>
+          </a:p>
+          <a:p>
+            <a:pPr algn="ctr"/>
+            <a:endParaRPr lang="en-US" sz="700" b="1" dirty="0"/>
+          </a:p>
+          <a:p>
+            <a:pPr algn="ctr"/>
+            <a:endParaRPr lang="en-US" sz="700" b="1" dirty="0" smtClean="0"/>
+          </a:p>
+          <a:p>
+            <a:pPr algn="ctr"/>
+            <a:endParaRPr lang="en-US" sz="600" b="1" dirty="0" smtClean="0"/>
+          </a:p>
+          <a:p>
+            <a:pPr algn="ctr"/>
+            <a:r>
+              <a:rPr lang="en-US" sz="600" b="1" dirty="0" smtClean="0"/>
+              <a:t>Accelerometer</a:t>
+            </a:r>
+          </a:p>
+        </p:txBody>
+      </p:sp>
+      <p:sp>
+        <p:nvSpPr>
+          <p:cNvPr id="81" name="Rectangle 80"/>
+          <p:cNvSpPr/>
+          <p:nvPr/>
+        </p:nvSpPr>
+        <p:spPr>
+          <a:xfrm>
+            <a:off x="2714204" y="1638273"/>
+            <a:ext cx="795868" cy="668867"/>
+          </a:xfrm>
+          <a:prstGeom prst="rect">
+            <a:avLst/>
+          </a:prstGeom>
+          <a:solidFill>
+            <a:schemeClr val="tx2">
+              <a:lumMod val="90000"/>
+              <a:lumOff val="10000"/>
+            </a:schemeClr>
+          </a:solidFill>
+          <a:ln/>
+        </p:spPr>
+        <p:style>
+          <a:lnRef idx="3">
+            <a:schemeClr val="lt1"/>
+          </a:lnRef>
+          <a:fillRef idx="1">
+            <a:schemeClr val="accent4"/>
+          </a:fillRef>
+          <a:effectRef idx="1">
+            <a:schemeClr val="accent4"/>
+          </a:effectRef>
+          <a:fontRef idx="minor">
+            <a:schemeClr val="lt1"/>
+          </a:fontRef>
+        </p:style>
+        <p:txBody>
+          <a:bodyPr rtlCol="0" anchor="ctr"/>
+          <a:lstStyle/>
+          <a:p>
+            <a:pPr algn="ctr"/>
+            <a:endParaRPr lang="en-US" sz="700" b="1" dirty="0"/>
+          </a:p>
+          <a:p>
+            <a:pPr algn="ctr"/>
+            <a:endParaRPr lang="en-US" sz="700" b="1" dirty="0"/>
+          </a:p>
+          <a:p>
+            <a:pPr algn="ctr"/>
+            <a:endParaRPr lang="en-US" sz="700" b="1" dirty="0"/>
+          </a:p>
+          <a:p>
+            <a:pPr algn="ctr"/>
+            <a:endParaRPr lang="en-US" sz="600" b="1" dirty="0" smtClean="0"/>
+          </a:p>
+          <a:p>
+            <a:pPr algn="ctr"/>
+            <a:r>
+              <a:rPr lang="en-US" sz="600" b="1" dirty="0" smtClean="0"/>
+              <a:t>Light</a:t>
+            </a:r>
+            <a:endParaRPr lang="en-US" sz="600" b="1" dirty="0"/>
+          </a:p>
+        </p:txBody>
+      </p:sp>
+      <p:sp>
+        <p:nvSpPr>
+          <p:cNvPr id="82" name="Rectangle 81"/>
+          <p:cNvSpPr/>
+          <p:nvPr/>
+        </p:nvSpPr>
+        <p:spPr>
+          <a:xfrm>
+            <a:off x="2709951" y="2332540"/>
+            <a:ext cx="795868" cy="668867"/>
+          </a:xfrm>
+          <a:prstGeom prst="rect">
+            <a:avLst/>
+          </a:prstGeom>
+          <a:solidFill>
+            <a:schemeClr val="tx2">
+              <a:lumMod val="90000"/>
+              <a:lumOff val="10000"/>
+            </a:schemeClr>
+          </a:solidFill>
+          <a:ln/>
+        </p:spPr>
+        <p:style>
+          <a:lnRef idx="3">
+            <a:schemeClr val="lt1"/>
+          </a:lnRef>
+          <a:fillRef idx="1">
+            <a:schemeClr val="accent4"/>
+          </a:fillRef>
+          <a:effectRef idx="1">
+            <a:schemeClr val="accent4"/>
+          </a:effectRef>
+          <a:fontRef idx="minor">
+            <a:schemeClr val="lt1"/>
+          </a:fontRef>
+        </p:style>
+        <p:txBody>
+          <a:bodyPr rtlCol="0" anchor="ctr"/>
+          <a:lstStyle/>
+          <a:p>
+            <a:pPr algn="ctr"/>
+            <a:endParaRPr lang="en-US" sz="700" b="1" dirty="0" smtClean="0"/>
+          </a:p>
+          <a:p>
+            <a:pPr algn="ctr"/>
+            <a:endParaRPr lang="en-US" sz="700" b="1" dirty="0"/>
+          </a:p>
+          <a:p>
+            <a:pPr algn="ctr"/>
+            <a:endParaRPr lang="en-US" sz="700" b="1" dirty="0"/>
+          </a:p>
+          <a:p>
+            <a:pPr algn="ctr"/>
+            <a:endParaRPr lang="en-US" sz="700" b="1" dirty="0"/>
+          </a:p>
+          <a:p>
+            <a:pPr algn="ctr"/>
+            <a:r>
+              <a:rPr lang="en-US" sz="600" b="1" dirty="0" smtClean="0"/>
+              <a:t>Battery</a:t>
+            </a:r>
+            <a:endParaRPr lang="en-US" sz="600" b="1" dirty="0"/>
+          </a:p>
+        </p:txBody>
+      </p:sp>
+      <p:sp>
+        <p:nvSpPr>
+          <p:cNvPr id="83" name="Rectangle 82"/>
+          <p:cNvSpPr/>
+          <p:nvPr/>
+        </p:nvSpPr>
+        <p:spPr>
+          <a:xfrm>
+            <a:off x="1846335" y="3035268"/>
+            <a:ext cx="795868" cy="668867"/>
+          </a:xfrm>
+          <a:prstGeom prst="rect">
+            <a:avLst/>
+          </a:prstGeom>
+          <a:solidFill>
+            <a:schemeClr val="tx2">
+              <a:lumMod val="90000"/>
+              <a:lumOff val="10000"/>
+            </a:schemeClr>
+          </a:solidFill>
+          <a:ln/>
+        </p:spPr>
+        <p:style>
+          <a:lnRef idx="3">
+            <a:schemeClr val="lt1"/>
+          </a:lnRef>
+          <a:fillRef idx="1">
+            <a:schemeClr val="accent4"/>
+          </a:fillRef>
+          <a:effectRef idx="1">
+            <a:schemeClr val="accent4"/>
+          </a:effectRef>
+          <a:fontRef idx="minor">
+            <a:schemeClr val="lt1"/>
+          </a:fontRef>
+        </p:style>
+        <p:txBody>
+          <a:bodyPr rtlCol="0" anchor="ctr"/>
+          <a:lstStyle/>
+          <a:p>
+            <a:pPr algn="ctr"/>
+            <a:endParaRPr lang="en-US" sz="700" b="1" dirty="0" smtClean="0"/>
+          </a:p>
+          <a:p>
+            <a:pPr algn="ctr"/>
+            <a:endParaRPr lang="en-US" sz="700" b="1" dirty="0"/>
+          </a:p>
+          <a:p>
+            <a:pPr algn="ctr"/>
+            <a:endParaRPr lang="en-US" sz="700" b="1" dirty="0" smtClean="0"/>
+          </a:p>
+          <a:p>
+            <a:pPr algn="ctr"/>
+            <a:endParaRPr lang="en-US" sz="700" b="1" dirty="0"/>
+          </a:p>
+          <a:p>
+            <a:pPr algn="ctr"/>
+            <a:r>
+              <a:rPr lang="en-US" sz="600" b="1" dirty="0" smtClean="0"/>
+              <a:t>Proximity</a:t>
+            </a:r>
+            <a:endParaRPr lang="en-US" sz="600" b="1" dirty="0"/>
+          </a:p>
+        </p:txBody>
+      </p:sp>
+      <p:sp>
+        <p:nvSpPr>
+          <p:cNvPr id="84" name="Rectangle 83"/>
+          <p:cNvSpPr/>
+          <p:nvPr/>
+        </p:nvSpPr>
+        <p:spPr>
+          <a:xfrm>
+            <a:off x="2705702" y="3026808"/>
+            <a:ext cx="795868" cy="668867"/>
+          </a:xfrm>
+          <a:prstGeom prst="rect">
+            <a:avLst/>
+          </a:prstGeom>
+          <a:solidFill>
+            <a:schemeClr val="tx2">
+              <a:lumMod val="90000"/>
+              <a:lumOff val="10000"/>
+            </a:schemeClr>
+          </a:solidFill>
+          <a:ln/>
+        </p:spPr>
+        <p:style>
+          <a:lnRef idx="3">
+            <a:schemeClr val="lt1"/>
+          </a:lnRef>
+          <a:fillRef idx="1">
+            <a:schemeClr val="accent4"/>
+          </a:fillRef>
+          <a:effectRef idx="1">
+            <a:schemeClr val="accent4"/>
+          </a:effectRef>
+          <a:fontRef idx="minor">
+            <a:schemeClr val="lt1"/>
+          </a:fontRef>
+        </p:style>
+        <p:txBody>
+          <a:bodyPr rtlCol="0" anchor="ctr"/>
+          <a:lstStyle/>
+          <a:p>
+            <a:pPr algn="ctr"/>
+            <a:endParaRPr lang="en-US" sz="700" b="1" dirty="0" smtClean="0"/>
+          </a:p>
+          <a:p>
+            <a:pPr algn="ctr"/>
+            <a:endParaRPr lang="en-US" sz="700" b="1" dirty="0"/>
+          </a:p>
+          <a:p>
+            <a:pPr algn="ctr"/>
+            <a:endParaRPr lang="en-US" sz="700" b="1" dirty="0" smtClean="0"/>
+          </a:p>
+          <a:p>
+            <a:pPr algn="ctr"/>
+            <a:endParaRPr lang="en-US" sz="700" b="1" dirty="0" smtClean="0"/>
+          </a:p>
+          <a:p>
+            <a:pPr algn="ctr"/>
+            <a:r>
+              <a:rPr lang="en-US" sz="700" b="1" dirty="0" smtClean="0"/>
+              <a:t>Temperature</a:t>
+            </a:r>
+            <a:endParaRPr lang="en-US" sz="700" b="1" dirty="0"/>
+          </a:p>
+        </p:txBody>
+      </p:sp>
+      <p:pic>
+        <p:nvPicPr>
+          <p:cNvPr id="88" name="Picture 87"/>
+          <p:cNvPicPr>
+            <a:picLocks noChangeAspect="1"/>
+          </p:cNvPicPr>
+          <p:nvPr/>
+        </p:nvPicPr>
+        <p:blipFill>
+          <a:blip r:embed="rId3">
+            <a:lum bright="70000" contrast="-70000"/>
+          </a:blip>
+          <a:stretch>
+            <a:fillRect/>
+          </a:stretch>
+        </p:blipFill>
+        <p:spPr>
+          <a:xfrm>
+            <a:off x="2951235" y="3162283"/>
+            <a:ext cx="266706" cy="266706"/>
+          </a:xfrm>
+          <a:prstGeom prst="rect">
+            <a:avLst/>
+          </a:prstGeom>
+        </p:spPr>
+      </p:pic>
+      <p:sp>
+        <p:nvSpPr>
+          <p:cNvPr id="89" name="Rectangle 88"/>
+          <p:cNvSpPr/>
+          <p:nvPr/>
+        </p:nvSpPr>
+        <p:spPr>
+          <a:xfrm>
+            <a:off x="1850577" y="2332542"/>
+            <a:ext cx="795868" cy="668867"/>
+          </a:xfrm>
+          <a:prstGeom prst="rect">
+            <a:avLst/>
+          </a:prstGeom>
+          <a:solidFill>
+            <a:schemeClr val="tx2">
+              <a:lumMod val="90000"/>
+              <a:lumOff val="10000"/>
+            </a:schemeClr>
+          </a:solidFill>
+          <a:ln/>
+        </p:spPr>
+        <p:style>
+          <a:lnRef idx="3">
+            <a:schemeClr val="lt1"/>
+          </a:lnRef>
+          <a:fillRef idx="1">
+            <a:schemeClr val="accent4"/>
+          </a:fillRef>
+          <a:effectRef idx="1">
+            <a:schemeClr val="accent4"/>
+          </a:effectRef>
+          <a:fontRef idx="minor">
+            <a:schemeClr val="lt1"/>
+          </a:fontRef>
+        </p:style>
+        <p:txBody>
+          <a:bodyPr rtlCol="0" anchor="ctr"/>
+          <a:lstStyle/>
+          <a:p>
+            <a:pPr algn="ctr"/>
+            <a:endParaRPr lang="en-US" sz="700" b="1" dirty="0" smtClean="0"/>
+          </a:p>
+          <a:p>
+            <a:pPr algn="ctr"/>
+            <a:endParaRPr lang="en-US" sz="700" b="1" dirty="0"/>
+          </a:p>
+          <a:p>
+            <a:pPr algn="ctr"/>
+            <a:endParaRPr lang="en-US" sz="700" b="1" dirty="0" smtClean="0"/>
+          </a:p>
+          <a:p>
+            <a:pPr algn="ctr"/>
+            <a:endParaRPr lang="en-US" sz="600" b="1" dirty="0" smtClean="0"/>
+          </a:p>
+          <a:p>
+            <a:pPr algn="ctr"/>
+            <a:r>
+              <a:rPr lang="en-US" sz="600" b="1" dirty="0" smtClean="0"/>
+              <a:t>Sound</a:t>
+            </a:r>
+            <a:endParaRPr lang="en-US" sz="600" b="1" dirty="0"/>
+          </a:p>
+        </p:txBody>
+      </p:sp>
+      <p:pic>
+        <p:nvPicPr>
+          <p:cNvPr id="92" name="Picture 91"/>
+          <p:cNvPicPr>
+            <a:picLocks noChangeAspect="1"/>
+          </p:cNvPicPr>
+          <p:nvPr/>
+        </p:nvPicPr>
+        <p:blipFill>
+          <a:blip r:embed="rId4">
+            <a:lum bright="70000" contrast="-70000"/>
+          </a:blip>
+          <a:stretch>
+            <a:fillRect/>
+          </a:stretch>
+        </p:blipFill>
+        <p:spPr>
+          <a:xfrm>
+            <a:off x="2117258" y="1761064"/>
+            <a:ext cx="240839" cy="240839"/>
+          </a:xfrm>
+          <a:prstGeom prst="rect">
+            <a:avLst/>
+          </a:prstGeom>
+        </p:spPr>
+      </p:pic>
+      <p:pic>
+        <p:nvPicPr>
+          <p:cNvPr id="93" name="Picture 92"/>
+          <p:cNvPicPr>
+            <a:picLocks noChangeAspect="1"/>
+          </p:cNvPicPr>
+          <p:nvPr/>
+        </p:nvPicPr>
+        <p:blipFill>
+          <a:blip r:embed="rId5">
+            <a:lum bright="70000" contrast="-70000"/>
+          </a:blip>
+          <a:stretch>
+            <a:fillRect/>
+          </a:stretch>
+        </p:blipFill>
+        <p:spPr>
+          <a:xfrm>
+            <a:off x="2968169" y="1737224"/>
+            <a:ext cx="266706" cy="266706"/>
+          </a:xfrm>
+          <a:prstGeom prst="rect">
+            <a:avLst/>
+          </a:prstGeom>
+        </p:spPr>
+      </p:pic>
+      <p:pic>
+        <p:nvPicPr>
+          <p:cNvPr id="94" name="Picture 93"/>
+          <p:cNvPicPr>
+            <a:picLocks noChangeAspect="1"/>
+          </p:cNvPicPr>
+          <p:nvPr/>
+        </p:nvPicPr>
+        <p:blipFill>
+          <a:blip r:embed="rId6"/>
+          <a:stretch>
+            <a:fillRect/>
+          </a:stretch>
+        </p:blipFill>
+        <p:spPr>
+          <a:xfrm>
+            <a:off x="2083396" y="2442153"/>
+            <a:ext cx="279405" cy="279405"/>
+          </a:xfrm>
+          <a:prstGeom prst="rect">
+            <a:avLst/>
+          </a:prstGeom>
+        </p:spPr>
+      </p:pic>
+      <p:pic>
+        <p:nvPicPr>
+          <p:cNvPr id="95" name="Picture 94"/>
+          <p:cNvPicPr>
+            <a:picLocks noChangeAspect="1"/>
+          </p:cNvPicPr>
+          <p:nvPr/>
+        </p:nvPicPr>
+        <p:blipFill>
+          <a:blip r:embed="rId7">
+            <a:lum bright="70000" contrast="-70000"/>
+          </a:blip>
+          <a:stretch>
+            <a:fillRect/>
+          </a:stretch>
+        </p:blipFill>
+        <p:spPr>
+          <a:xfrm>
+            <a:off x="2754527" y="2313391"/>
+            <a:ext cx="704746" cy="527985"/>
+          </a:xfrm>
+          <a:prstGeom prst="rect">
+            <a:avLst/>
+          </a:prstGeom>
+        </p:spPr>
+      </p:pic>
+      <p:sp>
+        <p:nvSpPr>
+          <p:cNvPr id="4" name="Footer Placeholder 3"/>
+          <p:cNvSpPr>
+            <a:spLocks noGrp="1"/>
+          </p:cNvSpPr>
+          <p:nvPr>
+            <p:ph type="ftr" sz="quarter" idx="11"/>
+          </p:nvPr>
+        </p:nvSpPr>
+        <p:spPr>
+          <a:xfrm>
+            <a:off x="1120588" y="56525"/>
+            <a:ext cx="2895600" cy="273844"/>
+          </a:xfrm>
+        </p:spPr>
+        <p:txBody>
+          <a:bodyPr/>
+          <a:lstStyle/>
+          <a:p>
+            <a:r>
+              <a:rPr lang="en-US" dirty="0" smtClean="0"/>
+              <a:t>© ETH Zürich, COSS </a:t>
+            </a:r>
+            <a:endParaRPr lang="en-US" dirty="0"/>
+          </a:p>
+        </p:txBody>
+      </p:sp>
+      <p:pic>
+        <p:nvPicPr>
+          <p:cNvPr id="21" name="Picture 20"/>
+          <p:cNvPicPr>
+            <a:picLocks noChangeAspect="1"/>
+          </p:cNvPicPr>
+          <p:nvPr/>
+        </p:nvPicPr>
+        <p:blipFill>
+          <a:blip r:embed="rId2"/>
+          <a:stretch>
+            <a:fillRect/>
+          </a:stretch>
+        </p:blipFill>
+        <p:spPr>
+          <a:xfrm>
+            <a:off x="4068792" y="1045972"/>
+            <a:ext cx="1025670" cy="1846206"/>
+          </a:xfrm>
+          <a:prstGeom prst="rect">
+            <a:avLst/>
+          </a:prstGeom>
+        </p:spPr>
+      </p:pic>
+      <p:pic>
+        <p:nvPicPr>
+          <p:cNvPr id="22" name="Picture 21"/>
+          <p:cNvPicPr>
+            <a:picLocks noChangeAspect="1"/>
+          </p:cNvPicPr>
+          <p:nvPr/>
+        </p:nvPicPr>
+        <p:blipFill>
+          <a:blip r:embed="rId2"/>
+          <a:stretch>
+            <a:fillRect/>
+          </a:stretch>
+        </p:blipFill>
+        <p:spPr>
+          <a:xfrm>
+            <a:off x="4097702" y="3001407"/>
+            <a:ext cx="1025670" cy="1846206"/>
+          </a:xfrm>
+          <a:prstGeom prst="rect">
+            <a:avLst/>
+          </a:prstGeom>
+        </p:spPr>
+      </p:pic>
+      <p:pic>
+        <p:nvPicPr>
+          <p:cNvPr id="24" name="Picture 23"/>
+          <p:cNvPicPr>
+            <a:picLocks noChangeAspect="1"/>
+          </p:cNvPicPr>
+          <p:nvPr/>
+        </p:nvPicPr>
+        <p:blipFill>
+          <a:blip r:embed="rId2"/>
+          <a:stretch>
+            <a:fillRect/>
+          </a:stretch>
+        </p:blipFill>
+        <p:spPr>
+          <a:xfrm>
+            <a:off x="5518372" y="3055095"/>
+            <a:ext cx="1025670" cy="1846206"/>
+          </a:xfrm>
+          <a:prstGeom prst="rect">
+            <a:avLst/>
+          </a:prstGeom>
+        </p:spPr>
+      </p:pic>
+      <p:sp>
+        <p:nvSpPr>
+          <p:cNvPr id="26" name="Rectangle 25"/>
+          <p:cNvSpPr/>
+          <p:nvPr/>
+        </p:nvSpPr>
+        <p:spPr>
+          <a:xfrm>
+            <a:off x="5716723" y="3392936"/>
+            <a:ext cx="630170" cy="93140"/>
+          </a:xfrm>
+          <a:prstGeom prst="rect">
+            <a:avLst/>
+          </a:prstGeom>
+          <a:solidFill>
+            <a:schemeClr val="tx1"/>
+          </a:solidFill>
+          <a:ln>
+            <a:solidFill>
+              <a:schemeClr val="tx1"/>
+            </a:solidFill>
+          </a:ln>
+        </p:spPr>
+        <p:style>
+          <a:lnRef idx="1">
+            <a:schemeClr val="accent1"/>
+          </a:lnRef>
+          <a:fillRef idx="3">
+            <a:schemeClr val="accent1"/>
+          </a:fillRef>
+          <a:effectRef idx="2">
+            <a:schemeClr val="accent1"/>
+          </a:effectRef>
+          <a:fontRef idx="minor">
+            <a:schemeClr val="lt1"/>
+          </a:fontRef>
+        </p:style>
+        <p:txBody>
+          <a:bodyPr rtlCol="0" anchor="ctr"/>
+          <a:lstStyle/>
+          <a:p>
+            <a:pPr algn="ctr"/>
+            <a:r>
+              <a:rPr lang="en-US" sz="500" b="1" dirty="0" smtClean="0"/>
+              <a:t>Temperature</a:t>
+            </a:r>
+            <a:endParaRPr lang="en-US" sz="500" b="1" dirty="0"/>
+          </a:p>
+        </p:txBody>
+      </p:sp>
+      <p:sp>
+        <p:nvSpPr>
+          <p:cNvPr id="28" name="Rectangle 27"/>
+          <p:cNvSpPr/>
+          <p:nvPr/>
+        </p:nvSpPr>
+        <p:spPr>
+          <a:xfrm>
+            <a:off x="4239908" y="1415628"/>
+            <a:ext cx="679218" cy="135467"/>
+          </a:xfrm>
+          <a:prstGeom prst="rect">
+            <a:avLst/>
+          </a:prstGeom>
+          <a:solidFill>
+            <a:schemeClr val="tx1"/>
+          </a:solidFill>
+          <a:ln>
+            <a:solidFill>
+              <a:schemeClr val="tx1"/>
+            </a:solidFill>
+          </a:ln>
+        </p:spPr>
+        <p:style>
+          <a:lnRef idx="1">
+            <a:schemeClr val="accent1"/>
+          </a:lnRef>
+          <a:fillRef idx="3">
+            <a:schemeClr val="accent1"/>
+          </a:fillRef>
+          <a:effectRef idx="2">
+            <a:schemeClr val="accent1"/>
+          </a:effectRef>
+          <a:fontRef idx="minor">
+            <a:schemeClr val="lt1"/>
+          </a:fontRef>
+        </p:style>
+        <p:txBody>
+          <a:bodyPr rtlCol="0" anchor="ctr"/>
+          <a:lstStyle/>
+          <a:p>
+            <a:pPr algn="ctr"/>
+            <a:r>
+              <a:rPr lang="en-US" sz="500" b="1" dirty="0" smtClean="0"/>
+              <a:t>Accelerometer</a:t>
+            </a:r>
+            <a:endParaRPr lang="en-US" sz="500" b="1" dirty="0"/>
+          </a:p>
+        </p:txBody>
+      </p:sp>
+      <p:sp>
+        <p:nvSpPr>
+          <p:cNvPr id="32" name="Rectangle 31"/>
+          <p:cNvSpPr/>
+          <p:nvPr/>
+        </p:nvSpPr>
+        <p:spPr>
+          <a:xfrm>
+            <a:off x="4276706" y="3364160"/>
+            <a:ext cx="661292" cy="84666"/>
+          </a:xfrm>
+          <a:prstGeom prst="rect">
+            <a:avLst/>
+          </a:prstGeom>
+          <a:solidFill>
+            <a:schemeClr val="tx1"/>
+          </a:solidFill>
+          <a:ln>
+            <a:solidFill>
+              <a:schemeClr val="tx1"/>
+            </a:solidFill>
+          </a:ln>
+        </p:spPr>
+        <p:style>
+          <a:lnRef idx="1">
+            <a:schemeClr val="accent1"/>
+          </a:lnRef>
+          <a:fillRef idx="3">
+            <a:schemeClr val="accent1"/>
+          </a:fillRef>
+          <a:effectRef idx="2">
+            <a:schemeClr val="accent1"/>
+          </a:effectRef>
+          <a:fontRef idx="minor">
+            <a:schemeClr val="lt1"/>
+          </a:fontRef>
+        </p:style>
+        <p:txBody>
+          <a:bodyPr rtlCol="0" anchor="ctr"/>
+          <a:lstStyle/>
+          <a:p>
+            <a:pPr algn="ctr"/>
+            <a:r>
+              <a:rPr lang="en-US" sz="500" b="1" dirty="0" smtClean="0"/>
+              <a:t>Sound Sensor</a:t>
+            </a:r>
+            <a:endParaRPr lang="en-US" sz="500" b="1" dirty="0"/>
+          </a:p>
+        </p:txBody>
+      </p:sp>
+      <p:pic>
+        <p:nvPicPr>
+          <p:cNvPr id="33" name="Picture 32"/>
+          <p:cNvPicPr>
+            <a:picLocks noChangeAspect="1"/>
+          </p:cNvPicPr>
+          <p:nvPr/>
+        </p:nvPicPr>
+        <p:blipFill>
+          <a:blip r:embed="rId8">
+            <a:grayscl/>
+          </a:blip>
+          <a:stretch>
+            <a:fillRect/>
+          </a:stretch>
+        </p:blipFill>
+        <p:spPr>
+          <a:xfrm>
+            <a:off x="4349153" y="3646818"/>
+            <a:ext cx="506306" cy="506306"/>
+          </a:xfrm>
+          <a:prstGeom prst="rect">
+            <a:avLst/>
+          </a:prstGeom>
+        </p:spPr>
+      </p:pic>
+      <p:pic>
+        <p:nvPicPr>
+          <p:cNvPr id="34" name="Picture 33"/>
+          <p:cNvPicPr>
+            <a:picLocks noChangeAspect="1"/>
+          </p:cNvPicPr>
+          <p:nvPr/>
+        </p:nvPicPr>
+        <p:blipFill>
+          <a:blip r:embed="rId9">
+            <a:grayscl/>
+          </a:blip>
+          <a:stretch>
+            <a:fillRect/>
+          </a:stretch>
+        </p:blipFill>
+        <p:spPr>
+          <a:xfrm>
+            <a:off x="5867232" y="3744319"/>
+            <a:ext cx="293464" cy="596053"/>
+          </a:xfrm>
+          <a:prstGeom prst="rect">
+            <a:avLst/>
+          </a:prstGeom>
+        </p:spPr>
+      </p:pic>
+      <p:sp>
+        <p:nvSpPr>
+          <p:cNvPr id="37" name="TextBox 36"/>
+          <p:cNvSpPr txBox="1"/>
+          <p:nvPr/>
+        </p:nvSpPr>
+        <p:spPr>
+          <a:xfrm>
+            <a:off x="4347897" y="4095431"/>
+            <a:ext cx="507562" cy="200055"/>
+          </a:xfrm>
+          <a:prstGeom prst="rect">
+            <a:avLst/>
+          </a:prstGeom>
+          <a:noFill/>
+        </p:spPr>
+        <p:txBody>
+          <a:bodyPr wrap="square" rtlCol="0">
+            <a:spAutoFit/>
+          </a:bodyPr>
+          <a:lstStyle/>
+          <a:p>
+            <a:pPr algn="ctr"/>
+            <a:r>
+              <a:rPr lang="en-US" sz="700" b="1" dirty="0" smtClean="0">
+                <a:latin typeface="Nunito-Black"/>
+                <a:cs typeface="Nunito-Black"/>
+              </a:rPr>
+              <a:t>46 dB</a:t>
+            </a:r>
+          </a:p>
+        </p:txBody>
+      </p:sp>
+      <p:pic>
+        <p:nvPicPr>
+          <p:cNvPr id="46" name="Picture 45"/>
+          <p:cNvPicPr>
+            <a:picLocks noChangeAspect="1"/>
+          </p:cNvPicPr>
+          <p:nvPr/>
+        </p:nvPicPr>
+        <p:blipFill>
+          <a:blip r:embed="rId2"/>
+          <a:stretch>
+            <a:fillRect/>
+          </a:stretch>
+        </p:blipFill>
+        <p:spPr>
+          <a:xfrm>
+            <a:off x="5518372" y="1045972"/>
+            <a:ext cx="1025670" cy="1846206"/>
+          </a:xfrm>
+          <a:prstGeom prst="rect">
+            <a:avLst/>
+          </a:prstGeom>
+        </p:spPr>
+      </p:pic>
+      <p:sp>
+        <p:nvSpPr>
+          <p:cNvPr id="47" name="Rectangle 46"/>
+          <p:cNvSpPr/>
+          <p:nvPr/>
+        </p:nvSpPr>
+        <p:spPr>
+          <a:xfrm>
+            <a:off x="5725092" y="1415628"/>
+            <a:ext cx="626680" cy="135467"/>
+          </a:xfrm>
+          <a:prstGeom prst="rect">
+            <a:avLst/>
+          </a:prstGeom>
+          <a:solidFill>
+            <a:schemeClr val="tx1"/>
+          </a:solidFill>
+          <a:ln>
+            <a:solidFill>
+              <a:schemeClr val="tx1"/>
+            </a:solidFill>
+          </a:ln>
+        </p:spPr>
+        <p:style>
+          <a:lnRef idx="1">
+            <a:schemeClr val="accent1"/>
+          </a:lnRef>
+          <a:fillRef idx="3">
+            <a:schemeClr val="accent1"/>
+          </a:fillRef>
+          <a:effectRef idx="2">
+            <a:schemeClr val="accent1"/>
+          </a:effectRef>
+          <a:fontRef idx="minor">
+            <a:schemeClr val="lt1"/>
+          </a:fontRef>
+        </p:style>
+        <p:txBody>
+          <a:bodyPr rtlCol="0" anchor="ctr"/>
+          <a:lstStyle/>
+          <a:p>
+            <a:pPr algn="ctr"/>
+            <a:r>
+              <a:rPr lang="en-US" sz="500" b="1" dirty="0" smtClean="0"/>
+              <a:t>Light Sensor</a:t>
+            </a:r>
+            <a:endParaRPr lang="en-US" sz="500" b="1" dirty="0"/>
+          </a:p>
+        </p:txBody>
+      </p:sp>
+      <p:pic>
+        <p:nvPicPr>
+          <p:cNvPr id="48" name="Picture 47"/>
+          <p:cNvPicPr>
+            <a:picLocks noChangeAspect="1"/>
+          </p:cNvPicPr>
+          <p:nvPr/>
+        </p:nvPicPr>
+        <p:blipFill>
+          <a:blip r:embed="rId10">
+            <a:grayscl/>
+          </a:blip>
+          <a:stretch>
+            <a:fillRect/>
+          </a:stretch>
+        </p:blipFill>
+        <p:spPr>
+          <a:xfrm>
+            <a:off x="5672554" y="1797443"/>
+            <a:ext cx="679218" cy="596053"/>
+          </a:xfrm>
+          <a:prstGeom prst="rect">
+            <a:avLst/>
+          </a:prstGeom>
+        </p:spPr>
+      </p:pic>
+      <p:sp>
+        <p:nvSpPr>
+          <p:cNvPr id="49" name="TextBox 48"/>
+          <p:cNvSpPr txBox="1"/>
+          <p:nvPr/>
+        </p:nvSpPr>
+        <p:spPr>
+          <a:xfrm>
+            <a:off x="5841068" y="1921834"/>
+            <a:ext cx="364202" cy="307777"/>
+          </a:xfrm>
+          <a:prstGeom prst="rect">
+            <a:avLst/>
+          </a:prstGeom>
+          <a:noFill/>
+        </p:spPr>
+        <p:txBody>
+          <a:bodyPr wrap="none" rtlCol="0">
+            <a:spAutoFit/>
+          </a:bodyPr>
+          <a:lstStyle/>
+          <a:p>
+            <a:pPr algn="ctr"/>
+            <a:r>
+              <a:rPr lang="en-US" sz="700" dirty="0" smtClean="0">
+                <a:latin typeface="Nunito-Black"/>
+                <a:cs typeface="Nunito-Black"/>
+              </a:rPr>
+              <a:t>560 </a:t>
+            </a:r>
+          </a:p>
+          <a:p>
+            <a:pPr algn="ctr"/>
+            <a:r>
+              <a:rPr lang="en-US" sz="700" dirty="0" smtClean="0">
+                <a:latin typeface="Nunito-Black"/>
+                <a:cs typeface="Nunito-Black"/>
+              </a:rPr>
+              <a:t>lux</a:t>
+            </a:r>
+            <a:endParaRPr lang="en-US" sz="700" dirty="0">
+              <a:latin typeface="Nunito-Black"/>
+              <a:cs typeface="Nunito-Black"/>
+            </a:endParaRPr>
+          </a:p>
+        </p:txBody>
+      </p:sp>
+    </p:spTree>
+    <p:extLst>
+      <p:ext uri="{BB962C8B-B14F-4D97-AF65-F5344CB8AC3E}">
+        <p14:creationId xmlns:p14="http://schemas.microsoft.com/office/powerpoint/2010/main" val="1654477838"/>
+      </p:ext>
+    </p:extLst>
+  </p:cSld>
+  <p:clrMapOvr>
+    <a:masterClrMapping/>
+  </p:clrMapOvr>
+  <p:timing>
+    <p:tnLst>
+      <p:par>
+        <p:cTn xmlns:p14="http://schemas.microsoft.com/office/powerpoint/2010/main" id="1" dur="indefinite" restart="never" nodeType="tmRoot"/>
+      </p:par>
+    </p:tnLst>
+  </p:timing>
+</p:sld>
+</file>
+
+<file path=ppt/slides/slide18.xml><?xml version="1.0" encoding="utf-8"?>
+<p:sld xmlns:a="http://schemas.openxmlformats.org/drawingml/2006/main" xmlns:r="http://schemas.openxmlformats.org/officeDocument/2006/relationships" xmlns:p="http://schemas.openxmlformats.org/presentationml/2006/main">
+  <p:cSld>
+    <p:spTree>
+      <p:nvGrpSpPr>
+        <p:cNvPr id="1" name=""/>
+        <p:cNvGrpSpPr/>
+        <p:nvPr/>
+      </p:nvGrpSpPr>
+      <p:grpSpPr>
+        <a:xfrm>
+          <a:off x="0" y="0"/>
+          <a:ext cx="0" cy="0"/>
+          <a:chOff x="0" y="0"/>
+          <a:chExt cx="0" cy="0"/>
+        </a:xfrm>
+      </p:grpSpPr>
+      <p:sp>
+        <p:nvSpPr>
+          <p:cNvPr id="2" name="TextBox 1"/>
+          <p:cNvSpPr txBox="1"/>
+          <p:nvPr/>
+        </p:nvSpPr>
+        <p:spPr>
+          <a:xfrm>
+            <a:off x="0" y="266239"/>
+            <a:ext cx="3367638" cy="369332"/>
+          </a:xfrm>
+          <a:prstGeom prst="rect">
+            <a:avLst/>
+          </a:prstGeom>
+          <a:solidFill>
+            <a:schemeClr val="tx1">
+              <a:lumMod val="65000"/>
+              <a:lumOff val="35000"/>
+            </a:schemeClr>
+          </a:solidFill>
+        </p:spPr>
+        <p:style>
+          <a:lnRef idx="2">
+            <a:schemeClr val="dk1"/>
+          </a:lnRef>
+          <a:fillRef idx="1">
+            <a:schemeClr val="lt1"/>
+          </a:fillRef>
+          <a:effectRef idx="0">
+            <a:schemeClr val="dk1"/>
+          </a:effectRef>
+          <a:fontRef idx="minor">
+            <a:schemeClr val="dk1"/>
+          </a:fontRef>
+        </p:style>
+        <p:txBody>
+          <a:bodyPr wrap="square" rtlCol="0">
+            <a:spAutoFit/>
+          </a:bodyPr>
+          <a:lstStyle/>
+          <a:p>
+            <a:r>
+              <a:rPr lang="en-US" dirty="0" err="1">
+                <a:solidFill>
+                  <a:schemeClr val="bg1"/>
+                </a:solidFill>
+              </a:rPr>
+              <a:t>n</a:t>
+            </a:r>
+            <a:r>
+              <a:rPr lang="en-US" dirty="0" err="1" smtClean="0">
+                <a:solidFill>
+                  <a:schemeClr val="bg1"/>
+                </a:solidFill>
+              </a:rPr>
+              <a:t>ervousnet</a:t>
+            </a:r>
+            <a:r>
+              <a:rPr lang="en-US" dirty="0" smtClean="0">
+                <a:solidFill>
+                  <a:schemeClr val="bg1"/>
+                </a:solidFill>
+              </a:rPr>
+              <a:t> HUB</a:t>
+            </a:r>
+            <a:endParaRPr lang="en-US" dirty="0">
+              <a:solidFill>
+                <a:schemeClr val="bg1"/>
+              </a:solidFill>
+            </a:endParaRPr>
+          </a:p>
+        </p:txBody>
+      </p:sp>
+      <p:sp>
+        <p:nvSpPr>
+          <p:cNvPr id="23" name="TextBox 22"/>
+          <p:cNvSpPr txBox="1"/>
+          <p:nvPr/>
+        </p:nvSpPr>
+        <p:spPr>
+          <a:xfrm>
+            <a:off x="3367638" y="260253"/>
+            <a:ext cx="5612323" cy="369332"/>
+          </a:xfrm>
+          <a:prstGeom prst="rect">
+            <a:avLst/>
+          </a:prstGeom>
+          <a:solidFill>
+            <a:schemeClr val="bg1">
+              <a:lumMod val="65000"/>
+            </a:schemeClr>
+          </a:solidFill>
+        </p:spPr>
+        <p:style>
+          <a:lnRef idx="2">
+            <a:schemeClr val="dk1"/>
+          </a:lnRef>
+          <a:fillRef idx="1">
+            <a:schemeClr val="lt1"/>
+          </a:fillRef>
+          <a:effectRef idx="0">
+            <a:schemeClr val="dk1"/>
+          </a:effectRef>
+          <a:fontRef idx="minor">
+            <a:schemeClr val="dk1"/>
+          </a:fontRef>
+        </p:style>
+        <p:txBody>
+          <a:bodyPr wrap="square" rtlCol="0">
+            <a:spAutoFit/>
+          </a:bodyPr>
+          <a:lstStyle>
+            <a:defPPr>
+              <a:defRPr lang="en-US"/>
+            </a:defPPr>
+            <a:lvl1pPr>
+              <a:defRPr>
+                <a:solidFill>
+                  <a:schemeClr val="bg1"/>
+                </a:solidFill>
+              </a:defRPr>
+            </a:lvl1pPr>
+          </a:lstStyle>
+          <a:p>
+            <a:pPr algn="r"/>
+            <a:r>
+              <a:rPr lang="en-US" dirty="0" smtClean="0">
+                <a:solidFill>
+                  <a:schemeClr val="tx1"/>
+                </a:solidFill>
+              </a:rPr>
+              <a:t>Mobile App UI Wireframes</a:t>
+            </a:r>
+            <a:endParaRPr lang="en-US" dirty="0">
+              <a:solidFill>
+                <a:schemeClr val="tx1"/>
+              </a:solidFill>
+            </a:endParaRPr>
+          </a:p>
+        </p:txBody>
+      </p:sp>
+      <p:sp>
+        <p:nvSpPr>
+          <p:cNvPr id="4" name="Footer Placeholder 3"/>
+          <p:cNvSpPr>
+            <a:spLocks noGrp="1"/>
+          </p:cNvSpPr>
+          <p:nvPr>
+            <p:ph type="ftr" sz="quarter" idx="11"/>
+          </p:nvPr>
+        </p:nvSpPr>
+        <p:spPr>
+          <a:xfrm>
+            <a:off x="1120588" y="56525"/>
+            <a:ext cx="2895600" cy="273844"/>
+          </a:xfrm>
+        </p:spPr>
+        <p:txBody>
+          <a:bodyPr/>
+          <a:lstStyle/>
+          <a:p>
+            <a:r>
+              <a:rPr lang="en-US" dirty="0" smtClean="0"/>
+              <a:t>© ETH Zürich, COSS </a:t>
+            </a:r>
+            <a:endParaRPr lang="en-US" dirty="0"/>
+          </a:p>
+        </p:txBody>
+      </p:sp>
+      <p:pic>
+        <p:nvPicPr>
+          <p:cNvPr id="20" name="Picture 19"/>
+          <p:cNvPicPr>
+            <a:picLocks noChangeAspect="1"/>
+          </p:cNvPicPr>
+          <p:nvPr/>
+        </p:nvPicPr>
+        <p:blipFill>
+          <a:blip r:embed="rId2"/>
+          <a:stretch>
+            <a:fillRect/>
+          </a:stretch>
+        </p:blipFill>
+        <p:spPr>
+          <a:xfrm>
+            <a:off x="1380582" y="468729"/>
+            <a:ext cx="2564175" cy="4615515"/>
+          </a:xfrm>
+          <a:prstGeom prst="rect">
+            <a:avLst/>
+          </a:prstGeom>
+        </p:spPr>
+      </p:pic>
+      <p:sp>
+        <p:nvSpPr>
+          <p:cNvPr id="21" name="Rectangle 20"/>
+          <p:cNvSpPr/>
+          <p:nvPr/>
+        </p:nvSpPr>
+        <p:spPr>
+          <a:xfrm>
+            <a:off x="1828090" y="1312344"/>
+            <a:ext cx="1693334" cy="2921000"/>
+          </a:xfrm>
+          <a:prstGeom prst="rect">
+            <a:avLst/>
+          </a:prstGeom>
+          <a:solidFill>
+            <a:schemeClr val="bg1">
+              <a:lumMod val="85000"/>
+            </a:schemeClr>
+          </a:solidFill>
+          <a:ln>
+            <a:solidFill>
+              <a:srgbClr val="7F7F7F"/>
+            </a:solidFill>
+          </a:ln>
+        </p:spPr>
+        <p:style>
+          <a:lnRef idx="1">
+            <a:schemeClr val="accent1"/>
+          </a:lnRef>
+          <a:fillRef idx="3">
+            <a:schemeClr val="accent1"/>
+          </a:fillRef>
+          <a:effectRef idx="2">
+            <a:schemeClr val="accent1"/>
+          </a:effectRef>
+          <a:fontRef idx="minor">
+            <a:schemeClr val="lt1"/>
+          </a:fontRef>
+        </p:style>
+        <p:txBody>
+          <a:bodyPr rtlCol="0" anchor="ctr"/>
+          <a:lstStyle/>
+          <a:p>
+            <a:pPr algn="ctr"/>
+            <a:endParaRPr lang="en-US"/>
+          </a:p>
+        </p:txBody>
+      </p:sp>
+      <p:sp>
+        <p:nvSpPr>
+          <p:cNvPr id="22" name="Rectangle 21"/>
+          <p:cNvSpPr/>
+          <p:nvPr/>
+        </p:nvSpPr>
+        <p:spPr>
+          <a:xfrm>
+            <a:off x="1828090" y="1320811"/>
+            <a:ext cx="1693334" cy="211666"/>
+          </a:xfrm>
+          <a:prstGeom prst="rect">
+            <a:avLst/>
+          </a:prstGeom>
+          <a:solidFill>
+            <a:schemeClr val="tx1"/>
+          </a:solidFill>
+          <a:ln>
+            <a:solidFill>
+              <a:schemeClr val="tx1"/>
+            </a:solidFill>
+          </a:ln>
+        </p:spPr>
+        <p:style>
+          <a:lnRef idx="1">
+            <a:schemeClr val="accent1"/>
+          </a:lnRef>
+          <a:fillRef idx="3">
+            <a:schemeClr val="accent1"/>
+          </a:fillRef>
+          <a:effectRef idx="2">
+            <a:schemeClr val="accent1"/>
+          </a:effectRef>
+          <a:fontRef idx="minor">
+            <a:schemeClr val="lt1"/>
+          </a:fontRef>
+        </p:style>
+        <p:txBody>
+          <a:bodyPr rtlCol="0" anchor="ctr"/>
+          <a:lstStyle/>
+          <a:p>
+            <a:pPr algn="ctr"/>
+            <a:r>
+              <a:rPr lang="en-US" sz="800" b="1" dirty="0" smtClean="0"/>
+              <a:t>Sensor Analytics</a:t>
+            </a:r>
+            <a:endParaRPr lang="en-US" sz="800" b="1" dirty="0"/>
+          </a:p>
+        </p:txBody>
+      </p:sp>
+      <p:sp>
+        <p:nvSpPr>
+          <p:cNvPr id="24" name="Rectangle 23"/>
+          <p:cNvSpPr/>
+          <p:nvPr/>
+        </p:nvSpPr>
+        <p:spPr>
+          <a:xfrm>
+            <a:off x="1836557" y="1761080"/>
+            <a:ext cx="1693334" cy="211666"/>
+          </a:xfrm>
+          <a:prstGeom prst="rect">
+            <a:avLst/>
+          </a:prstGeom>
+          <a:solidFill>
+            <a:schemeClr val="tx1"/>
+          </a:solidFill>
+          <a:ln>
+            <a:solidFill>
+              <a:schemeClr val="tx1"/>
+            </a:solidFill>
+          </a:ln>
+        </p:spPr>
+        <p:style>
+          <a:lnRef idx="1">
+            <a:schemeClr val="accent1"/>
+          </a:lnRef>
+          <a:fillRef idx="3">
+            <a:schemeClr val="accent1"/>
+          </a:fillRef>
+          <a:effectRef idx="2">
+            <a:schemeClr val="accent1"/>
+          </a:effectRef>
+          <a:fontRef idx="minor">
+            <a:schemeClr val="lt1"/>
+          </a:fontRef>
+        </p:style>
+        <p:txBody>
+          <a:bodyPr rtlCol="0" anchor="ctr"/>
+          <a:lstStyle/>
+          <a:p>
+            <a:endParaRPr lang="en-US" sz="800" b="1" dirty="0"/>
+          </a:p>
+        </p:txBody>
+      </p:sp>
+      <p:sp>
+        <p:nvSpPr>
+          <p:cNvPr id="25" name="Rectangle 24"/>
+          <p:cNvSpPr/>
+          <p:nvPr/>
+        </p:nvSpPr>
+        <p:spPr>
+          <a:xfrm>
+            <a:off x="1828090" y="1566339"/>
+            <a:ext cx="1693334" cy="1947329"/>
+          </a:xfrm>
+          <a:prstGeom prst="rect">
+            <a:avLst/>
+          </a:prstGeom>
+          <a:solidFill>
+            <a:schemeClr val="bg1">
+              <a:alpha val="66000"/>
+            </a:schemeClr>
+          </a:solidFill>
+          <a:ln>
+            <a:noFill/>
+          </a:ln>
+        </p:spPr>
+        <p:style>
+          <a:lnRef idx="1">
+            <a:schemeClr val="accent1"/>
+          </a:lnRef>
+          <a:fillRef idx="3">
+            <a:schemeClr val="accent1"/>
+          </a:fillRef>
+          <a:effectRef idx="2">
+            <a:schemeClr val="accent1"/>
+          </a:effectRef>
+          <a:fontRef idx="minor">
+            <a:schemeClr val="lt1"/>
+          </a:fontRef>
+        </p:style>
+        <p:txBody>
+          <a:bodyPr rtlCol="0" anchor="ctr"/>
+          <a:lstStyle/>
+          <a:p>
+            <a:r>
+              <a:rPr lang="en-US" sz="800" b="1" dirty="0" smtClean="0">
+                <a:solidFill>
+                  <a:schemeClr val="tx1">
+                    <a:lumMod val="95000"/>
+                    <a:lumOff val="5000"/>
+                  </a:schemeClr>
+                </a:solidFill>
+              </a:rPr>
+              <a:t>Select a sensor:</a:t>
+            </a:r>
+          </a:p>
+          <a:p>
+            <a:endParaRPr lang="en-US" sz="800" b="1" dirty="0" smtClean="0">
+              <a:solidFill>
+                <a:schemeClr val="tx1">
+                  <a:lumMod val="50000"/>
+                  <a:lumOff val="50000"/>
+                </a:schemeClr>
+              </a:solidFill>
+            </a:endParaRPr>
+          </a:p>
+          <a:p>
+            <a:r>
+              <a:rPr lang="en-US" sz="800" b="1" dirty="0" smtClean="0">
+                <a:solidFill>
+                  <a:schemeClr val="tx1"/>
+                </a:solidFill>
+              </a:rPr>
+              <a:t>Accelerometer</a:t>
+            </a:r>
+          </a:p>
+          <a:p>
+            <a:endParaRPr lang="en-US" sz="800" b="1" dirty="0">
+              <a:solidFill>
+                <a:schemeClr val="bg1">
+                  <a:lumMod val="50000"/>
+                </a:schemeClr>
+              </a:solidFill>
+            </a:endParaRPr>
+          </a:p>
+          <a:p>
+            <a:r>
+              <a:rPr lang="en-US" sz="800" b="1" dirty="0" smtClean="0">
+                <a:solidFill>
+                  <a:schemeClr val="bg1">
+                    <a:lumMod val="50000"/>
+                  </a:schemeClr>
+                </a:solidFill>
+              </a:rPr>
+              <a:t>Battery</a:t>
+            </a:r>
+          </a:p>
+          <a:p>
+            <a:endParaRPr lang="en-US" sz="800" b="1" dirty="0">
+              <a:solidFill>
+                <a:schemeClr val="bg1">
+                  <a:lumMod val="50000"/>
+                </a:schemeClr>
+              </a:solidFill>
+            </a:endParaRPr>
+          </a:p>
+          <a:p>
+            <a:r>
+              <a:rPr lang="en-US" sz="800" b="1" dirty="0" smtClean="0">
+                <a:solidFill>
+                  <a:schemeClr val="bg1">
+                    <a:lumMod val="50000"/>
+                  </a:schemeClr>
+                </a:solidFill>
+              </a:rPr>
+              <a:t>Gyroscope</a:t>
+            </a:r>
+          </a:p>
+          <a:p>
+            <a:endParaRPr lang="en-US" sz="800" b="1" dirty="0">
+              <a:solidFill>
+                <a:schemeClr val="bg1">
+                  <a:lumMod val="50000"/>
+                </a:schemeClr>
+              </a:solidFill>
+            </a:endParaRPr>
+          </a:p>
+          <a:p>
+            <a:r>
+              <a:rPr lang="en-US" sz="800" b="1" dirty="0" smtClean="0">
+                <a:solidFill>
+                  <a:schemeClr val="bg1">
+                    <a:lumMod val="50000"/>
+                  </a:schemeClr>
+                </a:solidFill>
+              </a:rPr>
+              <a:t>Magnetic</a:t>
+            </a:r>
+          </a:p>
+          <a:p>
+            <a:endParaRPr lang="en-US" sz="800" b="1" dirty="0">
+              <a:solidFill>
+                <a:schemeClr val="bg1">
+                  <a:lumMod val="50000"/>
+                </a:schemeClr>
+              </a:solidFill>
+            </a:endParaRPr>
+          </a:p>
+          <a:p>
+            <a:r>
+              <a:rPr lang="en-US" sz="800" b="1" dirty="0" smtClean="0">
+                <a:solidFill>
+                  <a:schemeClr val="bg1">
+                    <a:lumMod val="50000"/>
+                  </a:schemeClr>
+                </a:solidFill>
+              </a:rPr>
+              <a:t>Pressure</a:t>
+            </a:r>
+          </a:p>
+          <a:p>
+            <a:endParaRPr lang="en-US" sz="800" b="1" dirty="0">
+              <a:solidFill>
+                <a:schemeClr val="bg1">
+                  <a:lumMod val="50000"/>
+                </a:schemeClr>
+              </a:solidFill>
+            </a:endParaRPr>
+          </a:p>
+          <a:p>
+            <a:r>
+              <a:rPr lang="en-US" sz="800" b="1" dirty="0" smtClean="0">
+                <a:solidFill>
+                  <a:schemeClr val="bg1">
+                    <a:lumMod val="50000"/>
+                  </a:schemeClr>
+                </a:solidFill>
+              </a:rPr>
+              <a:t>Proximity</a:t>
+            </a:r>
+          </a:p>
+          <a:p>
+            <a:endParaRPr lang="en-US" sz="800" b="1" dirty="0">
+              <a:solidFill>
+                <a:schemeClr val="bg1">
+                  <a:lumMod val="50000"/>
+                </a:schemeClr>
+              </a:solidFill>
+            </a:endParaRPr>
+          </a:p>
+          <a:p>
+            <a:r>
+              <a:rPr lang="en-US" sz="800" b="1" dirty="0" smtClean="0">
+                <a:solidFill>
+                  <a:schemeClr val="bg1">
+                    <a:lumMod val="50000"/>
+                  </a:schemeClr>
+                </a:solidFill>
+              </a:rPr>
+              <a:t>Temperature</a:t>
+            </a:r>
+          </a:p>
+          <a:p>
+            <a:endParaRPr lang="en-US" sz="800" b="1" dirty="0">
+              <a:solidFill>
+                <a:schemeClr val="tx1">
+                  <a:lumMod val="50000"/>
+                  <a:lumOff val="50000"/>
+                </a:schemeClr>
+              </a:solidFill>
+            </a:endParaRPr>
+          </a:p>
+        </p:txBody>
+      </p:sp>
+      <p:sp>
+        <p:nvSpPr>
+          <p:cNvPr id="26" name="Rectangle 25"/>
+          <p:cNvSpPr/>
+          <p:nvPr/>
+        </p:nvSpPr>
+        <p:spPr>
+          <a:xfrm>
+            <a:off x="1836556" y="3496744"/>
+            <a:ext cx="880535" cy="550328"/>
+          </a:xfrm>
+          <a:prstGeom prst="rect">
+            <a:avLst/>
+          </a:prstGeom>
+          <a:solidFill>
+            <a:schemeClr val="tx2">
+              <a:lumMod val="90000"/>
+              <a:lumOff val="10000"/>
+            </a:schemeClr>
+          </a:solidFill>
+          <a:ln/>
+        </p:spPr>
+        <p:style>
+          <a:lnRef idx="3">
+            <a:schemeClr val="lt1"/>
+          </a:lnRef>
+          <a:fillRef idx="1">
+            <a:schemeClr val="accent4"/>
+          </a:fillRef>
+          <a:effectRef idx="1">
+            <a:schemeClr val="accent4"/>
+          </a:effectRef>
+          <a:fontRef idx="minor">
+            <a:schemeClr val="lt1"/>
+          </a:fontRef>
+        </p:style>
+        <p:txBody>
+          <a:bodyPr rtlCol="0" anchor="ctr"/>
+          <a:lstStyle/>
+          <a:p>
+            <a:pPr algn="ctr"/>
+            <a:endParaRPr lang="en-US" sz="900" b="1" dirty="0" smtClean="0"/>
+          </a:p>
+          <a:p>
+            <a:pPr algn="ctr"/>
+            <a:endParaRPr lang="en-US" sz="900" b="1" dirty="0"/>
+          </a:p>
+          <a:p>
+            <a:pPr algn="ctr"/>
+            <a:r>
+              <a:rPr lang="en-US" sz="700" b="1" dirty="0" smtClean="0"/>
+              <a:t>Time-Range</a:t>
+            </a:r>
+          </a:p>
+          <a:p>
+            <a:pPr algn="ctr"/>
+            <a:r>
+              <a:rPr lang="en-US" sz="700" b="1" dirty="0" smtClean="0"/>
+              <a:t>Plot</a:t>
+            </a:r>
+            <a:endParaRPr lang="en-US" sz="700" b="1" dirty="0"/>
+          </a:p>
+        </p:txBody>
+      </p:sp>
+      <p:sp>
+        <p:nvSpPr>
+          <p:cNvPr id="27" name="Rectangle 26"/>
+          <p:cNvSpPr/>
+          <p:nvPr/>
+        </p:nvSpPr>
+        <p:spPr>
+          <a:xfrm>
+            <a:off x="2708627" y="3496743"/>
+            <a:ext cx="807506" cy="550328"/>
+          </a:xfrm>
+          <a:prstGeom prst="rect">
+            <a:avLst/>
+          </a:prstGeom>
+          <a:solidFill>
+            <a:schemeClr val="tx2">
+              <a:lumMod val="90000"/>
+              <a:lumOff val="10000"/>
+            </a:schemeClr>
+          </a:solidFill>
+          <a:ln/>
+        </p:spPr>
+        <p:style>
+          <a:lnRef idx="3">
+            <a:schemeClr val="lt1"/>
+          </a:lnRef>
+          <a:fillRef idx="1">
+            <a:schemeClr val="accent4"/>
+          </a:fillRef>
+          <a:effectRef idx="1">
+            <a:schemeClr val="accent4"/>
+          </a:effectRef>
+          <a:fontRef idx="minor">
+            <a:schemeClr val="lt1"/>
+          </a:fontRef>
+        </p:style>
+        <p:txBody>
+          <a:bodyPr rtlCol="0" anchor="ctr"/>
+          <a:lstStyle/>
+          <a:p>
+            <a:pPr algn="ctr"/>
+            <a:endParaRPr lang="en-US" sz="900" b="1" dirty="0" smtClean="0"/>
+          </a:p>
+          <a:p>
+            <a:pPr algn="ctr"/>
+            <a:endParaRPr lang="en-US" sz="900" b="1" dirty="0"/>
+          </a:p>
+          <a:p>
+            <a:pPr algn="ctr"/>
+            <a:r>
+              <a:rPr lang="en-US" sz="700" b="1" dirty="0" smtClean="0"/>
+              <a:t>Real-time</a:t>
+            </a:r>
+          </a:p>
+          <a:p>
+            <a:pPr algn="ctr"/>
+            <a:r>
+              <a:rPr lang="en-US" sz="700" b="1" dirty="0" smtClean="0"/>
+              <a:t>Plot</a:t>
+            </a:r>
+            <a:endParaRPr lang="en-US" sz="700" b="1" dirty="0"/>
+          </a:p>
+        </p:txBody>
+      </p:sp>
+      <p:pic>
+        <p:nvPicPr>
+          <p:cNvPr id="28" name="Picture 27"/>
+          <p:cNvPicPr>
+            <a:picLocks noChangeAspect="1"/>
+          </p:cNvPicPr>
+          <p:nvPr/>
+        </p:nvPicPr>
+        <p:blipFill>
+          <a:blip r:embed="rId3">
+            <a:grayscl/>
+          </a:blip>
+          <a:stretch>
+            <a:fillRect/>
+          </a:stretch>
+        </p:blipFill>
+        <p:spPr>
+          <a:xfrm>
+            <a:off x="2136063" y="3513678"/>
+            <a:ext cx="270937" cy="270937"/>
+          </a:xfrm>
+          <a:prstGeom prst="rect">
+            <a:avLst/>
+          </a:prstGeom>
+        </p:spPr>
+      </p:pic>
+      <p:pic>
+        <p:nvPicPr>
+          <p:cNvPr id="29" name="Picture 28"/>
+          <p:cNvPicPr>
+            <a:picLocks noChangeAspect="1"/>
+          </p:cNvPicPr>
+          <p:nvPr/>
+        </p:nvPicPr>
+        <p:blipFill>
+          <a:blip r:embed="rId4">
+            <a:grayscl/>
+          </a:blip>
+          <a:stretch>
+            <a:fillRect/>
+          </a:stretch>
+        </p:blipFill>
+        <p:spPr>
+          <a:xfrm>
+            <a:off x="2982731" y="3526382"/>
+            <a:ext cx="254002" cy="254002"/>
+          </a:xfrm>
+          <a:prstGeom prst="rect">
+            <a:avLst/>
+          </a:prstGeom>
+        </p:spPr>
+      </p:pic>
+      <p:sp>
+        <p:nvSpPr>
+          <p:cNvPr id="32" name="Rectangle 31"/>
+          <p:cNvSpPr/>
+          <p:nvPr/>
+        </p:nvSpPr>
+        <p:spPr>
+          <a:xfrm>
+            <a:off x="0" y="2318917"/>
+            <a:ext cx="1693334" cy="474608"/>
+          </a:xfrm>
+          <a:prstGeom prst="rect">
+            <a:avLst/>
+          </a:prstGeom>
+          <a:solidFill>
+            <a:schemeClr val="tx1"/>
+          </a:solidFill>
+          <a:ln>
+            <a:solidFill>
+              <a:schemeClr val="tx1"/>
+            </a:solidFill>
+          </a:ln>
+        </p:spPr>
+        <p:style>
+          <a:lnRef idx="1">
+            <a:schemeClr val="accent1"/>
+          </a:lnRef>
+          <a:fillRef idx="3">
+            <a:schemeClr val="accent1"/>
+          </a:fillRef>
+          <a:effectRef idx="2">
+            <a:schemeClr val="accent1"/>
+          </a:effectRef>
+          <a:fontRef idx="minor">
+            <a:schemeClr val="lt1"/>
+          </a:fontRef>
+        </p:style>
+        <p:txBody>
+          <a:bodyPr rtlCol="0" anchor="ctr"/>
+          <a:lstStyle/>
+          <a:p>
+            <a:pPr algn="ctr"/>
+            <a:r>
+              <a:rPr lang="en-US" sz="800" b="1" dirty="0" smtClean="0"/>
+              <a:t>Sensor Analytics Screen</a:t>
+            </a:r>
+          </a:p>
+          <a:p>
+            <a:pPr algn="ctr"/>
+            <a:r>
+              <a:rPr lang="en-US" sz="800" b="1" dirty="0"/>
+              <a:t>0</a:t>
+            </a:r>
+            <a:r>
+              <a:rPr lang="en-US" sz="800" b="1" dirty="0" smtClean="0"/>
+              <a:t>-2</a:t>
+            </a:r>
+            <a:endParaRPr lang="en-US" sz="800" b="1" dirty="0"/>
+          </a:p>
+        </p:txBody>
+      </p:sp>
+    </p:spTree>
+    <p:extLst>
+      <p:ext uri="{BB962C8B-B14F-4D97-AF65-F5344CB8AC3E}">
+        <p14:creationId xmlns:p14="http://schemas.microsoft.com/office/powerpoint/2010/main" val="1647803390"/>
+      </p:ext>
+    </p:extLst>
+  </p:cSld>
+  <p:clrMapOvr>
+    <a:masterClrMapping/>
+  </p:clrMapOvr>
+  <p:timing>
+    <p:tnLst>
+      <p:par>
+        <p:cTn xmlns:p14="http://schemas.microsoft.com/office/powerpoint/2010/main" id="1" dur="indefinite" restart="never" nodeType="tmRoot"/>
+      </p:par>
+    </p:tnLst>
+  </p:timing>
+</p:sld>
+</file>
+
+<file path=ppt/slides/slide19.xml><?xml version="1.0" encoding="utf-8"?>
+<p:sld xmlns:a="http://schemas.openxmlformats.org/drawingml/2006/main" xmlns:r="http://schemas.openxmlformats.org/officeDocument/2006/relationships" xmlns:p="http://schemas.openxmlformats.org/presentationml/2006/main">
+  <p:cSld>
+    <p:spTree>
+      <p:nvGrpSpPr>
+        <p:cNvPr id="1" name=""/>
+        <p:cNvGrpSpPr/>
+        <p:nvPr/>
+      </p:nvGrpSpPr>
+      <p:grpSpPr>
+        <a:xfrm>
+          <a:off x="0" y="0"/>
+          <a:ext cx="0" cy="0"/>
+          <a:chOff x="0" y="0"/>
+          <a:chExt cx="0" cy="0"/>
+        </a:xfrm>
+      </p:grpSpPr>
+      <p:sp>
+        <p:nvSpPr>
+          <p:cNvPr id="2" name="TextBox 1"/>
+          <p:cNvSpPr txBox="1"/>
+          <p:nvPr/>
+        </p:nvSpPr>
+        <p:spPr>
+          <a:xfrm>
+            <a:off x="0" y="266239"/>
+            <a:ext cx="3367638" cy="369332"/>
+          </a:xfrm>
+          <a:prstGeom prst="rect">
+            <a:avLst/>
+          </a:prstGeom>
+          <a:solidFill>
+            <a:schemeClr val="tx1">
+              <a:lumMod val="65000"/>
+              <a:lumOff val="35000"/>
+            </a:schemeClr>
+          </a:solidFill>
+        </p:spPr>
+        <p:style>
+          <a:lnRef idx="2">
+            <a:schemeClr val="dk1"/>
+          </a:lnRef>
+          <a:fillRef idx="1">
+            <a:schemeClr val="lt1"/>
+          </a:fillRef>
+          <a:effectRef idx="0">
+            <a:schemeClr val="dk1"/>
+          </a:effectRef>
+          <a:fontRef idx="minor">
+            <a:schemeClr val="dk1"/>
+          </a:fontRef>
+        </p:style>
+        <p:txBody>
+          <a:bodyPr wrap="square" rtlCol="0">
+            <a:spAutoFit/>
+          </a:bodyPr>
+          <a:lstStyle/>
+          <a:p>
+            <a:r>
+              <a:rPr lang="en-US" dirty="0" err="1">
+                <a:solidFill>
+                  <a:schemeClr val="bg1"/>
+                </a:solidFill>
+              </a:rPr>
+              <a:t>n</a:t>
+            </a:r>
+            <a:r>
+              <a:rPr lang="en-US" dirty="0" err="1" smtClean="0">
+                <a:solidFill>
+                  <a:schemeClr val="bg1"/>
+                </a:solidFill>
+              </a:rPr>
+              <a:t>ervousnet</a:t>
+            </a:r>
+            <a:r>
+              <a:rPr lang="en-US" dirty="0" smtClean="0">
+                <a:solidFill>
+                  <a:schemeClr val="bg1"/>
+                </a:solidFill>
+              </a:rPr>
+              <a:t> HUB</a:t>
+            </a:r>
+            <a:endParaRPr lang="en-US" dirty="0">
+              <a:solidFill>
+                <a:schemeClr val="bg1"/>
+              </a:solidFill>
+            </a:endParaRPr>
+          </a:p>
+        </p:txBody>
+      </p:sp>
+      <p:sp>
+        <p:nvSpPr>
+          <p:cNvPr id="23" name="TextBox 22"/>
+          <p:cNvSpPr txBox="1"/>
+          <p:nvPr/>
+        </p:nvSpPr>
+        <p:spPr>
+          <a:xfrm>
+            <a:off x="3367638" y="260253"/>
+            <a:ext cx="5612323" cy="369332"/>
+          </a:xfrm>
+          <a:prstGeom prst="rect">
+            <a:avLst/>
+          </a:prstGeom>
+          <a:solidFill>
+            <a:schemeClr val="bg1">
+              <a:lumMod val="65000"/>
+            </a:schemeClr>
+          </a:solidFill>
+        </p:spPr>
+        <p:style>
+          <a:lnRef idx="2">
+            <a:schemeClr val="dk1"/>
+          </a:lnRef>
+          <a:fillRef idx="1">
+            <a:schemeClr val="lt1"/>
+          </a:fillRef>
+          <a:effectRef idx="0">
+            <a:schemeClr val="dk1"/>
+          </a:effectRef>
+          <a:fontRef idx="minor">
+            <a:schemeClr val="dk1"/>
+          </a:fontRef>
+        </p:style>
+        <p:txBody>
+          <a:bodyPr wrap="square" rtlCol="0">
+            <a:spAutoFit/>
+          </a:bodyPr>
+          <a:lstStyle>
+            <a:defPPr>
+              <a:defRPr lang="en-US"/>
+            </a:defPPr>
+            <a:lvl1pPr>
+              <a:defRPr>
+                <a:solidFill>
+                  <a:schemeClr val="bg1"/>
+                </a:solidFill>
+              </a:defRPr>
+            </a:lvl1pPr>
+          </a:lstStyle>
+          <a:p>
+            <a:pPr algn="r"/>
+            <a:r>
+              <a:rPr lang="en-US" dirty="0" smtClean="0">
+                <a:solidFill>
+                  <a:schemeClr val="tx1"/>
+                </a:solidFill>
+              </a:rPr>
+              <a:t>Mobile App UI Wireframes</a:t>
+            </a:r>
+            <a:endParaRPr lang="en-US" dirty="0">
+              <a:solidFill>
+                <a:schemeClr val="tx1"/>
+              </a:solidFill>
+            </a:endParaRPr>
+          </a:p>
+        </p:txBody>
+      </p:sp>
+      <p:sp>
+        <p:nvSpPr>
+          <p:cNvPr id="4" name="Footer Placeholder 3"/>
+          <p:cNvSpPr>
+            <a:spLocks noGrp="1"/>
+          </p:cNvSpPr>
+          <p:nvPr>
+            <p:ph type="ftr" sz="quarter" idx="11"/>
+          </p:nvPr>
+        </p:nvSpPr>
+        <p:spPr>
+          <a:xfrm>
+            <a:off x="1120588" y="56525"/>
+            <a:ext cx="2895600" cy="273844"/>
+          </a:xfrm>
+        </p:spPr>
+        <p:txBody>
+          <a:bodyPr/>
+          <a:lstStyle/>
+          <a:p>
+            <a:r>
+              <a:rPr lang="en-US" dirty="0" smtClean="0"/>
+              <a:t>© ETH Zürich, COSS </a:t>
+            </a:r>
+            <a:endParaRPr lang="en-US" dirty="0"/>
+          </a:p>
+        </p:txBody>
+      </p:sp>
+      <p:pic>
+        <p:nvPicPr>
+          <p:cNvPr id="20" name="Picture 19"/>
+          <p:cNvPicPr>
+            <a:picLocks noChangeAspect="1"/>
+          </p:cNvPicPr>
+          <p:nvPr/>
+        </p:nvPicPr>
+        <p:blipFill>
+          <a:blip r:embed="rId2"/>
+          <a:stretch>
+            <a:fillRect/>
+          </a:stretch>
+        </p:blipFill>
+        <p:spPr>
+          <a:xfrm>
+            <a:off x="1363134" y="527985"/>
+            <a:ext cx="2564175" cy="4615515"/>
+          </a:xfrm>
+          <a:prstGeom prst="rect">
+            <a:avLst/>
+          </a:prstGeom>
+        </p:spPr>
+      </p:pic>
+      <p:sp>
+        <p:nvSpPr>
+          <p:cNvPr id="32" name="Rectangle 31"/>
+          <p:cNvSpPr/>
+          <p:nvPr/>
+        </p:nvSpPr>
+        <p:spPr>
+          <a:xfrm>
+            <a:off x="0" y="2293517"/>
+            <a:ext cx="1693334" cy="474608"/>
+          </a:xfrm>
+          <a:prstGeom prst="rect">
+            <a:avLst/>
+          </a:prstGeom>
+          <a:solidFill>
+            <a:schemeClr val="tx1"/>
+          </a:solidFill>
+          <a:ln>
+            <a:solidFill>
+              <a:schemeClr val="tx1"/>
+            </a:solidFill>
+          </a:ln>
+        </p:spPr>
+        <p:style>
+          <a:lnRef idx="1">
+            <a:schemeClr val="accent1"/>
+          </a:lnRef>
+          <a:fillRef idx="3">
+            <a:schemeClr val="accent1"/>
+          </a:fillRef>
+          <a:effectRef idx="2">
+            <a:schemeClr val="accent1"/>
+          </a:effectRef>
+          <a:fontRef idx="minor">
+            <a:schemeClr val="lt1"/>
+          </a:fontRef>
+        </p:style>
+        <p:txBody>
+          <a:bodyPr rtlCol="0" anchor="ctr"/>
+          <a:lstStyle/>
+          <a:p>
+            <a:pPr algn="ctr"/>
+            <a:r>
+              <a:rPr lang="en-US" sz="800" b="1" dirty="0" smtClean="0"/>
+              <a:t>App Showcase Screen</a:t>
+            </a:r>
+          </a:p>
+          <a:p>
+            <a:pPr algn="ctr"/>
+            <a:r>
+              <a:rPr lang="en-US" sz="800" b="1" dirty="0"/>
+              <a:t>0</a:t>
+            </a:r>
+            <a:r>
+              <a:rPr lang="en-US" sz="800" b="1" dirty="0" smtClean="0"/>
+              <a:t>-</a:t>
+            </a:r>
+            <a:r>
+              <a:rPr lang="en-US" sz="800" b="1" dirty="0"/>
+              <a:t>3</a:t>
+            </a:r>
+          </a:p>
+        </p:txBody>
+      </p:sp>
+      <p:sp>
+        <p:nvSpPr>
+          <p:cNvPr id="15" name="Rectangle 14"/>
+          <p:cNvSpPr/>
+          <p:nvPr/>
+        </p:nvSpPr>
+        <p:spPr>
+          <a:xfrm>
+            <a:off x="1836616" y="1388540"/>
+            <a:ext cx="1693334" cy="211666"/>
+          </a:xfrm>
+          <a:prstGeom prst="rect">
+            <a:avLst/>
+          </a:prstGeom>
+          <a:solidFill>
+            <a:schemeClr val="tx1"/>
+          </a:solidFill>
+          <a:ln>
+            <a:solidFill>
+              <a:schemeClr val="tx1"/>
+            </a:solidFill>
+          </a:ln>
+        </p:spPr>
+        <p:style>
+          <a:lnRef idx="1">
+            <a:schemeClr val="accent1"/>
+          </a:lnRef>
+          <a:fillRef idx="3">
+            <a:schemeClr val="accent1"/>
+          </a:fillRef>
+          <a:effectRef idx="2">
+            <a:schemeClr val="accent1"/>
+          </a:effectRef>
+          <a:fontRef idx="minor">
+            <a:schemeClr val="lt1"/>
+          </a:fontRef>
+        </p:style>
+        <p:txBody>
+          <a:bodyPr rtlCol="0" anchor="ctr"/>
+          <a:lstStyle/>
+          <a:p>
+            <a:r>
+              <a:rPr lang="en-US" sz="800" b="1" dirty="0" smtClean="0"/>
+              <a:t>App Showcase</a:t>
+            </a:r>
+            <a:endParaRPr lang="en-US" sz="800" b="1" dirty="0"/>
+          </a:p>
+        </p:txBody>
+      </p:sp>
+      <p:sp>
+        <p:nvSpPr>
+          <p:cNvPr id="16" name="Rectangle 15"/>
+          <p:cNvSpPr/>
+          <p:nvPr/>
+        </p:nvSpPr>
+        <p:spPr>
+          <a:xfrm>
+            <a:off x="1828149" y="1363145"/>
+            <a:ext cx="1693334" cy="2921000"/>
+          </a:xfrm>
+          <a:prstGeom prst="rect">
+            <a:avLst/>
+          </a:prstGeom>
+          <a:solidFill>
+            <a:schemeClr val="bg1">
+              <a:lumMod val="85000"/>
+            </a:schemeClr>
+          </a:solidFill>
+          <a:ln>
+            <a:solidFill>
+              <a:schemeClr val="bg1">
+                <a:lumMod val="50000"/>
+              </a:schemeClr>
+            </a:solidFill>
+          </a:ln>
+        </p:spPr>
+        <p:style>
+          <a:lnRef idx="1">
+            <a:schemeClr val="accent1"/>
+          </a:lnRef>
+          <a:fillRef idx="3">
+            <a:schemeClr val="accent1"/>
+          </a:fillRef>
+          <a:effectRef idx="2">
+            <a:schemeClr val="accent1"/>
+          </a:effectRef>
+          <a:fontRef idx="minor">
+            <a:schemeClr val="lt1"/>
+          </a:fontRef>
+        </p:style>
+        <p:txBody>
+          <a:bodyPr rtlCol="0" anchor="ctr"/>
+          <a:lstStyle/>
+          <a:p>
+            <a:pPr algn="ctr"/>
+            <a:endParaRPr lang="en-US" dirty="0"/>
+          </a:p>
+        </p:txBody>
+      </p:sp>
+      <p:sp>
+        <p:nvSpPr>
+          <p:cNvPr id="17" name="Rectangle 16"/>
+          <p:cNvSpPr/>
+          <p:nvPr/>
+        </p:nvSpPr>
+        <p:spPr>
+          <a:xfrm>
+            <a:off x="1819537" y="1363146"/>
+            <a:ext cx="1693334" cy="211666"/>
+          </a:xfrm>
+          <a:prstGeom prst="rect">
+            <a:avLst/>
+          </a:prstGeom>
+          <a:solidFill>
+            <a:schemeClr val="tx1"/>
+          </a:solidFill>
+          <a:ln>
+            <a:solidFill>
+              <a:schemeClr val="tx1"/>
+            </a:solidFill>
+          </a:ln>
+        </p:spPr>
+        <p:style>
+          <a:lnRef idx="1">
+            <a:schemeClr val="accent1"/>
+          </a:lnRef>
+          <a:fillRef idx="3">
+            <a:schemeClr val="accent1"/>
+          </a:fillRef>
+          <a:effectRef idx="2">
+            <a:schemeClr val="accent1"/>
+          </a:effectRef>
+          <a:fontRef idx="minor">
+            <a:schemeClr val="lt1"/>
+          </a:fontRef>
+        </p:style>
+        <p:txBody>
+          <a:bodyPr rtlCol="0" anchor="ctr"/>
+          <a:lstStyle/>
+          <a:p>
+            <a:pPr algn="ctr"/>
+            <a:r>
+              <a:rPr lang="en-US" sz="800" b="1" dirty="0" smtClean="0"/>
+              <a:t>App Showcase</a:t>
+            </a:r>
+            <a:endParaRPr lang="en-US" sz="800" b="1" dirty="0"/>
+          </a:p>
+        </p:txBody>
+      </p:sp>
+      <p:sp>
+        <p:nvSpPr>
+          <p:cNvPr id="18" name="Rectangle 17"/>
+          <p:cNvSpPr/>
+          <p:nvPr/>
+        </p:nvSpPr>
+        <p:spPr>
+          <a:xfrm>
+            <a:off x="1853550" y="1629844"/>
+            <a:ext cx="1659321" cy="698496"/>
+          </a:xfrm>
+          <a:prstGeom prst="rect">
+            <a:avLst/>
+          </a:prstGeom>
+          <a:solidFill>
+            <a:srgbClr val="FFFFFF"/>
+          </a:solidFill>
+          <a:ln>
+            <a:noFill/>
+          </a:ln>
+        </p:spPr>
+        <p:style>
+          <a:lnRef idx="1">
+            <a:schemeClr val="accent1"/>
+          </a:lnRef>
+          <a:fillRef idx="3">
+            <a:schemeClr val="accent1"/>
+          </a:fillRef>
+          <a:effectRef idx="2">
+            <a:schemeClr val="accent1"/>
+          </a:effectRef>
+          <a:fontRef idx="minor">
+            <a:schemeClr val="lt1"/>
+          </a:fontRef>
+        </p:style>
+        <p:txBody>
+          <a:bodyPr rtlCol="0" anchor="ctr"/>
+          <a:lstStyle/>
+          <a:p>
+            <a:pPr algn="ctr"/>
+            <a:endParaRPr lang="en-US" sz="800" b="1" dirty="0"/>
+          </a:p>
+        </p:txBody>
+      </p:sp>
+      <p:pic>
+        <p:nvPicPr>
+          <p:cNvPr id="19" name="Picture 18"/>
+          <p:cNvPicPr>
+            <a:picLocks noChangeAspect="1"/>
+          </p:cNvPicPr>
+          <p:nvPr/>
+        </p:nvPicPr>
+        <p:blipFill>
+          <a:blip r:embed="rId3"/>
+          <a:stretch>
+            <a:fillRect/>
+          </a:stretch>
+        </p:blipFill>
+        <p:spPr>
+          <a:xfrm>
+            <a:off x="1955149" y="1730981"/>
+            <a:ext cx="461960" cy="419554"/>
+          </a:xfrm>
+          <a:prstGeom prst="rect">
+            <a:avLst/>
+          </a:prstGeom>
+        </p:spPr>
+      </p:pic>
+      <p:sp>
+        <p:nvSpPr>
+          <p:cNvPr id="30" name="Rectangle 29"/>
+          <p:cNvSpPr/>
+          <p:nvPr/>
+        </p:nvSpPr>
+        <p:spPr>
+          <a:xfrm>
+            <a:off x="1853550" y="2311390"/>
+            <a:ext cx="1659321" cy="698496"/>
+          </a:xfrm>
+          <a:prstGeom prst="rect">
+            <a:avLst/>
+          </a:prstGeom>
+          <a:solidFill>
+            <a:schemeClr val="bg1">
+              <a:lumMod val="65000"/>
+            </a:schemeClr>
+          </a:solidFill>
+          <a:ln>
+            <a:noFill/>
+          </a:ln>
+        </p:spPr>
+        <p:style>
+          <a:lnRef idx="1">
+            <a:schemeClr val="accent1"/>
+          </a:lnRef>
+          <a:fillRef idx="3">
+            <a:schemeClr val="accent1"/>
+          </a:fillRef>
+          <a:effectRef idx="2">
+            <a:schemeClr val="accent1"/>
+          </a:effectRef>
+          <a:fontRef idx="minor">
+            <a:schemeClr val="lt1"/>
+          </a:fontRef>
+        </p:style>
+        <p:txBody>
+          <a:bodyPr rtlCol="0" anchor="ctr"/>
+          <a:lstStyle/>
+          <a:p>
+            <a:pPr algn="ctr"/>
+            <a:endParaRPr lang="en-US" sz="800" b="1" dirty="0"/>
+          </a:p>
+        </p:txBody>
+      </p:sp>
+      <p:pic>
+        <p:nvPicPr>
+          <p:cNvPr id="31" name="Picture 30"/>
+          <p:cNvPicPr>
+            <a:picLocks noChangeAspect="1"/>
+          </p:cNvPicPr>
+          <p:nvPr/>
+        </p:nvPicPr>
+        <p:blipFill>
+          <a:blip r:embed="rId4"/>
+          <a:stretch>
+            <a:fillRect/>
+          </a:stretch>
+        </p:blipFill>
+        <p:spPr>
+          <a:xfrm>
+            <a:off x="1887418" y="2362192"/>
+            <a:ext cx="575163" cy="575163"/>
+          </a:xfrm>
+          <a:prstGeom prst="rect">
+            <a:avLst/>
+          </a:prstGeom>
+        </p:spPr>
+      </p:pic>
+      <p:sp>
+        <p:nvSpPr>
+          <p:cNvPr id="33" name="Rectangle 32"/>
+          <p:cNvSpPr/>
+          <p:nvPr/>
+        </p:nvSpPr>
+        <p:spPr>
+          <a:xfrm>
+            <a:off x="2488545" y="2573858"/>
+            <a:ext cx="935420" cy="186256"/>
+          </a:xfrm>
+          <a:prstGeom prst="rect">
+            <a:avLst/>
+          </a:prstGeom>
+          <a:noFill/>
+          <a:ln>
+            <a:noFill/>
+          </a:ln>
+        </p:spPr>
+        <p:style>
+          <a:lnRef idx="1">
+            <a:schemeClr val="accent1"/>
+          </a:lnRef>
+          <a:fillRef idx="3">
+            <a:schemeClr val="accent1"/>
+          </a:fillRef>
+          <a:effectRef idx="2">
+            <a:schemeClr val="accent1"/>
+          </a:effectRef>
+          <a:fontRef idx="minor">
+            <a:schemeClr val="lt1"/>
+          </a:fontRef>
+        </p:style>
+        <p:txBody>
+          <a:bodyPr rtlCol="0" anchor="ctr"/>
+          <a:lstStyle/>
+          <a:p>
+            <a:pPr algn="ctr"/>
+            <a:r>
+              <a:rPr lang="en-US" sz="900" dirty="0" smtClean="0">
+                <a:solidFill>
+                  <a:schemeClr val="tx1"/>
+                </a:solidFill>
+              </a:rPr>
+              <a:t>SwarmPulse</a:t>
+            </a:r>
+            <a:endParaRPr lang="en-US" sz="900" dirty="0">
+              <a:solidFill>
+                <a:schemeClr val="tx1"/>
+              </a:solidFill>
+            </a:endParaRPr>
+          </a:p>
+        </p:txBody>
+      </p:sp>
+      <p:sp>
+        <p:nvSpPr>
+          <p:cNvPr id="34" name="Rectangle 33"/>
+          <p:cNvSpPr/>
+          <p:nvPr/>
+        </p:nvSpPr>
+        <p:spPr>
+          <a:xfrm>
+            <a:off x="2462581" y="1803411"/>
+            <a:ext cx="914969" cy="304789"/>
+          </a:xfrm>
+          <a:prstGeom prst="rect">
+            <a:avLst/>
+          </a:prstGeom>
+          <a:noFill/>
+          <a:ln>
+            <a:noFill/>
+          </a:ln>
+        </p:spPr>
+        <p:style>
+          <a:lnRef idx="1">
+            <a:schemeClr val="accent1"/>
+          </a:lnRef>
+          <a:fillRef idx="3">
+            <a:schemeClr val="accent1"/>
+          </a:fillRef>
+          <a:effectRef idx="2">
+            <a:schemeClr val="accent1"/>
+          </a:effectRef>
+          <a:fontRef idx="minor">
+            <a:schemeClr val="lt1"/>
+          </a:fontRef>
+        </p:style>
+        <p:txBody>
+          <a:bodyPr rtlCol="0" anchor="ctr"/>
+          <a:lstStyle/>
+          <a:p>
+            <a:pPr algn="ctr"/>
+            <a:r>
+              <a:rPr lang="en-US" sz="900" dirty="0" err="1" smtClean="0">
+                <a:solidFill>
+                  <a:schemeClr val="tx1"/>
+                </a:solidFill>
+              </a:rPr>
+              <a:t>nervousnet</a:t>
+            </a:r>
+            <a:endParaRPr lang="en-US" sz="900" dirty="0" smtClean="0">
+              <a:solidFill>
+                <a:schemeClr val="tx1"/>
+              </a:solidFill>
+            </a:endParaRPr>
+          </a:p>
+          <a:p>
+            <a:pPr algn="ctr"/>
+            <a:r>
+              <a:rPr lang="en-US" sz="900" dirty="0" smtClean="0">
+                <a:solidFill>
+                  <a:schemeClr val="tx1"/>
+                </a:solidFill>
+              </a:rPr>
+              <a:t>Competition</a:t>
+            </a:r>
+            <a:endParaRPr lang="en-US" sz="900" dirty="0">
+              <a:solidFill>
+                <a:schemeClr val="tx1"/>
+              </a:solidFill>
+            </a:endParaRPr>
+          </a:p>
+        </p:txBody>
+      </p:sp>
+      <p:pic>
+        <p:nvPicPr>
+          <p:cNvPr id="35" name="Picture 34"/>
+          <p:cNvPicPr>
+            <a:picLocks noChangeAspect="1"/>
+          </p:cNvPicPr>
+          <p:nvPr/>
+        </p:nvPicPr>
+        <p:blipFill>
+          <a:blip r:embed="rId2"/>
+          <a:stretch>
+            <a:fillRect/>
+          </a:stretch>
+        </p:blipFill>
+        <p:spPr>
+          <a:xfrm>
+            <a:off x="4149747" y="1515537"/>
+            <a:ext cx="1025670" cy="1846206"/>
+          </a:xfrm>
+          <a:prstGeom prst="rect">
+            <a:avLst/>
+          </a:prstGeom>
+        </p:spPr>
+      </p:pic>
+      <p:sp>
+        <p:nvSpPr>
+          <p:cNvPr id="36" name="Rectangle 35"/>
+          <p:cNvSpPr/>
+          <p:nvPr/>
+        </p:nvSpPr>
+        <p:spPr>
+          <a:xfrm>
+            <a:off x="4338885" y="1838736"/>
+            <a:ext cx="647982" cy="134010"/>
+          </a:xfrm>
+          <a:prstGeom prst="rect">
+            <a:avLst/>
+          </a:prstGeom>
+          <a:solidFill>
+            <a:schemeClr val="tx1"/>
+          </a:solidFill>
+          <a:ln>
+            <a:solidFill>
+              <a:schemeClr val="tx1"/>
+            </a:solidFill>
+          </a:ln>
+        </p:spPr>
+        <p:style>
+          <a:lnRef idx="1">
+            <a:schemeClr val="accent1"/>
+          </a:lnRef>
+          <a:fillRef idx="3">
+            <a:schemeClr val="accent1"/>
+          </a:fillRef>
+          <a:effectRef idx="2">
+            <a:schemeClr val="accent1"/>
+          </a:effectRef>
+          <a:fontRef idx="minor">
+            <a:schemeClr val="lt1"/>
+          </a:fontRef>
+        </p:style>
+        <p:txBody>
+          <a:bodyPr rtlCol="0" anchor="ctr"/>
+          <a:lstStyle/>
+          <a:p>
+            <a:pPr algn="ctr"/>
+            <a:r>
+              <a:rPr lang="en-US" sz="500" b="1" dirty="0" smtClean="0"/>
+              <a:t>App Showcase</a:t>
+            </a:r>
+            <a:endParaRPr lang="en-US" sz="500" b="1" dirty="0"/>
+          </a:p>
+        </p:txBody>
+      </p:sp>
+      <p:sp>
+        <p:nvSpPr>
+          <p:cNvPr id="37" name="Rectangle 36"/>
+          <p:cNvSpPr/>
+          <p:nvPr/>
+        </p:nvSpPr>
+        <p:spPr>
+          <a:xfrm>
+            <a:off x="4345235" y="1972746"/>
+            <a:ext cx="647983" cy="257160"/>
+          </a:xfrm>
+          <a:prstGeom prst="rect">
+            <a:avLst/>
+          </a:prstGeom>
+          <a:ln/>
+        </p:spPr>
+        <p:style>
+          <a:lnRef idx="2">
+            <a:schemeClr val="dk1"/>
+          </a:lnRef>
+          <a:fillRef idx="1">
+            <a:schemeClr val="lt1"/>
+          </a:fillRef>
+          <a:effectRef idx="0">
+            <a:schemeClr val="dk1"/>
+          </a:effectRef>
+          <a:fontRef idx="minor">
+            <a:schemeClr val="dk1"/>
+          </a:fontRef>
+        </p:style>
+        <p:txBody>
+          <a:bodyPr rtlCol="0" anchor="ctr"/>
+          <a:lstStyle/>
+          <a:p>
+            <a:pPr algn="r"/>
+            <a:r>
+              <a:rPr lang="en-US" sz="500" b="1" dirty="0" smtClean="0"/>
+              <a:t>      SwarmPulse</a:t>
+            </a:r>
+            <a:endParaRPr lang="en-US" sz="500" b="1" dirty="0"/>
+          </a:p>
+        </p:txBody>
+      </p:sp>
+      <p:pic>
+        <p:nvPicPr>
+          <p:cNvPr id="38" name="Picture 37"/>
+          <p:cNvPicPr>
+            <a:picLocks noChangeAspect="1"/>
+          </p:cNvPicPr>
+          <p:nvPr/>
+        </p:nvPicPr>
+        <p:blipFill>
+          <a:blip r:embed="rId4"/>
+          <a:stretch>
+            <a:fillRect/>
+          </a:stretch>
+        </p:blipFill>
+        <p:spPr>
+          <a:xfrm>
+            <a:off x="4332535" y="1981214"/>
+            <a:ext cx="230065" cy="230065"/>
+          </a:xfrm>
+          <a:prstGeom prst="rect">
+            <a:avLst/>
+          </a:prstGeom>
+        </p:spPr>
+      </p:pic>
+      <p:sp>
+        <p:nvSpPr>
+          <p:cNvPr id="39" name="Rectangle 38"/>
+          <p:cNvSpPr/>
+          <p:nvPr/>
+        </p:nvSpPr>
+        <p:spPr>
+          <a:xfrm>
+            <a:off x="4345235" y="2211280"/>
+            <a:ext cx="647983" cy="716558"/>
+          </a:xfrm>
+          <a:prstGeom prst="rect">
+            <a:avLst/>
+          </a:prstGeom>
+          <a:solidFill>
+            <a:schemeClr val="tx1">
+              <a:lumMod val="50000"/>
+              <a:lumOff val="50000"/>
+            </a:schemeClr>
+          </a:solidFill>
+          <a:ln/>
+        </p:spPr>
+        <p:style>
+          <a:lnRef idx="1">
+            <a:schemeClr val="dk1"/>
+          </a:lnRef>
+          <a:fillRef idx="3">
+            <a:schemeClr val="dk1"/>
+          </a:fillRef>
+          <a:effectRef idx="2">
+            <a:schemeClr val="dk1"/>
+          </a:effectRef>
+          <a:fontRef idx="minor">
+            <a:schemeClr val="lt1"/>
+          </a:fontRef>
+        </p:style>
+        <p:txBody>
+          <a:bodyPr rtlCol="0" anchor="ctr"/>
+          <a:lstStyle/>
+          <a:p>
+            <a:r>
+              <a:rPr lang="en-US" sz="400" b="1" dirty="0" smtClean="0">
+                <a:solidFill>
+                  <a:srgbClr val="FFFFFF"/>
+                </a:solidFill>
+                <a:latin typeface="Arial"/>
+              </a:rPr>
+              <a:t>The SwarmPulse service allows for collective visualization and sharing of mobile sensor data, text messages, media files and more.</a:t>
+            </a:r>
+          </a:p>
+          <a:p>
+            <a:r>
+              <a:rPr lang="en-US" sz="400" b="1" dirty="0" smtClean="0">
+                <a:solidFill>
+                  <a:srgbClr val="FFFFFF"/>
+                </a:solidFill>
+                <a:latin typeface="Arial"/>
+              </a:rPr>
+              <a:t> The "SwarmPulse" service is built on top of research platform, a</a:t>
+            </a:r>
+            <a:endParaRPr lang="en-US" sz="400" b="1" dirty="0">
+              <a:solidFill>
+                <a:srgbClr val="FFFFFF"/>
+              </a:solidFill>
+              <a:latin typeface="Arial"/>
+            </a:endParaRPr>
+          </a:p>
+        </p:txBody>
+      </p:sp>
+    </p:spTree>
+    <p:extLst>
+      <p:ext uri="{BB962C8B-B14F-4D97-AF65-F5344CB8AC3E}">
+        <p14:creationId xmlns:p14="http://schemas.microsoft.com/office/powerpoint/2010/main" val="3633111887"/>
+      </p:ext>
+    </p:extLst>
+  </p:cSld>
+  <p:clrMapOvr>
+    <a:masterClrMapping/>
+  </p:clrMapOvr>
   <p:timing>
     <p:tnLst>
       <p:par>
@@ -22230,7 +26315,7 @@
           <a:lstStyle/>
           <a:p>
             <a:r>
-              <a:rPr lang="en-US" dirty="0" smtClean="0">
+              <a:rPr lang="en-US" dirty="0" err="1" smtClean="0">
                 <a:solidFill>
                   <a:schemeClr val="bg1"/>
                 </a:solidFill>
@@ -22368,11 +26453,7 @@
           <a:p>
             <a:r>
               <a:rPr lang="en-US" dirty="0" smtClean="0"/>
-              <a:t>Status </a:t>
-            </a:r>
-            <a:r>
-              <a:rPr lang="en-US" dirty="0" smtClean="0"/>
-              <a:t>Checking </a:t>
+              <a:t>Status Checking </a:t>
             </a:r>
             <a:endParaRPr lang="en-US" dirty="0"/>
           </a:p>
@@ -22627,6 +26708,4231 @@
   <p:clrMapOvr>
     <a:masterClrMapping/>
   </p:clrMapOvr>
+  <p:timing>
+    <p:tnLst>
+      <p:par>
+        <p:cTn xmlns:p14="http://schemas.microsoft.com/office/powerpoint/2010/main" id="1" dur="indefinite" restart="never" nodeType="tmRoot"/>
+      </p:par>
+    </p:tnLst>
+  </p:timing>
+</p:sld>
+</file>
+
+<file path=ppt/slides/slide20.xml><?xml version="1.0" encoding="utf-8"?>
+<p:sld xmlns:a="http://schemas.openxmlformats.org/drawingml/2006/main" xmlns:r="http://schemas.openxmlformats.org/officeDocument/2006/relationships" xmlns:p="http://schemas.openxmlformats.org/presentationml/2006/main">
+  <p:cSld>
+    <p:spTree>
+      <p:nvGrpSpPr>
+        <p:cNvPr id="1" name=""/>
+        <p:cNvGrpSpPr/>
+        <p:nvPr/>
+      </p:nvGrpSpPr>
+      <p:grpSpPr>
+        <a:xfrm>
+          <a:off x="0" y="0"/>
+          <a:ext cx="0" cy="0"/>
+          <a:chOff x="0" y="0"/>
+          <a:chExt cx="0" cy="0"/>
+        </a:xfrm>
+      </p:grpSpPr>
+      <p:sp>
+        <p:nvSpPr>
+          <p:cNvPr id="2" name="TextBox 1"/>
+          <p:cNvSpPr txBox="1"/>
+          <p:nvPr/>
+        </p:nvSpPr>
+        <p:spPr>
+          <a:xfrm>
+            <a:off x="0" y="266239"/>
+            <a:ext cx="3367638" cy="369332"/>
+          </a:xfrm>
+          <a:prstGeom prst="rect">
+            <a:avLst/>
+          </a:prstGeom>
+          <a:solidFill>
+            <a:schemeClr val="tx1">
+              <a:lumMod val="65000"/>
+              <a:lumOff val="35000"/>
+            </a:schemeClr>
+          </a:solidFill>
+        </p:spPr>
+        <p:style>
+          <a:lnRef idx="2">
+            <a:schemeClr val="dk1"/>
+          </a:lnRef>
+          <a:fillRef idx="1">
+            <a:schemeClr val="lt1"/>
+          </a:fillRef>
+          <a:effectRef idx="0">
+            <a:schemeClr val="dk1"/>
+          </a:effectRef>
+          <a:fontRef idx="minor">
+            <a:schemeClr val="dk1"/>
+          </a:fontRef>
+        </p:style>
+        <p:txBody>
+          <a:bodyPr wrap="square" rtlCol="0">
+            <a:spAutoFit/>
+          </a:bodyPr>
+          <a:lstStyle/>
+          <a:p>
+            <a:r>
+              <a:rPr lang="en-US" dirty="0" err="1">
+                <a:solidFill>
+                  <a:schemeClr val="bg1"/>
+                </a:solidFill>
+              </a:rPr>
+              <a:t>n</a:t>
+            </a:r>
+            <a:r>
+              <a:rPr lang="en-US" dirty="0" err="1" smtClean="0">
+                <a:solidFill>
+                  <a:schemeClr val="bg1"/>
+                </a:solidFill>
+              </a:rPr>
+              <a:t>ervousnet</a:t>
+            </a:r>
+            <a:r>
+              <a:rPr lang="en-US" dirty="0" smtClean="0">
+                <a:solidFill>
+                  <a:schemeClr val="bg1"/>
+                </a:solidFill>
+              </a:rPr>
+              <a:t> HUB</a:t>
+            </a:r>
+            <a:endParaRPr lang="en-US" dirty="0">
+              <a:solidFill>
+                <a:schemeClr val="bg1"/>
+              </a:solidFill>
+            </a:endParaRPr>
+          </a:p>
+        </p:txBody>
+      </p:sp>
+      <p:sp>
+        <p:nvSpPr>
+          <p:cNvPr id="23" name="TextBox 22"/>
+          <p:cNvSpPr txBox="1"/>
+          <p:nvPr/>
+        </p:nvSpPr>
+        <p:spPr>
+          <a:xfrm>
+            <a:off x="3367638" y="260253"/>
+            <a:ext cx="5612323" cy="369332"/>
+          </a:xfrm>
+          <a:prstGeom prst="rect">
+            <a:avLst/>
+          </a:prstGeom>
+          <a:solidFill>
+            <a:schemeClr val="bg1">
+              <a:lumMod val="65000"/>
+            </a:schemeClr>
+          </a:solidFill>
+        </p:spPr>
+        <p:style>
+          <a:lnRef idx="2">
+            <a:schemeClr val="dk1"/>
+          </a:lnRef>
+          <a:fillRef idx="1">
+            <a:schemeClr val="lt1"/>
+          </a:fillRef>
+          <a:effectRef idx="0">
+            <a:schemeClr val="dk1"/>
+          </a:effectRef>
+          <a:fontRef idx="minor">
+            <a:schemeClr val="dk1"/>
+          </a:fontRef>
+        </p:style>
+        <p:txBody>
+          <a:bodyPr wrap="square" rtlCol="0">
+            <a:spAutoFit/>
+          </a:bodyPr>
+          <a:lstStyle>
+            <a:defPPr>
+              <a:defRPr lang="en-US"/>
+            </a:defPPr>
+            <a:lvl1pPr>
+              <a:defRPr>
+                <a:solidFill>
+                  <a:schemeClr val="bg1"/>
+                </a:solidFill>
+              </a:defRPr>
+            </a:lvl1pPr>
+          </a:lstStyle>
+          <a:p>
+            <a:pPr algn="r"/>
+            <a:r>
+              <a:rPr lang="en-US" dirty="0" smtClean="0">
+                <a:solidFill>
+                  <a:schemeClr val="tx1"/>
+                </a:solidFill>
+              </a:rPr>
+              <a:t>Mobile App UI Wireframes</a:t>
+            </a:r>
+            <a:endParaRPr lang="en-US" dirty="0">
+              <a:solidFill>
+                <a:schemeClr val="tx1"/>
+              </a:solidFill>
+            </a:endParaRPr>
+          </a:p>
+        </p:txBody>
+      </p:sp>
+      <p:sp>
+        <p:nvSpPr>
+          <p:cNvPr id="4" name="Footer Placeholder 3"/>
+          <p:cNvSpPr>
+            <a:spLocks noGrp="1"/>
+          </p:cNvSpPr>
+          <p:nvPr>
+            <p:ph type="ftr" sz="quarter" idx="11"/>
+          </p:nvPr>
+        </p:nvSpPr>
+        <p:spPr>
+          <a:xfrm>
+            <a:off x="1120588" y="56525"/>
+            <a:ext cx="2895600" cy="273844"/>
+          </a:xfrm>
+        </p:spPr>
+        <p:txBody>
+          <a:bodyPr/>
+          <a:lstStyle/>
+          <a:p>
+            <a:r>
+              <a:rPr lang="en-US" dirty="0" smtClean="0"/>
+              <a:t>© ETH Zürich, COSS </a:t>
+            </a:r>
+            <a:endParaRPr lang="en-US" dirty="0"/>
+          </a:p>
+        </p:txBody>
+      </p:sp>
+      <p:pic>
+        <p:nvPicPr>
+          <p:cNvPr id="20" name="Picture 19"/>
+          <p:cNvPicPr>
+            <a:picLocks noChangeAspect="1"/>
+          </p:cNvPicPr>
+          <p:nvPr/>
+        </p:nvPicPr>
+        <p:blipFill>
+          <a:blip r:embed="rId2"/>
+          <a:stretch>
+            <a:fillRect/>
+          </a:stretch>
+        </p:blipFill>
+        <p:spPr>
+          <a:xfrm>
+            <a:off x="1363648" y="527985"/>
+            <a:ext cx="2564175" cy="4615515"/>
+          </a:xfrm>
+          <a:prstGeom prst="rect">
+            <a:avLst/>
+          </a:prstGeom>
+        </p:spPr>
+      </p:pic>
+      <p:sp>
+        <p:nvSpPr>
+          <p:cNvPr id="32" name="Rectangle 31"/>
+          <p:cNvSpPr/>
+          <p:nvPr/>
+        </p:nvSpPr>
+        <p:spPr>
+          <a:xfrm>
+            <a:off x="0" y="2319392"/>
+            <a:ext cx="1693334" cy="474608"/>
+          </a:xfrm>
+          <a:prstGeom prst="rect">
+            <a:avLst/>
+          </a:prstGeom>
+          <a:solidFill>
+            <a:schemeClr val="tx1"/>
+          </a:solidFill>
+          <a:ln>
+            <a:solidFill>
+              <a:schemeClr val="tx1"/>
+            </a:solidFill>
+          </a:ln>
+        </p:spPr>
+        <p:style>
+          <a:lnRef idx="1">
+            <a:schemeClr val="accent1"/>
+          </a:lnRef>
+          <a:fillRef idx="3">
+            <a:schemeClr val="accent1"/>
+          </a:fillRef>
+          <a:effectRef idx="2">
+            <a:schemeClr val="accent1"/>
+          </a:effectRef>
+          <a:fontRef idx="minor">
+            <a:schemeClr val="lt1"/>
+          </a:fontRef>
+        </p:style>
+        <p:txBody>
+          <a:bodyPr rtlCol="0" anchor="ctr"/>
+          <a:lstStyle/>
+          <a:p>
+            <a:pPr algn="ctr"/>
+            <a:r>
+              <a:rPr lang="en-US" sz="800" b="1" dirty="0" smtClean="0"/>
+              <a:t>Settings Screen</a:t>
+            </a:r>
+          </a:p>
+          <a:p>
+            <a:pPr algn="ctr"/>
+            <a:r>
+              <a:rPr lang="en-US" sz="800" b="1" dirty="0"/>
+              <a:t>0</a:t>
+            </a:r>
+            <a:r>
+              <a:rPr lang="en-US" sz="800" b="1" dirty="0" smtClean="0"/>
+              <a:t>-4</a:t>
+            </a:r>
+            <a:endParaRPr lang="en-US" sz="800" b="1" dirty="0"/>
+          </a:p>
+        </p:txBody>
+      </p:sp>
+      <p:sp>
+        <p:nvSpPr>
+          <p:cNvPr id="15" name="Rectangle 14"/>
+          <p:cNvSpPr/>
+          <p:nvPr/>
+        </p:nvSpPr>
+        <p:spPr>
+          <a:xfrm>
+            <a:off x="1837130" y="1388540"/>
+            <a:ext cx="1693334" cy="211666"/>
+          </a:xfrm>
+          <a:prstGeom prst="rect">
+            <a:avLst/>
+          </a:prstGeom>
+          <a:solidFill>
+            <a:schemeClr val="tx1"/>
+          </a:solidFill>
+          <a:ln>
+            <a:solidFill>
+              <a:schemeClr val="tx1"/>
+            </a:solidFill>
+          </a:ln>
+        </p:spPr>
+        <p:style>
+          <a:lnRef idx="1">
+            <a:schemeClr val="accent1"/>
+          </a:lnRef>
+          <a:fillRef idx="3">
+            <a:schemeClr val="accent1"/>
+          </a:fillRef>
+          <a:effectRef idx="2">
+            <a:schemeClr val="accent1"/>
+          </a:effectRef>
+          <a:fontRef idx="minor">
+            <a:schemeClr val="lt1"/>
+          </a:fontRef>
+        </p:style>
+        <p:txBody>
+          <a:bodyPr rtlCol="0" anchor="ctr"/>
+          <a:lstStyle/>
+          <a:p>
+            <a:r>
+              <a:rPr lang="en-US" sz="800" b="1" dirty="0" smtClean="0"/>
+              <a:t>App Showcase</a:t>
+            </a:r>
+            <a:endParaRPr lang="en-US" sz="800" b="1" dirty="0"/>
+          </a:p>
+        </p:txBody>
+      </p:sp>
+      <p:sp>
+        <p:nvSpPr>
+          <p:cNvPr id="16" name="Rectangle 15"/>
+          <p:cNvSpPr/>
+          <p:nvPr/>
+        </p:nvSpPr>
+        <p:spPr>
+          <a:xfrm>
+            <a:off x="1828663" y="1363145"/>
+            <a:ext cx="1693334" cy="2921000"/>
+          </a:xfrm>
+          <a:prstGeom prst="rect">
+            <a:avLst/>
+          </a:prstGeom>
+          <a:solidFill>
+            <a:schemeClr val="bg1">
+              <a:lumMod val="85000"/>
+            </a:schemeClr>
+          </a:solidFill>
+          <a:ln>
+            <a:solidFill>
+              <a:schemeClr val="bg1">
+                <a:lumMod val="50000"/>
+              </a:schemeClr>
+            </a:solidFill>
+          </a:ln>
+        </p:spPr>
+        <p:style>
+          <a:lnRef idx="1">
+            <a:schemeClr val="accent1"/>
+          </a:lnRef>
+          <a:fillRef idx="3">
+            <a:schemeClr val="accent1"/>
+          </a:fillRef>
+          <a:effectRef idx="2">
+            <a:schemeClr val="accent1"/>
+          </a:effectRef>
+          <a:fontRef idx="minor">
+            <a:schemeClr val="lt1"/>
+          </a:fontRef>
+        </p:style>
+        <p:txBody>
+          <a:bodyPr rtlCol="0" anchor="ctr"/>
+          <a:lstStyle/>
+          <a:p>
+            <a:pPr algn="ctr"/>
+            <a:endParaRPr lang="en-US" dirty="0"/>
+          </a:p>
+        </p:txBody>
+      </p:sp>
+      <p:sp>
+        <p:nvSpPr>
+          <p:cNvPr id="17" name="Rectangle 16"/>
+          <p:cNvSpPr/>
+          <p:nvPr/>
+        </p:nvSpPr>
+        <p:spPr>
+          <a:xfrm>
+            <a:off x="1820051" y="1363146"/>
+            <a:ext cx="1693334" cy="211666"/>
+          </a:xfrm>
+          <a:prstGeom prst="rect">
+            <a:avLst/>
+          </a:prstGeom>
+          <a:solidFill>
+            <a:schemeClr val="tx1"/>
+          </a:solidFill>
+          <a:ln>
+            <a:solidFill>
+              <a:schemeClr val="tx1"/>
+            </a:solidFill>
+          </a:ln>
+        </p:spPr>
+        <p:style>
+          <a:lnRef idx="1">
+            <a:schemeClr val="accent1"/>
+          </a:lnRef>
+          <a:fillRef idx="3">
+            <a:schemeClr val="accent1"/>
+          </a:fillRef>
+          <a:effectRef idx="2">
+            <a:schemeClr val="accent1"/>
+          </a:effectRef>
+          <a:fontRef idx="minor">
+            <a:schemeClr val="lt1"/>
+          </a:fontRef>
+        </p:style>
+        <p:txBody>
+          <a:bodyPr rtlCol="0" anchor="ctr"/>
+          <a:lstStyle/>
+          <a:p>
+            <a:pPr algn="ctr"/>
+            <a:r>
+              <a:rPr lang="en-US" sz="800" b="1" dirty="0" smtClean="0"/>
+              <a:t>Settings</a:t>
+            </a:r>
+            <a:endParaRPr lang="en-US" sz="800" b="1" dirty="0"/>
+          </a:p>
+        </p:txBody>
+      </p:sp>
+      <p:sp>
+        <p:nvSpPr>
+          <p:cNvPr id="3" name="TextBox 2"/>
+          <p:cNvSpPr txBox="1"/>
+          <p:nvPr/>
+        </p:nvSpPr>
+        <p:spPr>
+          <a:xfrm>
+            <a:off x="1837129" y="1591751"/>
+            <a:ext cx="1676255" cy="1148400"/>
+          </a:xfrm>
+          <a:prstGeom prst="rect">
+            <a:avLst/>
+          </a:prstGeom>
+          <a:ln>
+            <a:solidFill>
+              <a:schemeClr val="tx1">
+                <a:lumMod val="50000"/>
+                <a:lumOff val="50000"/>
+              </a:schemeClr>
+            </a:solidFill>
+          </a:ln>
+        </p:spPr>
+        <p:style>
+          <a:lnRef idx="2">
+            <a:schemeClr val="dk1"/>
+          </a:lnRef>
+          <a:fillRef idx="1">
+            <a:schemeClr val="lt1"/>
+          </a:fillRef>
+          <a:effectRef idx="0">
+            <a:schemeClr val="dk1"/>
+          </a:effectRef>
+          <a:fontRef idx="minor">
+            <a:schemeClr val="dk1"/>
+          </a:fontRef>
+        </p:style>
+        <p:txBody>
+          <a:bodyPr wrap="square" rtlCol="0">
+            <a:spAutoFit/>
+          </a:bodyPr>
+          <a:lstStyle/>
+          <a:p>
+            <a:r>
+              <a:rPr lang="en-US" sz="800" b="1" dirty="0" smtClean="0">
+                <a:latin typeface="Arial"/>
+                <a:cs typeface="Arial"/>
+              </a:rPr>
+              <a:t>Data Retention:</a:t>
+            </a:r>
+          </a:p>
+          <a:p>
+            <a:endParaRPr lang="en-US" sz="800" b="1" dirty="0" smtClean="0">
+              <a:latin typeface="Arial"/>
+              <a:cs typeface="Arial"/>
+            </a:endParaRPr>
+          </a:p>
+          <a:p>
+            <a:endParaRPr lang="en-US" sz="800" dirty="0">
+              <a:latin typeface="Arial"/>
+              <a:cs typeface="Arial"/>
+            </a:endParaRPr>
+          </a:p>
+          <a:p>
+            <a:r>
+              <a:rPr lang="en-US" sz="700" dirty="0" smtClean="0">
+                <a:latin typeface="Arial"/>
+                <a:cs typeface="Arial"/>
+              </a:rPr>
+              <a:t>(Store Shared Data on Server)</a:t>
+            </a:r>
+          </a:p>
+          <a:p>
+            <a:endParaRPr lang="en-US" sz="700" dirty="0">
+              <a:latin typeface="Arial"/>
+              <a:cs typeface="Arial"/>
+            </a:endParaRPr>
+          </a:p>
+          <a:p>
+            <a:r>
+              <a:rPr lang="en-US" sz="700" b="1" dirty="0" smtClean="0">
+                <a:latin typeface="Arial"/>
+                <a:cs typeface="Arial"/>
+              </a:rPr>
+              <a:t>Retain data for</a:t>
+            </a:r>
+            <a:r>
+              <a:rPr lang="en-US" sz="700" dirty="0" smtClean="0">
+                <a:latin typeface="Arial"/>
+                <a:cs typeface="Arial"/>
+              </a:rPr>
+              <a:t>:</a:t>
+            </a:r>
+          </a:p>
+          <a:p>
+            <a:endParaRPr lang="en-US" sz="700" dirty="0">
+              <a:latin typeface="Arial"/>
+              <a:cs typeface="Arial"/>
+            </a:endParaRPr>
+          </a:p>
+          <a:p>
+            <a:endParaRPr lang="en-US" sz="800" dirty="0">
+              <a:latin typeface="Arial"/>
+              <a:cs typeface="Arial"/>
+            </a:endParaRPr>
+          </a:p>
+          <a:p>
+            <a:endParaRPr lang="en-US" sz="800" dirty="0" smtClean="0">
+              <a:latin typeface="Arial"/>
+              <a:cs typeface="Arial"/>
+            </a:endParaRPr>
+          </a:p>
+          <a:p>
+            <a:endParaRPr lang="en-US" sz="800" dirty="0">
+              <a:latin typeface="Arial"/>
+              <a:cs typeface="Arial"/>
+            </a:endParaRPr>
+          </a:p>
+          <a:p>
+            <a:endParaRPr lang="en-US" sz="800" dirty="0" smtClean="0">
+              <a:latin typeface="Arial"/>
+              <a:cs typeface="Arial"/>
+            </a:endParaRPr>
+          </a:p>
+          <a:p>
+            <a:endParaRPr lang="en-US" sz="800" dirty="0">
+              <a:latin typeface="Arial"/>
+              <a:cs typeface="Arial"/>
+            </a:endParaRPr>
+          </a:p>
+        </p:txBody>
+      </p:sp>
+      <p:sp>
+        <p:nvSpPr>
+          <p:cNvPr id="11" name="TextBox 10"/>
+          <p:cNvSpPr txBox="1"/>
+          <p:nvPr/>
+        </p:nvSpPr>
+        <p:spPr>
+          <a:xfrm>
+            <a:off x="1896533" y="2354344"/>
+            <a:ext cx="1566196" cy="215444"/>
+          </a:xfrm>
+          <a:prstGeom prst="rect">
+            <a:avLst/>
+          </a:prstGeom>
+          <a:ln w="3175" cmpd="sng">
+            <a:solidFill>
+              <a:schemeClr val="bg1">
+                <a:lumMod val="85000"/>
+              </a:schemeClr>
+            </a:solidFill>
+          </a:ln>
+        </p:spPr>
+        <p:style>
+          <a:lnRef idx="2">
+            <a:schemeClr val="dk1"/>
+          </a:lnRef>
+          <a:fillRef idx="1">
+            <a:schemeClr val="lt1"/>
+          </a:fillRef>
+          <a:effectRef idx="0">
+            <a:schemeClr val="dk1"/>
+          </a:effectRef>
+          <a:fontRef idx="minor">
+            <a:schemeClr val="dk1"/>
+          </a:fontRef>
+        </p:style>
+        <p:txBody>
+          <a:bodyPr wrap="square" rtlCol="0">
+            <a:spAutoFit/>
+          </a:bodyPr>
+          <a:lstStyle/>
+          <a:p>
+            <a:r>
+              <a:rPr lang="en-US" sz="800" dirty="0" smtClean="0">
+                <a:latin typeface="Arial"/>
+                <a:cs typeface="Arial"/>
+              </a:rPr>
+              <a:t>1 day</a:t>
+            </a:r>
+            <a:endParaRPr lang="en-US" sz="800" dirty="0">
+              <a:latin typeface="Arial"/>
+              <a:cs typeface="Arial"/>
+            </a:endParaRPr>
+          </a:p>
+        </p:txBody>
+      </p:sp>
+      <p:sp>
+        <p:nvSpPr>
+          <p:cNvPr id="12" name="Rounded Rectangle 11"/>
+          <p:cNvSpPr/>
+          <p:nvPr/>
+        </p:nvSpPr>
+        <p:spPr>
+          <a:xfrm>
+            <a:off x="2992825" y="1761070"/>
+            <a:ext cx="486837" cy="211666"/>
+          </a:xfrm>
+          <a:prstGeom prst="roundRect">
+            <a:avLst>
+              <a:gd name="adj" fmla="val 44667"/>
+            </a:avLst>
+          </a:prstGeom>
+          <a:solidFill>
+            <a:schemeClr val="bg1">
+              <a:lumMod val="75000"/>
+            </a:schemeClr>
+          </a:solidFill>
+          <a:ln>
+            <a:solidFill>
+              <a:srgbClr val="7F7F7F"/>
+            </a:solidFill>
+          </a:ln>
+          <a:effectLst>
+            <a:innerShdw blurRad="63500" dist="584200" dir="13500000">
+              <a:srgbClr val="000000">
+                <a:alpha val="50000"/>
+              </a:srgbClr>
+            </a:innerShdw>
+          </a:effectLst>
+        </p:spPr>
+        <p:style>
+          <a:lnRef idx="1">
+            <a:schemeClr val="accent1"/>
+          </a:lnRef>
+          <a:fillRef idx="3">
+            <a:schemeClr val="accent1"/>
+          </a:fillRef>
+          <a:effectRef idx="2">
+            <a:schemeClr val="accent1"/>
+          </a:effectRef>
+          <a:fontRef idx="minor">
+            <a:schemeClr val="lt1"/>
+          </a:fontRef>
+        </p:style>
+        <p:txBody>
+          <a:bodyPr rtlCol="0" anchor="ctr"/>
+          <a:lstStyle/>
+          <a:p>
+            <a:pPr algn="r"/>
+            <a:r>
+              <a:rPr lang="en-US" sz="700" dirty="0" smtClean="0">
+                <a:solidFill>
+                  <a:srgbClr val="404040"/>
+                </a:solidFill>
+              </a:rPr>
+              <a:t>OFF</a:t>
+            </a:r>
+            <a:endParaRPr lang="en-US" sz="700" dirty="0">
+              <a:solidFill>
+                <a:srgbClr val="404040"/>
+              </a:solidFill>
+            </a:endParaRPr>
+          </a:p>
+        </p:txBody>
+      </p:sp>
+      <p:sp>
+        <p:nvSpPr>
+          <p:cNvPr id="13" name="Rounded Rectangle 12"/>
+          <p:cNvSpPr/>
+          <p:nvPr/>
+        </p:nvSpPr>
+        <p:spPr>
+          <a:xfrm>
+            <a:off x="2726135" y="1761070"/>
+            <a:ext cx="436031" cy="211666"/>
+          </a:xfrm>
+          <a:prstGeom prst="roundRect">
+            <a:avLst>
+              <a:gd name="adj" fmla="val 44667"/>
+            </a:avLst>
+          </a:prstGeom>
+          <a:solidFill>
+            <a:schemeClr val="tx1">
+              <a:lumMod val="65000"/>
+              <a:lumOff val="35000"/>
+            </a:schemeClr>
+          </a:solidFill>
+          <a:ln>
+            <a:solidFill>
+              <a:srgbClr val="7F7F7F"/>
+            </a:solidFill>
+          </a:ln>
+        </p:spPr>
+        <p:style>
+          <a:lnRef idx="1">
+            <a:schemeClr val="accent1"/>
+          </a:lnRef>
+          <a:fillRef idx="3">
+            <a:schemeClr val="accent1"/>
+          </a:fillRef>
+          <a:effectRef idx="2">
+            <a:schemeClr val="accent1"/>
+          </a:effectRef>
+          <a:fontRef idx="minor">
+            <a:schemeClr val="lt1"/>
+          </a:fontRef>
+        </p:style>
+        <p:txBody>
+          <a:bodyPr rtlCol="0" anchor="ctr"/>
+          <a:lstStyle/>
+          <a:p>
+            <a:pPr algn="ctr"/>
+            <a:r>
+              <a:rPr lang="en-US" sz="700" b="1" dirty="0" smtClean="0">
+                <a:solidFill>
+                  <a:schemeClr val="bg1"/>
+                </a:solidFill>
+              </a:rPr>
+              <a:t>ON</a:t>
+            </a:r>
+            <a:endParaRPr lang="en-US" sz="700" b="1" dirty="0">
+              <a:solidFill>
+                <a:schemeClr val="bg1"/>
+              </a:solidFill>
+            </a:endParaRPr>
+          </a:p>
+        </p:txBody>
+      </p:sp>
+      <p:sp>
+        <p:nvSpPr>
+          <p:cNvPr id="5" name="Down Arrow 4"/>
+          <p:cNvSpPr/>
+          <p:nvPr/>
+        </p:nvSpPr>
+        <p:spPr>
+          <a:xfrm>
+            <a:off x="3284920" y="2405143"/>
+            <a:ext cx="169341" cy="127475"/>
+          </a:xfrm>
+          <a:prstGeom prst="downArrow">
+            <a:avLst/>
+          </a:prstGeom>
+          <a:solidFill>
+            <a:schemeClr val="tx1">
+              <a:lumMod val="50000"/>
+              <a:lumOff val="50000"/>
+            </a:schemeClr>
+          </a:solidFill>
+          <a:ln>
+            <a:solidFill>
+              <a:schemeClr val="tx1"/>
+            </a:solidFill>
+          </a:ln>
+        </p:spPr>
+        <p:style>
+          <a:lnRef idx="1">
+            <a:schemeClr val="accent1"/>
+          </a:lnRef>
+          <a:fillRef idx="3">
+            <a:schemeClr val="accent1"/>
+          </a:fillRef>
+          <a:effectRef idx="2">
+            <a:schemeClr val="accent1"/>
+          </a:effectRef>
+          <a:fontRef idx="minor">
+            <a:schemeClr val="lt1"/>
+          </a:fontRef>
+        </p:style>
+        <p:txBody>
+          <a:bodyPr rtlCol="0" anchor="ctr"/>
+          <a:lstStyle/>
+          <a:p>
+            <a:pPr algn="ctr"/>
+            <a:endParaRPr lang="en-US"/>
+          </a:p>
+        </p:txBody>
+      </p:sp>
+      <p:sp>
+        <p:nvSpPr>
+          <p:cNvPr id="18" name="TextBox 17"/>
+          <p:cNvSpPr txBox="1"/>
+          <p:nvPr/>
+        </p:nvSpPr>
+        <p:spPr>
+          <a:xfrm>
+            <a:off x="1854209" y="2785551"/>
+            <a:ext cx="1676255" cy="1508105"/>
+          </a:xfrm>
+          <a:prstGeom prst="rect">
+            <a:avLst/>
+          </a:prstGeom>
+          <a:ln>
+            <a:solidFill>
+              <a:schemeClr val="tx1">
+                <a:lumMod val="50000"/>
+                <a:lumOff val="50000"/>
+              </a:schemeClr>
+            </a:solidFill>
+          </a:ln>
+        </p:spPr>
+        <p:style>
+          <a:lnRef idx="2">
+            <a:schemeClr val="dk1"/>
+          </a:lnRef>
+          <a:fillRef idx="1">
+            <a:schemeClr val="lt1"/>
+          </a:fillRef>
+          <a:effectRef idx="0">
+            <a:schemeClr val="dk1"/>
+          </a:effectRef>
+          <a:fontRef idx="minor">
+            <a:schemeClr val="dk1"/>
+          </a:fontRef>
+        </p:style>
+        <p:txBody>
+          <a:bodyPr wrap="square" rtlCol="0">
+            <a:spAutoFit/>
+          </a:bodyPr>
+          <a:lstStyle/>
+          <a:p>
+            <a:r>
+              <a:rPr lang="en-US" sz="800" b="1" dirty="0" smtClean="0">
+                <a:latin typeface="Arial"/>
+                <a:cs typeface="Arial"/>
+              </a:rPr>
+              <a:t>Data Privacy:</a:t>
+            </a:r>
+          </a:p>
+          <a:p>
+            <a:endParaRPr lang="en-US" sz="800" b="1" dirty="0" smtClean="0">
+              <a:latin typeface="Arial"/>
+              <a:cs typeface="Arial"/>
+            </a:endParaRPr>
+          </a:p>
+          <a:p>
+            <a:endParaRPr lang="en-US" sz="800" dirty="0">
+              <a:latin typeface="Arial"/>
+              <a:cs typeface="Arial"/>
+            </a:endParaRPr>
+          </a:p>
+          <a:p>
+            <a:r>
+              <a:rPr lang="en-US" sz="700" dirty="0" smtClean="0">
+                <a:latin typeface="Arial"/>
+                <a:cs typeface="Arial"/>
+              </a:rPr>
+              <a:t>(Store Shared Data on Server)</a:t>
+            </a:r>
+          </a:p>
+          <a:p>
+            <a:endParaRPr lang="en-US" sz="700" dirty="0">
+              <a:latin typeface="Arial"/>
+              <a:cs typeface="Arial"/>
+            </a:endParaRPr>
+          </a:p>
+          <a:p>
+            <a:r>
+              <a:rPr lang="en-US" sz="700" b="1" dirty="0" smtClean="0">
+                <a:latin typeface="Arial"/>
+                <a:cs typeface="Arial"/>
+              </a:rPr>
+              <a:t>Retain data for</a:t>
+            </a:r>
+            <a:r>
+              <a:rPr lang="en-US" sz="700" dirty="0" smtClean="0">
+                <a:latin typeface="Arial"/>
+                <a:cs typeface="Arial"/>
+              </a:rPr>
+              <a:t>:</a:t>
+            </a:r>
+          </a:p>
+          <a:p>
+            <a:endParaRPr lang="en-US" sz="700" dirty="0">
+              <a:latin typeface="Arial"/>
+              <a:cs typeface="Arial"/>
+            </a:endParaRPr>
+          </a:p>
+          <a:p>
+            <a:endParaRPr lang="en-US" sz="800" dirty="0">
+              <a:latin typeface="Arial"/>
+              <a:cs typeface="Arial"/>
+            </a:endParaRPr>
+          </a:p>
+          <a:p>
+            <a:endParaRPr lang="en-US" sz="800" dirty="0" smtClean="0">
+              <a:latin typeface="Arial"/>
+              <a:cs typeface="Arial"/>
+            </a:endParaRPr>
+          </a:p>
+          <a:p>
+            <a:endParaRPr lang="en-US" sz="800" dirty="0">
+              <a:latin typeface="Arial"/>
+              <a:cs typeface="Arial"/>
+            </a:endParaRPr>
+          </a:p>
+          <a:p>
+            <a:endParaRPr lang="en-US" sz="800" dirty="0" smtClean="0">
+              <a:latin typeface="Arial"/>
+              <a:cs typeface="Arial"/>
+            </a:endParaRPr>
+          </a:p>
+          <a:p>
+            <a:endParaRPr lang="en-US" sz="800" dirty="0">
+              <a:latin typeface="Arial"/>
+              <a:cs typeface="Arial"/>
+            </a:endParaRPr>
+          </a:p>
+        </p:txBody>
+      </p:sp>
+    </p:spTree>
+    <p:extLst>
+      <p:ext uri="{BB962C8B-B14F-4D97-AF65-F5344CB8AC3E}">
+        <p14:creationId xmlns:p14="http://schemas.microsoft.com/office/powerpoint/2010/main" val="759688776"/>
+      </p:ext>
+    </p:extLst>
+  </p:cSld>
+  <p:clrMapOvr>
+    <a:masterClrMapping/>
+  </p:clrMapOvr>
+  <p:timing>
+    <p:tnLst>
+      <p:par>
+        <p:cTn xmlns:p14="http://schemas.microsoft.com/office/powerpoint/2010/main" id="1" dur="indefinite" restart="never" nodeType="tmRoot"/>
+      </p:par>
+    </p:tnLst>
+  </p:timing>
+</p:sld>
+</file>
+
+<file path=ppt/slides/slide21.xml><?xml version="1.0" encoding="utf-8"?>
+<p:sld xmlns:a="http://schemas.openxmlformats.org/drawingml/2006/main" xmlns:r="http://schemas.openxmlformats.org/officeDocument/2006/relationships" xmlns:p="http://schemas.openxmlformats.org/presentationml/2006/main">
+  <p:cSld>
+    <p:spTree>
+      <p:nvGrpSpPr>
+        <p:cNvPr id="1" name=""/>
+        <p:cNvGrpSpPr/>
+        <p:nvPr/>
+      </p:nvGrpSpPr>
+      <p:grpSpPr>
+        <a:xfrm>
+          <a:off x="0" y="0"/>
+          <a:ext cx="0" cy="0"/>
+          <a:chOff x="0" y="0"/>
+          <a:chExt cx="0" cy="0"/>
+        </a:xfrm>
+      </p:grpSpPr>
+      <p:sp>
+        <p:nvSpPr>
+          <p:cNvPr id="2" name="TextBox 1"/>
+          <p:cNvSpPr txBox="1"/>
+          <p:nvPr/>
+        </p:nvSpPr>
+        <p:spPr>
+          <a:xfrm>
+            <a:off x="0" y="266239"/>
+            <a:ext cx="3367638" cy="369332"/>
+          </a:xfrm>
+          <a:prstGeom prst="rect">
+            <a:avLst/>
+          </a:prstGeom>
+          <a:solidFill>
+            <a:schemeClr val="tx1">
+              <a:lumMod val="65000"/>
+              <a:lumOff val="35000"/>
+            </a:schemeClr>
+          </a:solidFill>
+        </p:spPr>
+        <p:style>
+          <a:lnRef idx="2">
+            <a:schemeClr val="dk1"/>
+          </a:lnRef>
+          <a:fillRef idx="1">
+            <a:schemeClr val="lt1"/>
+          </a:fillRef>
+          <a:effectRef idx="0">
+            <a:schemeClr val="dk1"/>
+          </a:effectRef>
+          <a:fontRef idx="minor">
+            <a:schemeClr val="dk1"/>
+          </a:fontRef>
+        </p:style>
+        <p:txBody>
+          <a:bodyPr wrap="square" rtlCol="0">
+            <a:spAutoFit/>
+          </a:bodyPr>
+          <a:lstStyle/>
+          <a:p>
+            <a:r>
+              <a:rPr lang="en-US" dirty="0" err="1">
+                <a:solidFill>
+                  <a:schemeClr val="bg1"/>
+                </a:solidFill>
+              </a:rPr>
+              <a:t>n</a:t>
+            </a:r>
+            <a:r>
+              <a:rPr lang="en-US" dirty="0" err="1" smtClean="0">
+                <a:solidFill>
+                  <a:schemeClr val="bg1"/>
+                </a:solidFill>
+              </a:rPr>
+              <a:t>ervousnet</a:t>
+            </a:r>
+            <a:r>
+              <a:rPr lang="en-US" dirty="0" smtClean="0">
+                <a:solidFill>
+                  <a:schemeClr val="bg1"/>
+                </a:solidFill>
+              </a:rPr>
+              <a:t> HUB</a:t>
+            </a:r>
+            <a:endParaRPr lang="en-US" dirty="0">
+              <a:solidFill>
+                <a:schemeClr val="bg1"/>
+              </a:solidFill>
+            </a:endParaRPr>
+          </a:p>
+        </p:txBody>
+      </p:sp>
+      <p:sp>
+        <p:nvSpPr>
+          <p:cNvPr id="23" name="TextBox 22"/>
+          <p:cNvSpPr txBox="1"/>
+          <p:nvPr/>
+        </p:nvSpPr>
+        <p:spPr>
+          <a:xfrm>
+            <a:off x="3367638" y="260253"/>
+            <a:ext cx="5612323" cy="369332"/>
+          </a:xfrm>
+          <a:prstGeom prst="rect">
+            <a:avLst/>
+          </a:prstGeom>
+          <a:solidFill>
+            <a:schemeClr val="bg1">
+              <a:lumMod val="65000"/>
+            </a:schemeClr>
+          </a:solidFill>
+        </p:spPr>
+        <p:style>
+          <a:lnRef idx="2">
+            <a:schemeClr val="dk1"/>
+          </a:lnRef>
+          <a:fillRef idx="1">
+            <a:schemeClr val="lt1"/>
+          </a:fillRef>
+          <a:effectRef idx="0">
+            <a:schemeClr val="dk1"/>
+          </a:effectRef>
+          <a:fontRef idx="minor">
+            <a:schemeClr val="dk1"/>
+          </a:fontRef>
+        </p:style>
+        <p:txBody>
+          <a:bodyPr wrap="square" rtlCol="0">
+            <a:spAutoFit/>
+          </a:bodyPr>
+          <a:lstStyle>
+            <a:defPPr>
+              <a:defRPr lang="en-US"/>
+            </a:defPPr>
+            <a:lvl1pPr>
+              <a:defRPr>
+                <a:solidFill>
+                  <a:schemeClr val="bg1"/>
+                </a:solidFill>
+              </a:defRPr>
+            </a:lvl1pPr>
+          </a:lstStyle>
+          <a:p>
+            <a:pPr algn="r"/>
+            <a:r>
+              <a:rPr lang="en-US" dirty="0" smtClean="0">
+                <a:solidFill>
+                  <a:schemeClr val="tx1"/>
+                </a:solidFill>
+              </a:rPr>
+              <a:t>Mobile App UI Wireframes</a:t>
+            </a:r>
+            <a:endParaRPr lang="en-US" dirty="0">
+              <a:solidFill>
+                <a:schemeClr val="tx1"/>
+              </a:solidFill>
+            </a:endParaRPr>
+          </a:p>
+        </p:txBody>
+      </p:sp>
+      <p:sp>
+        <p:nvSpPr>
+          <p:cNvPr id="4" name="Footer Placeholder 3"/>
+          <p:cNvSpPr>
+            <a:spLocks noGrp="1"/>
+          </p:cNvSpPr>
+          <p:nvPr>
+            <p:ph type="ftr" sz="quarter" idx="11"/>
+          </p:nvPr>
+        </p:nvSpPr>
+        <p:spPr>
+          <a:xfrm>
+            <a:off x="1120588" y="56525"/>
+            <a:ext cx="2895600" cy="273844"/>
+          </a:xfrm>
+        </p:spPr>
+        <p:txBody>
+          <a:bodyPr/>
+          <a:lstStyle/>
+          <a:p>
+            <a:r>
+              <a:rPr lang="en-US" dirty="0" smtClean="0"/>
+              <a:t>© ETH Zürich, COSS </a:t>
+            </a:r>
+            <a:endParaRPr lang="en-US" dirty="0"/>
+          </a:p>
+        </p:txBody>
+      </p:sp>
+      <p:pic>
+        <p:nvPicPr>
+          <p:cNvPr id="20" name="Picture 19"/>
+          <p:cNvPicPr>
+            <a:picLocks noChangeAspect="1"/>
+          </p:cNvPicPr>
+          <p:nvPr/>
+        </p:nvPicPr>
+        <p:blipFill>
+          <a:blip r:embed="rId2"/>
+          <a:stretch>
+            <a:fillRect/>
+          </a:stretch>
+        </p:blipFill>
+        <p:spPr>
+          <a:xfrm>
+            <a:off x="1391876" y="527985"/>
+            <a:ext cx="2564175" cy="4615515"/>
+          </a:xfrm>
+          <a:prstGeom prst="rect">
+            <a:avLst/>
+          </a:prstGeom>
+        </p:spPr>
+      </p:pic>
+      <p:sp>
+        <p:nvSpPr>
+          <p:cNvPr id="32" name="Rectangle 31"/>
+          <p:cNvSpPr/>
+          <p:nvPr/>
+        </p:nvSpPr>
+        <p:spPr>
+          <a:xfrm>
+            <a:off x="16016" y="2319392"/>
+            <a:ext cx="1693334" cy="474608"/>
+          </a:xfrm>
+          <a:prstGeom prst="rect">
+            <a:avLst/>
+          </a:prstGeom>
+          <a:solidFill>
+            <a:schemeClr val="tx1"/>
+          </a:solidFill>
+          <a:ln>
+            <a:solidFill>
+              <a:schemeClr val="tx1"/>
+            </a:solidFill>
+          </a:ln>
+        </p:spPr>
+        <p:style>
+          <a:lnRef idx="1">
+            <a:schemeClr val="accent1"/>
+          </a:lnRef>
+          <a:fillRef idx="3">
+            <a:schemeClr val="accent1"/>
+          </a:fillRef>
+          <a:effectRef idx="2">
+            <a:schemeClr val="accent1"/>
+          </a:effectRef>
+          <a:fontRef idx="minor">
+            <a:schemeClr val="lt1"/>
+          </a:fontRef>
+        </p:style>
+        <p:txBody>
+          <a:bodyPr rtlCol="0" anchor="ctr"/>
+          <a:lstStyle/>
+          <a:p>
+            <a:pPr algn="ctr"/>
+            <a:r>
+              <a:rPr lang="en-US" sz="800" b="1" dirty="0" smtClean="0"/>
+              <a:t>Help Screen</a:t>
+            </a:r>
+          </a:p>
+          <a:p>
+            <a:pPr algn="ctr"/>
+            <a:r>
+              <a:rPr lang="en-US" sz="800" b="1" dirty="0"/>
+              <a:t>0</a:t>
+            </a:r>
+            <a:r>
+              <a:rPr lang="en-US" sz="800" b="1" dirty="0" smtClean="0"/>
+              <a:t>-5</a:t>
+            </a:r>
+            <a:endParaRPr lang="en-US" sz="800" b="1" dirty="0"/>
+          </a:p>
+        </p:txBody>
+      </p:sp>
+      <p:sp>
+        <p:nvSpPr>
+          <p:cNvPr id="15" name="Rectangle 14"/>
+          <p:cNvSpPr/>
+          <p:nvPr/>
+        </p:nvSpPr>
+        <p:spPr>
+          <a:xfrm>
+            <a:off x="1865358" y="1388540"/>
+            <a:ext cx="1693334" cy="211666"/>
+          </a:xfrm>
+          <a:prstGeom prst="rect">
+            <a:avLst/>
+          </a:prstGeom>
+          <a:solidFill>
+            <a:schemeClr val="tx1"/>
+          </a:solidFill>
+          <a:ln>
+            <a:solidFill>
+              <a:schemeClr val="tx1"/>
+            </a:solidFill>
+          </a:ln>
+        </p:spPr>
+        <p:style>
+          <a:lnRef idx="1">
+            <a:schemeClr val="accent1"/>
+          </a:lnRef>
+          <a:fillRef idx="3">
+            <a:schemeClr val="accent1"/>
+          </a:fillRef>
+          <a:effectRef idx="2">
+            <a:schemeClr val="accent1"/>
+          </a:effectRef>
+          <a:fontRef idx="minor">
+            <a:schemeClr val="lt1"/>
+          </a:fontRef>
+        </p:style>
+        <p:txBody>
+          <a:bodyPr rtlCol="0" anchor="ctr"/>
+          <a:lstStyle/>
+          <a:p>
+            <a:r>
+              <a:rPr lang="en-US" sz="800" b="1" dirty="0" smtClean="0"/>
+              <a:t>App Showcase</a:t>
+            </a:r>
+            <a:endParaRPr lang="en-US" sz="800" b="1" dirty="0"/>
+          </a:p>
+        </p:txBody>
+      </p:sp>
+      <p:sp>
+        <p:nvSpPr>
+          <p:cNvPr id="16" name="Rectangle 15"/>
+          <p:cNvSpPr/>
+          <p:nvPr/>
+        </p:nvSpPr>
+        <p:spPr>
+          <a:xfrm>
+            <a:off x="1856891" y="1363145"/>
+            <a:ext cx="1693334" cy="2921000"/>
+          </a:xfrm>
+          <a:prstGeom prst="rect">
+            <a:avLst/>
+          </a:prstGeom>
+          <a:solidFill>
+            <a:schemeClr val="bg1">
+              <a:lumMod val="85000"/>
+            </a:schemeClr>
+          </a:solidFill>
+          <a:ln>
+            <a:solidFill>
+              <a:schemeClr val="bg1">
+                <a:lumMod val="50000"/>
+              </a:schemeClr>
+            </a:solidFill>
+          </a:ln>
+        </p:spPr>
+        <p:style>
+          <a:lnRef idx="1">
+            <a:schemeClr val="accent1"/>
+          </a:lnRef>
+          <a:fillRef idx="3">
+            <a:schemeClr val="accent1"/>
+          </a:fillRef>
+          <a:effectRef idx="2">
+            <a:schemeClr val="accent1"/>
+          </a:effectRef>
+          <a:fontRef idx="minor">
+            <a:schemeClr val="lt1"/>
+          </a:fontRef>
+        </p:style>
+        <p:txBody>
+          <a:bodyPr rtlCol="0" anchor="ctr"/>
+          <a:lstStyle/>
+          <a:p>
+            <a:pPr algn="ctr"/>
+            <a:endParaRPr lang="en-US" dirty="0"/>
+          </a:p>
+        </p:txBody>
+      </p:sp>
+      <p:sp>
+        <p:nvSpPr>
+          <p:cNvPr id="17" name="Rectangle 16"/>
+          <p:cNvSpPr/>
+          <p:nvPr/>
+        </p:nvSpPr>
+        <p:spPr>
+          <a:xfrm>
+            <a:off x="1848279" y="1363146"/>
+            <a:ext cx="1693334" cy="211666"/>
+          </a:xfrm>
+          <a:prstGeom prst="rect">
+            <a:avLst/>
+          </a:prstGeom>
+          <a:solidFill>
+            <a:schemeClr val="tx1"/>
+          </a:solidFill>
+          <a:ln>
+            <a:solidFill>
+              <a:schemeClr val="tx1"/>
+            </a:solidFill>
+          </a:ln>
+        </p:spPr>
+        <p:style>
+          <a:lnRef idx="1">
+            <a:schemeClr val="accent1"/>
+          </a:lnRef>
+          <a:fillRef idx="3">
+            <a:schemeClr val="accent1"/>
+          </a:fillRef>
+          <a:effectRef idx="2">
+            <a:schemeClr val="accent1"/>
+          </a:effectRef>
+          <a:fontRef idx="minor">
+            <a:schemeClr val="lt1"/>
+          </a:fontRef>
+        </p:style>
+        <p:txBody>
+          <a:bodyPr rtlCol="0" anchor="ctr"/>
+          <a:lstStyle/>
+          <a:p>
+            <a:pPr algn="ctr"/>
+            <a:r>
+              <a:rPr lang="en-US" sz="800" b="1" dirty="0" smtClean="0"/>
+              <a:t>Help</a:t>
+            </a:r>
+            <a:endParaRPr lang="en-US" sz="800" b="1" dirty="0"/>
+          </a:p>
+        </p:txBody>
+      </p:sp>
+    </p:spTree>
+    <p:extLst>
+      <p:ext uri="{BB962C8B-B14F-4D97-AF65-F5344CB8AC3E}">
+        <p14:creationId xmlns:p14="http://schemas.microsoft.com/office/powerpoint/2010/main" val="759688776"/>
+      </p:ext>
+    </p:extLst>
+  </p:cSld>
+  <p:clrMapOvr>
+    <a:masterClrMapping/>
+  </p:clrMapOvr>
+  <p:timing>
+    <p:tnLst>
+      <p:par>
+        <p:cTn xmlns:p14="http://schemas.microsoft.com/office/powerpoint/2010/main" id="1" dur="indefinite" restart="never" nodeType="tmRoot"/>
+      </p:par>
+    </p:tnLst>
+  </p:timing>
+</p:sld>
+</file>
+
+<file path=ppt/slides/slide22.xml><?xml version="1.0" encoding="utf-8"?>
+<p:sld xmlns:a="http://schemas.openxmlformats.org/drawingml/2006/main" xmlns:r="http://schemas.openxmlformats.org/officeDocument/2006/relationships" xmlns:p="http://schemas.openxmlformats.org/presentationml/2006/main">
+  <p:cSld>
+    <p:spTree>
+      <p:nvGrpSpPr>
+        <p:cNvPr id="1" name=""/>
+        <p:cNvGrpSpPr/>
+        <p:nvPr/>
+      </p:nvGrpSpPr>
+      <p:grpSpPr>
+        <a:xfrm>
+          <a:off x="0" y="0"/>
+          <a:ext cx="0" cy="0"/>
+          <a:chOff x="0" y="0"/>
+          <a:chExt cx="0" cy="0"/>
+        </a:xfrm>
+      </p:grpSpPr>
+      <p:sp>
+        <p:nvSpPr>
+          <p:cNvPr id="2" name="TextBox 1"/>
+          <p:cNvSpPr txBox="1"/>
+          <p:nvPr/>
+        </p:nvSpPr>
+        <p:spPr>
+          <a:xfrm>
+            <a:off x="0" y="266239"/>
+            <a:ext cx="3367638" cy="369332"/>
+          </a:xfrm>
+          <a:prstGeom prst="rect">
+            <a:avLst/>
+          </a:prstGeom>
+          <a:solidFill>
+            <a:schemeClr val="tx1">
+              <a:lumMod val="65000"/>
+              <a:lumOff val="35000"/>
+            </a:schemeClr>
+          </a:solidFill>
+        </p:spPr>
+        <p:style>
+          <a:lnRef idx="2">
+            <a:schemeClr val="dk1"/>
+          </a:lnRef>
+          <a:fillRef idx="1">
+            <a:schemeClr val="lt1"/>
+          </a:fillRef>
+          <a:effectRef idx="0">
+            <a:schemeClr val="dk1"/>
+          </a:effectRef>
+          <a:fontRef idx="minor">
+            <a:schemeClr val="dk1"/>
+          </a:fontRef>
+        </p:style>
+        <p:txBody>
+          <a:bodyPr wrap="square" rtlCol="0">
+            <a:spAutoFit/>
+          </a:bodyPr>
+          <a:lstStyle/>
+          <a:p>
+            <a:r>
+              <a:rPr lang="en-US" dirty="0" err="1">
+                <a:solidFill>
+                  <a:schemeClr val="bg1"/>
+                </a:solidFill>
+              </a:rPr>
+              <a:t>n</a:t>
+            </a:r>
+            <a:r>
+              <a:rPr lang="en-US" dirty="0" err="1" smtClean="0">
+                <a:solidFill>
+                  <a:schemeClr val="bg1"/>
+                </a:solidFill>
+              </a:rPr>
+              <a:t>ervousnet</a:t>
+            </a:r>
+            <a:r>
+              <a:rPr lang="en-US" dirty="0" smtClean="0">
+                <a:solidFill>
+                  <a:schemeClr val="bg1"/>
+                </a:solidFill>
+              </a:rPr>
+              <a:t> HUB</a:t>
+            </a:r>
+            <a:endParaRPr lang="en-US" dirty="0">
+              <a:solidFill>
+                <a:schemeClr val="bg1"/>
+              </a:solidFill>
+            </a:endParaRPr>
+          </a:p>
+        </p:txBody>
+      </p:sp>
+      <p:sp>
+        <p:nvSpPr>
+          <p:cNvPr id="23" name="TextBox 22"/>
+          <p:cNvSpPr txBox="1"/>
+          <p:nvPr/>
+        </p:nvSpPr>
+        <p:spPr>
+          <a:xfrm>
+            <a:off x="3367638" y="260253"/>
+            <a:ext cx="5612323" cy="369332"/>
+          </a:xfrm>
+          <a:prstGeom prst="rect">
+            <a:avLst/>
+          </a:prstGeom>
+          <a:solidFill>
+            <a:schemeClr val="bg1">
+              <a:lumMod val="65000"/>
+            </a:schemeClr>
+          </a:solidFill>
+        </p:spPr>
+        <p:style>
+          <a:lnRef idx="2">
+            <a:schemeClr val="dk1"/>
+          </a:lnRef>
+          <a:fillRef idx="1">
+            <a:schemeClr val="lt1"/>
+          </a:fillRef>
+          <a:effectRef idx="0">
+            <a:schemeClr val="dk1"/>
+          </a:effectRef>
+          <a:fontRef idx="minor">
+            <a:schemeClr val="dk1"/>
+          </a:fontRef>
+        </p:style>
+        <p:txBody>
+          <a:bodyPr wrap="square" rtlCol="0">
+            <a:spAutoFit/>
+          </a:bodyPr>
+          <a:lstStyle>
+            <a:defPPr>
+              <a:defRPr lang="en-US"/>
+            </a:defPPr>
+            <a:lvl1pPr>
+              <a:defRPr>
+                <a:solidFill>
+                  <a:schemeClr val="bg1"/>
+                </a:solidFill>
+              </a:defRPr>
+            </a:lvl1pPr>
+          </a:lstStyle>
+          <a:p>
+            <a:pPr algn="r"/>
+            <a:r>
+              <a:rPr lang="en-US" dirty="0" smtClean="0">
+                <a:solidFill>
+                  <a:schemeClr val="tx1"/>
+                </a:solidFill>
+              </a:rPr>
+              <a:t>Mobile App UI Wireframes</a:t>
+            </a:r>
+            <a:endParaRPr lang="en-US" dirty="0">
+              <a:solidFill>
+                <a:schemeClr val="tx1"/>
+              </a:solidFill>
+            </a:endParaRPr>
+          </a:p>
+        </p:txBody>
+      </p:sp>
+      <p:sp>
+        <p:nvSpPr>
+          <p:cNvPr id="4" name="Footer Placeholder 3"/>
+          <p:cNvSpPr>
+            <a:spLocks noGrp="1"/>
+          </p:cNvSpPr>
+          <p:nvPr>
+            <p:ph type="ftr" sz="quarter" idx="11"/>
+          </p:nvPr>
+        </p:nvSpPr>
+        <p:spPr>
+          <a:xfrm>
+            <a:off x="1120588" y="56525"/>
+            <a:ext cx="2895600" cy="273844"/>
+          </a:xfrm>
+        </p:spPr>
+        <p:txBody>
+          <a:bodyPr/>
+          <a:lstStyle/>
+          <a:p>
+            <a:r>
+              <a:rPr lang="en-US" dirty="0" smtClean="0"/>
+              <a:t>© ETH Zürich, COSS </a:t>
+            </a:r>
+            <a:endParaRPr lang="en-US" dirty="0"/>
+          </a:p>
+        </p:txBody>
+      </p:sp>
+      <p:pic>
+        <p:nvPicPr>
+          <p:cNvPr id="20" name="Picture 19"/>
+          <p:cNvPicPr>
+            <a:picLocks noChangeAspect="1"/>
+          </p:cNvPicPr>
+          <p:nvPr/>
+        </p:nvPicPr>
+        <p:blipFill>
+          <a:blip r:embed="rId2"/>
+          <a:stretch>
+            <a:fillRect/>
+          </a:stretch>
+        </p:blipFill>
+        <p:spPr>
+          <a:xfrm>
+            <a:off x="1372091" y="468729"/>
+            <a:ext cx="2564175" cy="4615515"/>
+          </a:xfrm>
+          <a:prstGeom prst="rect">
+            <a:avLst/>
+          </a:prstGeom>
+        </p:spPr>
+      </p:pic>
+      <p:sp>
+        <p:nvSpPr>
+          <p:cNvPr id="32" name="Rectangle 31"/>
+          <p:cNvSpPr/>
+          <p:nvPr/>
+        </p:nvSpPr>
+        <p:spPr>
+          <a:xfrm>
+            <a:off x="4063" y="2319392"/>
+            <a:ext cx="1693334" cy="474608"/>
+          </a:xfrm>
+          <a:prstGeom prst="rect">
+            <a:avLst/>
+          </a:prstGeom>
+          <a:solidFill>
+            <a:schemeClr val="tx1"/>
+          </a:solidFill>
+          <a:ln>
+            <a:solidFill>
+              <a:schemeClr val="tx1"/>
+            </a:solidFill>
+          </a:ln>
+        </p:spPr>
+        <p:style>
+          <a:lnRef idx="1">
+            <a:schemeClr val="accent1"/>
+          </a:lnRef>
+          <a:fillRef idx="3">
+            <a:schemeClr val="accent1"/>
+          </a:fillRef>
+          <a:effectRef idx="2">
+            <a:schemeClr val="accent1"/>
+          </a:effectRef>
+          <a:fontRef idx="minor">
+            <a:schemeClr val="lt1"/>
+          </a:fontRef>
+        </p:style>
+        <p:txBody>
+          <a:bodyPr rtlCol="0" anchor="ctr"/>
+          <a:lstStyle/>
+          <a:p>
+            <a:pPr algn="ctr"/>
+            <a:r>
+              <a:rPr lang="en-US" sz="800" b="1" dirty="0" smtClean="0"/>
+              <a:t>About Screen</a:t>
+            </a:r>
+          </a:p>
+          <a:p>
+            <a:pPr algn="ctr"/>
+            <a:r>
+              <a:rPr lang="en-US" sz="800" b="1" dirty="0"/>
+              <a:t>0</a:t>
+            </a:r>
+            <a:r>
+              <a:rPr lang="en-US" sz="800" b="1" dirty="0" smtClean="0"/>
+              <a:t>-6</a:t>
+            </a:r>
+            <a:endParaRPr lang="en-US" sz="800" b="1" dirty="0"/>
+          </a:p>
+        </p:txBody>
+      </p:sp>
+      <p:sp>
+        <p:nvSpPr>
+          <p:cNvPr id="16" name="Rectangle 15"/>
+          <p:cNvSpPr/>
+          <p:nvPr/>
+        </p:nvSpPr>
+        <p:spPr>
+          <a:xfrm>
+            <a:off x="1837106" y="1303889"/>
+            <a:ext cx="1693334" cy="2921000"/>
+          </a:xfrm>
+          <a:prstGeom prst="rect">
+            <a:avLst/>
+          </a:prstGeom>
+          <a:solidFill>
+            <a:schemeClr val="bg1">
+              <a:lumMod val="85000"/>
+            </a:schemeClr>
+          </a:solidFill>
+          <a:ln>
+            <a:solidFill>
+              <a:schemeClr val="bg1">
+                <a:lumMod val="50000"/>
+              </a:schemeClr>
+            </a:solidFill>
+          </a:ln>
+        </p:spPr>
+        <p:style>
+          <a:lnRef idx="1">
+            <a:schemeClr val="accent1"/>
+          </a:lnRef>
+          <a:fillRef idx="3">
+            <a:schemeClr val="accent1"/>
+          </a:fillRef>
+          <a:effectRef idx="2">
+            <a:schemeClr val="accent1"/>
+          </a:effectRef>
+          <a:fontRef idx="minor">
+            <a:schemeClr val="lt1"/>
+          </a:fontRef>
+        </p:style>
+        <p:txBody>
+          <a:bodyPr rtlCol="0" anchor="ctr"/>
+          <a:lstStyle/>
+          <a:p>
+            <a:pPr algn="ctr"/>
+            <a:endParaRPr lang="en-US" dirty="0"/>
+          </a:p>
+        </p:txBody>
+      </p:sp>
+      <p:sp>
+        <p:nvSpPr>
+          <p:cNvPr id="17" name="Rectangle 16"/>
+          <p:cNvSpPr/>
+          <p:nvPr/>
+        </p:nvSpPr>
+        <p:spPr>
+          <a:xfrm>
+            <a:off x="1828494" y="1303890"/>
+            <a:ext cx="1693334" cy="211666"/>
+          </a:xfrm>
+          <a:prstGeom prst="rect">
+            <a:avLst/>
+          </a:prstGeom>
+          <a:solidFill>
+            <a:schemeClr val="tx1"/>
+          </a:solidFill>
+          <a:ln>
+            <a:solidFill>
+              <a:schemeClr val="tx1"/>
+            </a:solidFill>
+          </a:ln>
+        </p:spPr>
+        <p:style>
+          <a:lnRef idx="1">
+            <a:schemeClr val="accent1"/>
+          </a:lnRef>
+          <a:fillRef idx="3">
+            <a:schemeClr val="accent1"/>
+          </a:fillRef>
+          <a:effectRef idx="2">
+            <a:schemeClr val="accent1"/>
+          </a:effectRef>
+          <a:fontRef idx="minor">
+            <a:schemeClr val="lt1"/>
+          </a:fontRef>
+        </p:style>
+        <p:txBody>
+          <a:bodyPr rtlCol="0" anchor="ctr"/>
+          <a:lstStyle/>
+          <a:p>
+            <a:pPr algn="ctr"/>
+            <a:r>
+              <a:rPr lang="en-US" sz="800" b="1" dirty="0" smtClean="0"/>
+              <a:t>About</a:t>
+            </a:r>
+            <a:endParaRPr lang="en-US" sz="800" b="1" dirty="0"/>
+          </a:p>
+        </p:txBody>
+      </p:sp>
+      <p:sp>
+        <p:nvSpPr>
+          <p:cNvPr id="21" name="Rectangle 20"/>
+          <p:cNvSpPr/>
+          <p:nvPr/>
+        </p:nvSpPr>
+        <p:spPr>
+          <a:xfrm>
+            <a:off x="1984164" y="1524045"/>
+            <a:ext cx="1381025" cy="2607717"/>
+          </a:xfrm>
+          <a:prstGeom prst="rect">
+            <a:avLst/>
+          </a:prstGeom>
+          <a:noFill/>
+          <a:ln>
+            <a:noFill/>
+          </a:ln>
+        </p:spPr>
+        <p:style>
+          <a:lnRef idx="1">
+            <a:schemeClr val="accent1"/>
+          </a:lnRef>
+          <a:fillRef idx="3">
+            <a:schemeClr val="accent1"/>
+          </a:fillRef>
+          <a:effectRef idx="2">
+            <a:schemeClr val="accent1"/>
+          </a:effectRef>
+          <a:fontRef idx="minor">
+            <a:schemeClr val="lt1"/>
+          </a:fontRef>
+        </p:style>
+        <p:txBody>
+          <a:bodyPr rtlCol="0" anchor="t" anchorCtr="0"/>
+          <a:lstStyle/>
+          <a:p>
+            <a:pPr algn="ctr"/>
+            <a:r>
+              <a:rPr lang="en-US" sz="900" dirty="0">
+                <a:solidFill>
+                  <a:schemeClr val="tx1"/>
+                </a:solidFill>
+              </a:rPr>
+              <a:t>n</a:t>
+            </a:r>
+            <a:r>
+              <a:rPr lang="en-US" sz="900" dirty="0" smtClean="0">
+                <a:solidFill>
+                  <a:schemeClr val="tx1"/>
+                </a:solidFill>
+              </a:rPr>
+              <a:t>ervousNet HUB</a:t>
+            </a:r>
+          </a:p>
+          <a:p>
+            <a:pPr algn="ctr"/>
+            <a:r>
+              <a:rPr lang="en-US" sz="900" dirty="0">
+                <a:solidFill>
+                  <a:schemeClr val="tx1"/>
+                </a:solidFill>
+              </a:rPr>
+              <a:t>v</a:t>
+            </a:r>
+            <a:r>
+              <a:rPr lang="en-US" sz="900" dirty="0" smtClean="0">
+                <a:solidFill>
+                  <a:schemeClr val="tx1"/>
+                </a:solidFill>
+              </a:rPr>
+              <a:t> 0.0.1 – </a:t>
+            </a:r>
+            <a:r>
+              <a:rPr lang="en-US" sz="900" dirty="0" smtClean="0">
+                <a:solidFill>
+                  <a:schemeClr val="tx1"/>
+                </a:solidFill>
+              </a:rPr>
+              <a:t>beta</a:t>
+            </a:r>
+          </a:p>
+          <a:p>
+            <a:pPr algn="ctr"/>
+            <a:endParaRPr lang="en-US" sz="900" dirty="0">
+              <a:solidFill>
+                <a:schemeClr val="tx1"/>
+              </a:solidFill>
+            </a:endParaRPr>
+          </a:p>
+          <a:p>
+            <a:pPr algn="ctr"/>
+            <a:endParaRPr lang="en-US" sz="900" dirty="0" smtClean="0">
+              <a:solidFill>
+                <a:schemeClr val="tx1"/>
+              </a:solidFill>
+            </a:endParaRPr>
+          </a:p>
+          <a:p>
+            <a:pPr algn="ctr"/>
+            <a:endParaRPr lang="en-US" sz="900" dirty="0">
+              <a:solidFill>
+                <a:schemeClr val="tx1"/>
+              </a:solidFill>
+            </a:endParaRPr>
+          </a:p>
+          <a:p>
+            <a:pPr algn="ctr"/>
+            <a:r>
+              <a:rPr lang="en-US" sz="900" dirty="0" err="1" smtClean="0">
+                <a:solidFill>
+                  <a:schemeClr val="tx1"/>
+                </a:solidFill>
+              </a:rPr>
+              <a:t>www.nervousnet.info</a:t>
+            </a:r>
+            <a:endParaRPr lang="en-US" sz="900" dirty="0" smtClean="0">
+              <a:solidFill>
+                <a:schemeClr val="tx1"/>
+              </a:solidFill>
+            </a:endParaRPr>
+          </a:p>
+          <a:p>
+            <a:pPr algn="ctr"/>
+            <a:endParaRPr lang="en-US" sz="900" dirty="0">
+              <a:solidFill>
+                <a:schemeClr val="tx1"/>
+              </a:solidFill>
+            </a:endParaRPr>
+          </a:p>
+          <a:p>
+            <a:pPr algn="ctr"/>
+            <a:endParaRPr lang="en-US" sz="900" dirty="0" smtClean="0">
+              <a:solidFill>
+                <a:schemeClr val="tx1"/>
+              </a:solidFill>
+            </a:endParaRPr>
+          </a:p>
+          <a:p>
+            <a:pPr algn="ctr"/>
+            <a:endParaRPr lang="en-US" sz="900" dirty="0">
+              <a:solidFill>
+                <a:schemeClr val="tx1"/>
+              </a:solidFill>
+            </a:endParaRPr>
+          </a:p>
+          <a:p>
+            <a:pPr algn="ctr"/>
+            <a:endParaRPr lang="en-US" sz="900" dirty="0" smtClean="0">
+              <a:solidFill>
+                <a:schemeClr val="tx1"/>
+              </a:solidFill>
+            </a:endParaRPr>
+          </a:p>
+          <a:p>
+            <a:pPr algn="ctr"/>
+            <a:endParaRPr lang="en-US" sz="900" dirty="0">
+              <a:solidFill>
+                <a:schemeClr val="tx1"/>
+              </a:solidFill>
+            </a:endParaRPr>
+          </a:p>
+        </p:txBody>
+      </p:sp>
+    </p:spTree>
+    <p:extLst>
+      <p:ext uri="{BB962C8B-B14F-4D97-AF65-F5344CB8AC3E}">
+        <p14:creationId xmlns:p14="http://schemas.microsoft.com/office/powerpoint/2010/main" val="759688776"/>
+      </p:ext>
+    </p:extLst>
+  </p:cSld>
+  <p:clrMapOvr>
+    <a:masterClrMapping/>
+  </p:clrMapOvr>
+  <p:timing>
+    <p:tnLst>
+      <p:par>
+        <p:cTn xmlns:p14="http://schemas.microsoft.com/office/powerpoint/2010/main" id="1" dur="indefinite" restart="never" nodeType="tmRoot"/>
+      </p:par>
+    </p:tnLst>
+  </p:timing>
+</p:sld>
+</file>
+
+<file path=ppt/slides/slide23.xml><?xml version="1.0" encoding="utf-8"?>
+<p:sld xmlns:a="http://schemas.openxmlformats.org/drawingml/2006/main" xmlns:r="http://schemas.openxmlformats.org/officeDocument/2006/relationships" xmlns:p="http://schemas.openxmlformats.org/presentationml/2006/main">
+  <p:cSld>
+    <p:spTree>
+      <p:nvGrpSpPr>
+        <p:cNvPr id="1" name=""/>
+        <p:cNvGrpSpPr/>
+        <p:nvPr/>
+      </p:nvGrpSpPr>
+      <p:grpSpPr>
+        <a:xfrm>
+          <a:off x="0" y="0"/>
+          <a:ext cx="0" cy="0"/>
+          <a:chOff x="0" y="0"/>
+          <a:chExt cx="0" cy="0"/>
+        </a:xfrm>
+      </p:grpSpPr>
+      <p:pic>
+        <p:nvPicPr>
+          <p:cNvPr id="11" name="Picture 10"/>
+          <p:cNvPicPr>
+            <a:picLocks noChangeAspect="1"/>
+          </p:cNvPicPr>
+          <p:nvPr/>
+        </p:nvPicPr>
+        <p:blipFill>
+          <a:blip r:embed="rId2"/>
+          <a:stretch>
+            <a:fillRect/>
+          </a:stretch>
+        </p:blipFill>
+        <p:spPr>
+          <a:xfrm>
+            <a:off x="949491" y="527985"/>
+            <a:ext cx="2564175" cy="4615515"/>
+          </a:xfrm>
+          <a:prstGeom prst="rect">
+            <a:avLst/>
+          </a:prstGeom>
+        </p:spPr>
+      </p:pic>
+      <p:sp>
+        <p:nvSpPr>
+          <p:cNvPr id="2" name="TextBox 1"/>
+          <p:cNvSpPr txBox="1"/>
+          <p:nvPr/>
+        </p:nvSpPr>
+        <p:spPr>
+          <a:xfrm>
+            <a:off x="0" y="266239"/>
+            <a:ext cx="3367638" cy="369332"/>
+          </a:xfrm>
+          <a:prstGeom prst="rect">
+            <a:avLst/>
+          </a:prstGeom>
+          <a:solidFill>
+            <a:schemeClr val="tx1">
+              <a:lumMod val="65000"/>
+              <a:lumOff val="35000"/>
+            </a:schemeClr>
+          </a:solidFill>
+        </p:spPr>
+        <p:style>
+          <a:lnRef idx="2">
+            <a:schemeClr val="dk1"/>
+          </a:lnRef>
+          <a:fillRef idx="1">
+            <a:schemeClr val="lt1"/>
+          </a:fillRef>
+          <a:effectRef idx="0">
+            <a:schemeClr val="dk1"/>
+          </a:effectRef>
+          <a:fontRef idx="minor">
+            <a:schemeClr val="dk1"/>
+          </a:fontRef>
+        </p:style>
+        <p:txBody>
+          <a:bodyPr wrap="square" rtlCol="0">
+            <a:spAutoFit/>
+          </a:bodyPr>
+          <a:lstStyle/>
+          <a:p>
+            <a:r>
+              <a:rPr lang="en-US" dirty="0" err="1">
+                <a:solidFill>
+                  <a:schemeClr val="bg1"/>
+                </a:solidFill>
+              </a:rPr>
+              <a:t>n</a:t>
+            </a:r>
+            <a:r>
+              <a:rPr lang="en-US" dirty="0" err="1" smtClean="0">
+                <a:solidFill>
+                  <a:schemeClr val="bg1"/>
+                </a:solidFill>
+              </a:rPr>
+              <a:t>ervousnet</a:t>
+            </a:r>
+            <a:r>
+              <a:rPr lang="en-US" dirty="0" smtClean="0">
+                <a:solidFill>
+                  <a:schemeClr val="bg1"/>
+                </a:solidFill>
+              </a:rPr>
+              <a:t> HUB</a:t>
+            </a:r>
+            <a:endParaRPr lang="en-US" dirty="0">
+              <a:solidFill>
+                <a:schemeClr val="bg1"/>
+              </a:solidFill>
+            </a:endParaRPr>
+          </a:p>
+        </p:txBody>
+      </p:sp>
+      <p:sp>
+        <p:nvSpPr>
+          <p:cNvPr id="23" name="TextBox 22"/>
+          <p:cNvSpPr txBox="1"/>
+          <p:nvPr/>
+        </p:nvSpPr>
+        <p:spPr>
+          <a:xfrm>
+            <a:off x="3367638" y="260253"/>
+            <a:ext cx="5612323" cy="369332"/>
+          </a:xfrm>
+          <a:prstGeom prst="rect">
+            <a:avLst/>
+          </a:prstGeom>
+          <a:solidFill>
+            <a:schemeClr val="bg1">
+              <a:lumMod val="65000"/>
+            </a:schemeClr>
+          </a:solidFill>
+        </p:spPr>
+        <p:style>
+          <a:lnRef idx="2">
+            <a:schemeClr val="dk1"/>
+          </a:lnRef>
+          <a:fillRef idx="1">
+            <a:schemeClr val="lt1"/>
+          </a:fillRef>
+          <a:effectRef idx="0">
+            <a:schemeClr val="dk1"/>
+          </a:effectRef>
+          <a:fontRef idx="minor">
+            <a:schemeClr val="dk1"/>
+          </a:fontRef>
+        </p:style>
+        <p:txBody>
+          <a:bodyPr wrap="square" rtlCol="0">
+            <a:spAutoFit/>
+          </a:bodyPr>
+          <a:lstStyle>
+            <a:defPPr>
+              <a:defRPr lang="en-US"/>
+            </a:defPPr>
+            <a:lvl1pPr>
+              <a:defRPr>
+                <a:solidFill>
+                  <a:schemeClr val="bg1"/>
+                </a:solidFill>
+              </a:defRPr>
+            </a:lvl1pPr>
+          </a:lstStyle>
+          <a:p>
+            <a:pPr algn="r"/>
+            <a:r>
+              <a:rPr lang="en-US" dirty="0" smtClean="0">
+                <a:solidFill>
+                  <a:schemeClr val="tx1"/>
+                </a:solidFill>
+              </a:rPr>
+              <a:t>Mobile App UI Wireframes</a:t>
+            </a:r>
+            <a:endParaRPr lang="en-US" dirty="0">
+              <a:solidFill>
+                <a:schemeClr val="tx1"/>
+              </a:solidFill>
+            </a:endParaRPr>
+          </a:p>
+        </p:txBody>
+      </p:sp>
+      <p:pic>
+        <p:nvPicPr>
+          <p:cNvPr id="30" name="Picture 29"/>
+          <p:cNvPicPr>
+            <a:picLocks noChangeAspect="1"/>
+          </p:cNvPicPr>
+          <p:nvPr/>
+        </p:nvPicPr>
+        <p:blipFill>
+          <a:blip r:embed="rId2"/>
+          <a:stretch>
+            <a:fillRect/>
+          </a:stretch>
+        </p:blipFill>
+        <p:spPr>
+          <a:xfrm>
+            <a:off x="3367638" y="511057"/>
+            <a:ext cx="2564175" cy="4615515"/>
+          </a:xfrm>
+          <a:prstGeom prst="rect">
+            <a:avLst/>
+          </a:prstGeom>
+        </p:spPr>
+      </p:pic>
+      <p:pic>
+        <p:nvPicPr>
+          <p:cNvPr id="59" name="Picture 58"/>
+          <p:cNvPicPr>
+            <a:picLocks noChangeAspect="1"/>
+          </p:cNvPicPr>
+          <p:nvPr/>
+        </p:nvPicPr>
+        <p:blipFill>
+          <a:blip r:embed="rId2"/>
+          <a:stretch>
+            <a:fillRect/>
+          </a:stretch>
+        </p:blipFill>
+        <p:spPr>
+          <a:xfrm>
+            <a:off x="5834747" y="494123"/>
+            <a:ext cx="2564175" cy="4615515"/>
+          </a:xfrm>
+          <a:prstGeom prst="rect">
+            <a:avLst/>
+          </a:prstGeom>
+        </p:spPr>
+      </p:pic>
+      <p:sp>
+        <p:nvSpPr>
+          <p:cNvPr id="62" name="Rectangle 61"/>
+          <p:cNvSpPr/>
+          <p:nvPr/>
+        </p:nvSpPr>
+        <p:spPr>
+          <a:xfrm>
+            <a:off x="6265332" y="1354672"/>
+            <a:ext cx="1693334" cy="2921000"/>
+          </a:xfrm>
+          <a:prstGeom prst="rect">
+            <a:avLst/>
+          </a:prstGeom>
+          <a:solidFill>
+            <a:schemeClr val="bg1"/>
+          </a:solidFill>
+          <a:ln>
+            <a:solidFill>
+              <a:schemeClr val="bg1">
+                <a:lumMod val="50000"/>
+              </a:schemeClr>
+            </a:solidFill>
+          </a:ln>
+        </p:spPr>
+        <p:style>
+          <a:lnRef idx="1">
+            <a:schemeClr val="accent1"/>
+          </a:lnRef>
+          <a:fillRef idx="3">
+            <a:schemeClr val="accent1"/>
+          </a:fillRef>
+          <a:effectRef idx="2">
+            <a:schemeClr val="accent1"/>
+          </a:effectRef>
+          <a:fontRef idx="minor">
+            <a:schemeClr val="lt1"/>
+          </a:fontRef>
+        </p:style>
+        <p:txBody>
+          <a:bodyPr rtlCol="0" anchor="ctr"/>
+          <a:lstStyle/>
+          <a:p>
+            <a:pPr algn="ctr"/>
+            <a:endParaRPr lang="en-US" dirty="0">
+              <a:solidFill>
+                <a:schemeClr val="bg1"/>
+              </a:solidFill>
+            </a:endParaRPr>
+          </a:p>
+        </p:txBody>
+      </p:sp>
+      <p:sp>
+        <p:nvSpPr>
+          <p:cNvPr id="66" name="Rectangle 65"/>
+          <p:cNvSpPr/>
+          <p:nvPr/>
+        </p:nvSpPr>
+        <p:spPr>
+          <a:xfrm>
+            <a:off x="6277885" y="1354672"/>
+            <a:ext cx="1693334" cy="211666"/>
+          </a:xfrm>
+          <a:prstGeom prst="rect">
+            <a:avLst/>
+          </a:prstGeom>
+          <a:solidFill>
+            <a:schemeClr val="tx1"/>
+          </a:solidFill>
+          <a:ln>
+            <a:solidFill>
+              <a:schemeClr val="tx1"/>
+            </a:solidFill>
+          </a:ln>
+        </p:spPr>
+        <p:style>
+          <a:lnRef idx="1">
+            <a:schemeClr val="accent1"/>
+          </a:lnRef>
+          <a:fillRef idx="3">
+            <a:schemeClr val="accent1"/>
+          </a:fillRef>
+          <a:effectRef idx="2">
+            <a:schemeClr val="accent1"/>
+          </a:effectRef>
+          <a:fontRef idx="minor">
+            <a:schemeClr val="lt1"/>
+          </a:fontRef>
+        </p:style>
+        <p:txBody>
+          <a:bodyPr rtlCol="0" anchor="ctr"/>
+          <a:lstStyle/>
+          <a:p>
+            <a:pPr algn="ctr"/>
+            <a:r>
+              <a:rPr lang="en-US" sz="800" b="1" dirty="0" smtClean="0"/>
+              <a:t>Temperature</a:t>
+            </a:r>
+            <a:endParaRPr lang="en-US" sz="800" b="1" dirty="0"/>
+          </a:p>
+        </p:txBody>
+      </p:sp>
+      <p:sp>
+        <p:nvSpPr>
+          <p:cNvPr id="51" name="Rectangle 50"/>
+          <p:cNvSpPr/>
+          <p:nvPr/>
+        </p:nvSpPr>
+        <p:spPr>
+          <a:xfrm>
+            <a:off x="1396853" y="1363146"/>
+            <a:ext cx="1693334" cy="2921000"/>
+          </a:xfrm>
+          <a:prstGeom prst="rect">
+            <a:avLst/>
+          </a:prstGeom>
+          <a:solidFill>
+            <a:schemeClr val="bg1"/>
+          </a:solidFill>
+          <a:ln>
+            <a:solidFill>
+              <a:schemeClr val="bg1">
+                <a:lumMod val="50000"/>
+              </a:schemeClr>
+            </a:solidFill>
+          </a:ln>
+        </p:spPr>
+        <p:style>
+          <a:lnRef idx="1">
+            <a:schemeClr val="accent1"/>
+          </a:lnRef>
+          <a:fillRef idx="3">
+            <a:schemeClr val="accent1"/>
+          </a:fillRef>
+          <a:effectRef idx="2">
+            <a:schemeClr val="accent1"/>
+          </a:effectRef>
+          <a:fontRef idx="minor">
+            <a:schemeClr val="lt1"/>
+          </a:fontRef>
+        </p:style>
+        <p:txBody>
+          <a:bodyPr rtlCol="0" anchor="ctr"/>
+          <a:lstStyle/>
+          <a:p>
+            <a:pPr algn="ctr"/>
+            <a:endParaRPr lang="en-US" dirty="0">
+              <a:solidFill>
+                <a:schemeClr val="bg1"/>
+              </a:solidFill>
+            </a:endParaRPr>
+          </a:p>
+        </p:txBody>
+      </p:sp>
+      <p:sp>
+        <p:nvSpPr>
+          <p:cNvPr id="69" name="Rectangle 68"/>
+          <p:cNvSpPr/>
+          <p:nvPr/>
+        </p:nvSpPr>
+        <p:spPr>
+          <a:xfrm>
+            <a:off x="6294819" y="4897972"/>
+            <a:ext cx="1693334" cy="211666"/>
+          </a:xfrm>
+          <a:prstGeom prst="rect">
+            <a:avLst/>
+          </a:prstGeom>
+          <a:solidFill>
+            <a:schemeClr val="tx1"/>
+          </a:solidFill>
+          <a:ln>
+            <a:solidFill>
+              <a:schemeClr val="tx1"/>
+            </a:solidFill>
+          </a:ln>
+        </p:spPr>
+        <p:style>
+          <a:lnRef idx="1">
+            <a:schemeClr val="accent1"/>
+          </a:lnRef>
+          <a:fillRef idx="3">
+            <a:schemeClr val="accent1"/>
+          </a:fillRef>
+          <a:effectRef idx="2">
+            <a:schemeClr val="accent1"/>
+          </a:effectRef>
+          <a:fontRef idx="minor">
+            <a:schemeClr val="lt1"/>
+          </a:fontRef>
+        </p:style>
+        <p:txBody>
+          <a:bodyPr rtlCol="0" anchor="ctr"/>
+          <a:lstStyle/>
+          <a:p>
+            <a:pPr algn="ctr"/>
+            <a:r>
+              <a:rPr lang="en-US" sz="800" b="1" dirty="0" smtClean="0"/>
+              <a:t>Temperature Reading Screen</a:t>
+            </a:r>
+            <a:endParaRPr lang="en-US" sz="800" b="1" dirty="0"/>
+          </a:p>
+        </p:txBody>
+      </p:sp>
+      <p:sp>
+        <p:nvSpPr>
+          <p:cNvPr id="44" name="Rectangle 43"/>
+          <p:cNvSpPr/>
+          <p:nvPr/>
+        </p:nvSpPr>
+        <p:spPr>
+          <a:xfrm>
+            <a:off x="1396853" y="1363146"/>
+            <a:ext cx="1693334" cy="211666"/>
+          </a:xfrm>
+          <a:prstGeom prst="rect">
+            <a:avLst/>
+          </a:prstGeom>
+          <a:solidFill>
+            <a:schemeClr val="tx1"/>
+          </a:solidFill>
+          <a:ln>
+            <a:solidFill>
+              <a:schemeClr val="tx1"/>
+            </a:solidFill>
+          </a:ln>
+        </p:spPr>
+        <p:style>
+          <a:lnRef idx="1">
+            <a:schemeClr val="accent1"/>
+          </a:lnRef>
+          <a:fillRef idx="3">
+            <a:schemeClr val="accent1"/>
+          </a:fillRef>
+          <a:effectRef idx="2">
+            <a:schemeClr val="accent1"/>
+          </a:effectRef>
+          <a:fontRef idx="minor">
+            <a:schemeClr val="lt1"/>
+          </a:fontRef>
+        </p:style>
+        <p:txBody>
+          <a:bodyPr rtlCol="0" anchor="ctr"/>
+          <a:lstStyle/>
+          <a:p>
+            <a:pPr algn="ctr"/>
+            <a:r>
+              <a:rPr lang="en-US" sz="800" b="1" dirty="0" smtClean="0"/>
+              <a:t>Light Sensor</a:t>
+            </a:r>
+            <a:endParaRPr lang="en-US" sz="800" b="1" dirty="0"/>
+          </a:p>
+        </p:txBody>
+      </p:sp>
+      <p:sp>
+        <p:nvSpPr>
+          <p:cNvPr id="50" name="Rectangle 49"/>
+          <p:cNvSpPr/>
+          <p:nvPr/>
+        </p:nvSpPr>
+        <p:spPr>
+          <a:xfrm>
+            <a:off x="3809852" y="1363146"/>
+            <a:ext cx="1693334" cy="2921000"/>
+          </a:xfrm>
+          <a:prstGeom prst="rect">
+            <a:avLst/>
+          </a:prstGeom>
+          <a:solidFill>
+            <a:schemeClr val="bg1"/>
+          </a:solidFill>
+          <a:ln>
+            <a:solidFill>
+              <a:schemeClr val="bg1">
+                <a:lumMod val="50000"/>
+              </a:schemeClr>
+            </a:solidFill>
+          </a:ln>
+        </p:spPr>
+        <p:style>
+          <a:lnRef idx="1">
+            <a:schemeClr val="accent1"/>
+          </a:lnRef>
+          <a:fillRef idx="3">
+            <a:schemeClr val="accent1"/>
+          </a:fillRef>
+          <a:effectRef idx="2">
+            <a:schemeClr val="accent1"/>
+          </a:effectRef>
+          <a:fontRef idx="minor">
+            <a:schemeClr val="lt1"/>
+          </a:fontRef>
+        </p:style>
+        <p:txBody>
+          <a:bodyPr rtlCol="0" anchor="ctr"/>
+          <a:lstStyle/>
+          <a:p>
+            <a:pPr algn="ctr"/>
+            <a:endParaRPr lang="en-US" dirty="0">
+              <a:solidFill>
+                <a:schemeClr val="bg1"/>
+              </a:solidFill>
+            </a:endParaRPr>
+          </a:p>
+        </p:txBody>
+      </p:sp>
+      <p:sp>
+        <p:nvSpPr>
+          <p:cNvPr id="45" name="Rectangle 44"/>
+          <p:cNvSpPr/>
+          <p:nvPr/>
+        </p:nvSpPr>
+        <p:spPr>
+          <a:xfrm>
+            <a:off x="3809852" y="1354672"/>
+            <a:ext cx="1693334" cy="211666"/>
+          </a:xfrm>
+          <a:prstGeom prst="rect">
+            <a:avLst/>
+          </a:prstGeom>
+          <a:solidFill>
+            <a:schemeClr val="tx1"/>
+          </a:solidFill>
+          <a:ln>
+            <a:solidFill>
+              <a:schemeClr val="tx1"/>
+            </a:solidFill>
+          </a:ln>
+        </p:spPr>
+        <p:style>
+          <a:lnRef idx="1">
+            <a:schemeClr val="accent1"/>
+          </a:lnRef>
+          <a:fillRef idx="3">
+            <a:schemeClr val="accent1"/>
+          </a:fillRef>
+          <a:effectRef idx="2">
+            <a:schemeClr val="accent1"/>
+          </a:effectRef>
+          <a:fontRef idx="minor">
+            <a:schemeClr val="lt1"/>
+          </a:fontRef>
+        </p:style>
+        <p:txBody>
+          <a:bodyPr rtlCol="0" anchor="ctr"/>
+          <a:lstStyle/>
+          <a:p>
+            <a:pPr algn="ctr"/>
+            <a:r>
+              <a:rPr lang="en-US" sz="800" b="1" dirty="0" smtClean="0"/>
+              <a:t>Sound Sensor</a:t>
+            </a:r>
+            <a:endParaRPr lang="en-US" sz="800" b="1" dirty="0"/>
+          </a:p>
+        </p:txBody>
+      </p:sp>
+      <p:pic>
+        <p:nvPicPr>
+          <p:cNvPr id="46" name="Picture 45"/>
+          <p:cNvPicPr>
+            <a:picLocks noChangeAspect="1"/>
+          </p:cNvPicPr>
+          <p:nvPr/>
+        </p:nvPicPr>
+        <p:blipFill>
+          <a:blip r:embed="rId3">
+            <a:grayscl/>
+          </a:blip>
+          <a:stretch>
+            <a:fillRect/>
+          </a:stretch>
+        </p:blipFill>
+        <p:spPr>
+          <a:xfrm>
+            <a:off x="4034369" y="2220252"/>
+            <a:ext cx="1265766" cy="1265766"/>
+          </a:xfrm>
+          <a:prstGeom prst="rect">
+            <a:avLst/>
+          </a:prstGeom>
+        </p:spPr>
+      </p:pic>
+      <p:pic>
+        <p:nvPicPr>
+          <p:cNvPr id="3" name="Picture 2"/>
+          <p:cNvPicPr>
+            <a:picLocks noChangeAspect="1"/>
+          </p:cNvPicPr>
+          <p:nvPr/>
+        </p:nvPicPr>
+        <p:blipFill>
+          <a:blip r:embed="rId4">
+            <a:grayscl/>
+          </a:blip>
+          <a:stretch>
+            <a:fillRect/>
+          </a:stretch>
+        </p:blipFill>
+        <p:spPr>
+          <a:xfrm>
+            <a:off x="6733941" y="2108200"/>
+            <a:ext cx="733659" cy="1490133"/>
+          </a:xfrm>
+          <a:prstGeom prst="rect">
+            <a:avLst/>
+          </a:prstGeom>
+        </p:spPr>
+      </p:pic>
+      <p:pic>
+        <p:nvPicPr>
+          <p:cNvPr id="7" name="Picture 6"/>
+          <p:cNvPicPr>
+            <a:picLocks noChangeAspect="1"/>
+          </p:cNvPicPr>
+          <p:nvPr/>
+        </p:nvPicPr>
+        <p:blipFill>
+          <a:blip r:embed="rId5">
+            <a:grayscl/>
+          </a:blip>
+          <a:stretch>
+            <a:fillRect/>
+          </a:stretch>
+        </p:blipFill>
+        <p:spPr>
+          <a:xfrm>
+            <a:off x="1392142" y="2108200"/>
+            <a:ext cx="1698045" cy="1490133"/>
+          </a:xfrm>
+          <a:prstGeom prst="rect">
+            <a:avLst/>
+          </a:prstGeom>
+        </p:spPr>
+      </p:pic>
+      <p:sp>
+        <p:nvSpPr>
+          <p:cNvPr id="9" name="TextBox 8"/>
+          <p:cNvSpPr txBox="1"/>
+          <p:nvPr/>
+        </p:nvSpPr>
+        <p:spPr>
+          <a:xfrm>
+            <a:off x="1965870" y="2563965"/>
+            <a:ext cx="623338" cy="538609"/>
+          </a:xfrm>
+          <a:prstGeom prst="rect">
+            <a:avLst/>
+          </a:prstGeom>
+          <a:noFill/>
+        </p:spPr>
+        <p:txBody>
+          <a:bodyPr wrap="none" rtlCol="0">
+            <a:spAutoFit/>
+          </a:bodyPr>
+          <a:lstStyle/>
+          <a:p>
+            <a:pPr algn="ctr"/>
+            <a:r>
+              <a:rPr lang="en-US" dirty="0" smtClean="0">
+                <a:latin typeface="Nunito-Black"/>
+                <a:cs typeface="Nunito-Black"/>
+              </a:rPr>
+              <a:t>560 </a:t>
+            </a:r>
+          </a:p>
+          <a:p>
+            <a:pPr algn="ctr"/>
+            <a:r>
+              <a:rPr lang="en-US" sz="1100" dirty="0" err="1" smtClean="0">
+                <a:latin typeface="Nunito-Black"/>
+                <a:cs typeface="Nunito-Black"/>
+              </a:rPr>
+              <a:t>luxes</a:t>
+            </a:r>
+            <a:endParaRPr lang="en-US" sz="1100" dirty="0">
+              <a:latin typeface="Nunito-Black"/>
+              <a:cs typeface="Nunito-Black"/>
+            </a:endParaRPr>
+          </a:p>
+        </p:txBody>
+      </p:sp>
+      <p:sp>
+        <p:nvSpPr>
+          <p:cNvPr id="54" name="TextBox 53"/>
+          <p:cNvSpPr txBox="1"/>
+          <p:nvPr/>
+        </p:nvSpPr>
+        <p:spPr>
+          <a:xfrm>
+            <a:off x="4440204" y="2814931"/>
+            <a:ext cx="466794" cy="538609"/>
+          </a:xfrm>
+          <a:prstGeom prst="rect">
+            <a:avLst/>
+          </a:prstGeom>
+          <a:noFill/>
+        </p:spPr>
+        <p:txBody>
+          <a:bodyPr wrap="none" rtlCol="0">
+            <a:spAutoFit/>
+          </a:bodyPr>
+          <a:lstStyle/>
+          <a:p>
+            <a:pPr algn="ctr"/>
+            <a:r>
+              <a:rPr lang="en-US" b="1" dirty="0" smtClean="0">
+                <a:solidFill>
+                  <a:srgbClr val="FFFFFF"/>
+                </a:solidFill>
+                <a:latin typeface="Nunito-Black"/>
+                <a:cs typeface="Nunito-Black"/>
+              </a:rPr>
+              <a:t>46</a:t>
+            </a:r>
+          </a:p>
+          <a:p>
+            <a:pPr algn="ctr"/>
+            <a:r>
+              <a:rPr lang="en-US" sz="1100" b="1" dirty="0" smtClean="0">
+                <a:solidFill>
+                  <a:srgbClr val="FFFFFF"/>
+                </a:solidFill>
+                <a:latin typeface="Nunito-Black"/>
+                <a:cs typeface="Nunito-Black"/>
+              </a:rPr>
+              <a:t>dB</a:t>
+            </a:r>
+          </a:p>
+        </p:txBody>
+      </p:sp>
+      <p:sp>
+        <p:nvSpPr>
+          <p:cNvPr id="55" name="Rectangle 54"/>
+          <p:cNvSpPr/>
+          <p:nvPr/>
+        </p:nvSpPr>
+        <p:spPr>
+          <a:xfrm>
+            <a:off x="1392142" y="4914900"/>
+            <a:ext cx="1693334" cy="211666"/>
+          </a:xfrm>
+          <a:prstGeom prst="rect">
+            <a:avLst/>
+          </a:prstGeom>
+          <a:solidFill>
+            <a:schemeClr val="tx1"/>
+          </a:solidFill>
+          <a:ln>
+            <a:solidFill>
+              <a:schemeClr val="tx1"/>
+            </a:solidFill>
+          </a:ln>
+        </p:spPr>
+        <p:style>
+          <a:lnRef idx="1">
+            <a:schemeClr val="accent1"/>
+          </a:lnRef>
+          <a:fillRef idx="3">
+            <a:schemeClr val="accent1"/>
+          </a:fillRef>
+          <a:effectRef idx="2">
+            <a:schemeClr val="accent1"/>
+          </a:effectRef>
+          <a:fontRef idx="minor">
+            <a:schemeClr val="lt1"/>
+          </a:fontRef>
+        </p:style>
+        <p:txBody>
+          <a:bodyPr rtlCol="0" anchor="ctr"/>
+          <a:lstStyle/>
+          <a:p>
+            <a:pPr algn="ctr"/>
+            <a:r>
+              <a:rPr lang="en-US" sz="800" b="1" dirty="0" smtClean="0"/>
+              <a:t>Light Reading Screen</a:t>
+            </a:r>
+            <a:endParaRPr lang="en-US" sz="800" b="1" dirty="0"/>
+          </a:p>
+        </p:txBody>
+      </p:sp>
+      <p:sp>
+        <p:nvSpPr>
+          <p:cNvPr id="56" name="Rectangle 55"/>
+          <p:cNvSpPr/>
+          <p:nvPr/>
+        </p:nvSpPr>
+        <p:spPr>
+          <a:xfrm>
+            <a:off x="3809852" y="4910671"/>
+            <a:ext cx="1693334" cy="211666"/>
+          </a:xfrm>
+          <a:prstGeom prst="rect">
+            <a:avLst/>
+          </a:prstGeom>
+          <a:solidFill>
+            <a:schemeClr val="tx1"/>
+          </a:solidFill>
+          <a:ln>
+            <a:solidFill>
+              <a:schemeClr val="tx1"/>
+            </a:solidFill>
+          </a:ln>
+        </p:spPr>
+        <p:style>
+          <a:lnRef idx="1">
+            <a:schemeClr val="accent1"/>
+          </a:lnRef>
+          <a:fillRef idx="3">
+            <a:schemeClr val="accent1"/>
+          </a:fillRef>
+          <a:effectRef idx="2">
+            <a:schemeClr val="accent1"/>
+          </a:effectRef>
+          <a:fontRef idx="minor">
+            <a:schemeClr val="lt1"/>
+          </a:fontRef>
+        </p:style>
+        <p:txBody>
+          <a:bodyPr rtlCol="0" anchor="ctr"/>
+          <a:lstStyle/>
+          <a:p>
+            <a:pPr algn="ctr"/>
+            <a:r>
+              <a:rPr lang="en-US" sz="800" b="1" dirty="0" smtClean="0"/>
+              <a:t>Sound Reading Screen</a:t>
+            </a:r>
+            <a:endParaRPr lang="en-US" sz="800" b="1" dirty="0"/>
+          </a:p>
+        </p:txBody>
+      </p:sp>
+      <p:sp>
+        <p:nvSpPr>
+          <p:cNvPr id="5" name="Footer Placeholder 4"/>
+          <p:cNvSpPr>
+            <a:spLocks noGrp="1"/>
+          </p:cNvSpPr>
+          <p:nvPr>
+            <p:ph type="ftr" sz="quarter" idx="11"/>
+          </p:nvPr>
+        </p:nvSpPr>
+        <p:spPr/>
+        <p:txBody>
+          <a:bodyPr/>
+          <a:lstStyle/>
+          <a:p>
+            <a:r>
+              <a:rPr lang="en-US" smtClean="0"/>
+              <a:t>© ETH Zürich, COSS </a:t>
+            </a:r>
+            <a:endParaRPr lang="en-US"/>
+          </a:p>
+        </p:txBody>
+      </p:sp>
+    </p:spTree>
+    <p:extLst>
+      <p:ext uri="{BB962C8B-B14F-4D97-AF65-F5344CB8AC3E}">
+        <p14:creationId xmlns:p14="http://schemas.microsoft.com/office/powerpoint/2010/main" val="1231834060"/>
+      </p:ext>
+    </p:extLst>
+  </p:cSld>
+  <p:clrMapOvr>
+    <a:masterClrMapping/>
+  </p:clrMapOvr>
+  <p:timing>
+    <p:tnLst>
+      <p:par>
+        <p:cTn xmlns:p14="http://schemas.microsoft.com/office/powerpoint/2010/main" id="1" dur="indefinite" restart="never" nodeType="tmRoot"/>
+      </p:par>
+    </p:tnLst>
+  </p:timing>
+</p:sld>
+</file>
+
+<file path=ppt/slides/slide24.xml><?xml version="1.0" encoding="utf-8"?>
+<p:sld xmlns:a="http://schemas.openxmlformats.org/drawingml/2006/main" xmlns:r="http://schemas.openxmlformats.org/officeDocument/2006/relationships" xmlns:p="http://schemas.openxmlformats.org/presentationml/2006/main">
+  <p:cSld>
+    <p:spTree>
+      <p:nvGrpSpPr>
+        <p:cNvPr id="1" name=""/>
+        <p:cNvGrpSpPr/>
+        <p:nvPr/>
+      </p:nvGrpSpPr>
+      <p:grpSpPr>
+        <a:xfrm>
+          <a:off x="0" y="0"/>
+          <a:ext cx="0" cy="0"/>
+          <a:chOff x="0" y="0"/>
+          <a:chExt cx="0" cy="0"/>
+        </a:xfrm>
+      </p:grpSpPr>
+      <p:sp>
+        <p:nvSpPr>
+          <p:cNvPr id="2" name="TextBox 1"/>
+          <p:cNvSpPr txBox="1"/>
+          <p:nvPr/>
+        </p:nvSpPr>
+        <p:spPr>
+          <a:xfrm>
+            <a:off x="0" y="266239"/>
+            <a:ext cx="3367638" cy="369332"/>
+          </a:xfrm>
+          <a:prstGeom prst="rect">
+            <a:avLst/>
+          </a:prstGeom>
+          <a:solidFill>
+            <a:schemeClr val="tx1">
+              <a:lumMod val="65000"/>
+              <a:lumOff val="35000"/>
+            </a:schemeClr>
+          </a:solidFill>
+        </p:spPr>
+        <p:style>
+          <a:lnRef idx="2">
+            <a:schemeClr val="dk1"/>
+          </a:lnRef>
+          <a:fillRef idx="1">
+            <a:schemeClr val="lt1"/>
+          </a:fillRef>
+          <a:effectRef idx="0">
+            <a:schemeClr val="dk1"/>
+          </a:effectRef>
+          <a:fontRef idx="minor">
+            <a:schemeClr val="dk1"/>
+          </a:fontRef>
+        </p:style>
+        <p:txBody>
+          <a:bodyPr wrap="square" rtlCol="0">
+            <a:spAutoFit/>
+          </a:bodyPr>
+          <a:lstStyle/>
+          <a:p>
+            <a:r>
+              <a:rPr lang="en-US" dirty="0" err="1">
+                <a:solidFill>
+                  <a:schemeClr val="bg1"/>
+                </a:solidFill>
+              </a:rPr>
+              <a:t>n</a:t>
+            </a:r>
+            <a:r>
+              <a:rPr lang="en-US" dirty="0" err="1" smtClean="0">
+                <a:solidFill>
+                  <a:schemeClr val="bg1"/>
+                </a:solidFill>
+              </a:rPr>
+              <a:t>ervousnet</a:t>
+            </a:r>
+            <a:r>
+              <a:rPr lang="en-US" dirty="0" smtClean="0">
+                <a:solidFill>
+                  <a:schemeClr val="bg1"/>
+                </a:solidFill>
+              </a:rPr>
+              <a:t> HUB</a:t>
+            </a:r>
+            <a:endParaRPr lang="en-US" dirty="0">
+              <a:solidFill>
+                <a:schemeClr val="bg1"/>
+              </a:solidFill>
+            </a:endParaRPr>
+          </a:p>
+        </p:txBody>
+      </p:sp>
+      <p:sp>
+        <p:nvSpPr>
+          <p:cNvPr id="23" name="TextBox 22"/>
+          <p:cNvSpPr txBox="1"/>
+          <p:nvPr/>
+        </p:nvSpPr>
+        <p:spPr>
+          <a:xfrm>
+            <a:off x="3367638" y="260253"/>
+            <a:ext cx="5612323" cy="369332"/>
+          </a:xfrm>
+          <a:prstGeom prst="rect">
+            <a:avLst/>
+          </a:prstGeom>
+          <a:solidFill>
+            <a:schemeClr val="bg1">
+              <a:lumMod val="65000"/>
+            </a:schemeClr>
+          </a:solidFill>
+        </p:spPr>
+        <p:style>
+          <a:lnRef idx="2">
+            <a:schemeClr val="dk1"/>
+          </a:lnRef>
+          <a:fillRef idx="1">
+            <a:schemeClr val="lt1"/>
+          </a:fillRef>
+          <a:effectRef idx="0">
+            <a:schemeClr val="dk1"/>
+          </a:effectRef>
+          <a:fontRef idx="minor">
+            <a:schemeClr val="dk1"/>
+          </a:fontRef>
+        </p:style>
+        <p:txBody>
+          <a:bodyPr wrap="square" rtlCol="0">
+            <a:spAutoFit/>
+          </a:bodyPr>
+          <a:lstStyle>
+            <a:defPPr>
+              <a:defRPr lang="en-US"/>
+            </a:defPPr>
+            <a:lvl1pPr>
+              <a:defRPr>
+                <a:solidFill>
+                  <a:schemeClr val="bg1"/>
+                </a:solidFill>
+              </a:defRPr>
+            </a:lvl1pPr>
+          </a:lstStyle>
+          <a:p>
+            <a:pPr algn="r"/>
+            <a:r>
+              <a:rPr lang="en-US" dirty="0" smtClean="0">
+                <a:solidFill>
+                  <a:schemeClr val="tx1"/>
+                </a:solidFill>
+              </a:rPr>
+              <a:t>Mobile App UI Wireframes</a:t>
+            </a:r>
+            <a:endParaRPr lang="en-US" dirty="0">
+              <a:solidFill>
+                <a:schemeClr val="tx1"/>
+              </a:solidFill>
+            </a:endParaRPr>
+          </a:p>
+        </p:txBody>
+      </p:sp>
+      <p:pic>
+        <p:nvPicPr>
+          <p:cNvPr id="59" name="Picture 58"/>
+          <p:cNvPicPr>
+            <a:picLocks noChangeAspect="1"/>
+          </p:cNvPicPr>
+          <p:nvPr/>
+        </p:nvPicPr>
+        <p:blipFill>
+          <a:blip r:embed="rId2"/>
+          <a:stretch>
+            <a:fillRect/>
+          </a:stretch>
+        </p:blipFill>
+        <p:spPr>
+          <a:xfrm>
+            <a:off x="2913613" y="468729"/>
+            <a:ext cx="2564175" cy="4615515"/>
+          </a:xfrm>
+          <a:prstGeom prst="rect">
+            <a:avLst/>
+          </a:prstGeom>
+        </p:spPr>
+      </p:pic>
+      <p:sp>
+        <p:nvSpPr>
+          <p:cNvPr id="60" name="Rectangle 59"/>
+          <p:cNvSpPr/>
+          <p:nvPr/>
+        </p:nvSpPr>
+        <p:spPr>
+          <a:xfrm>
+            <a:off x="3378064" y="1337739"/>
+            <a:ext cx="1693334" cy="211666"/>
+          </a:xfrm>
+          <a:prstGeom prst="rect">
+            <a:avLst/>
+          </a:prstGeom>
+          <a:solidFill>
+            <a:schemeClr val="tx1"/>
+          </a:solidFill>
+          <a:ln>
+            <a:solidFill>
+              <a:schemeClr val="tx1"/>
+            </a:solidFill>
+          </a:ln>
+        </p:spPr>
+        <p:style>
+          <a:lnRef idx="1">
+            <a:schemeClr val="accent1"/>
+          </a:lnRef>
+          <a:fillRef idx="3">
+            <a:schemeClr val="accent1"/>
+          </a:fillRef>
+          <a:effectRef idx="2">
+            <a:schemeClr val="accent1"/>
+          </a:effectRef>
+          <a:fontRef idx="minor">
+            <a:schemeClr val="lt1"/>
+          </a:fontRef>
+        </p:style>
+        <p:txBody>
+          <a:bodyPr rtlCol="0" anchor="ctr"/>
+          <a:lstStyle/>
+          <a:p>
+            <a:r>
+              <a:rPr lang="en-US" sz="800" b="1" dirty="0" smtClean="0"/>
+              <a:t>App Showcase</a:t>
+            </a:r>
+            <a:endParaRPr lang="en-US" sz="800" b="1" dirty="0"/>
+          </a:p>
+        </p:txBody>
+      </p:sp>
+      <p:sp>
+        <p:nvSpPr>
+          <p:cNvPr id="62" name="Rectangle 61"/>
+          <p:cNvSpPr/>
+          <p:nvPr/>
+        </p:nvSpPr>
+        <p:spPr>
+          <a:xfrm>
+            <a:off x="3369597" y="1312344"/>
+            <a:ext cx="1693334" cy="2921000"/>
+          </a:xfrm>
+          <a:prstGeom prst="rect">
+            <a:avLst/>
+          </a:prstGeom>
+          <a:solidFill>
+            <a:schemeClr val="bg1">
+              <a:lumMod val="85000"/>
+            </a:schemeClr>
+          </a:solidFill>
+          <a:ln>
+            <a:solidFill>
+              <a:schemeClr val="bg1">
+                <a:lumMod val="50000"/>
+              </a:schemeClr>
+            </a:solidFill>
+          </a:ln>
+        </p:spPr>
+        <p:style>
+          <a:lnRef idx="1">
+            <a:schemeClr val="accent1"/>
+          </a:lnRef>
+          <a:fillRef idx="3">
+            <a:schemeClr val="accent1"/>
+          </a:fillRef>
+          <a:effectRef idx="2">
+            <a:schemeClr val="accent1"/>
+          </a:effectRef>
+          <a:fontRef idx="minor">
+            <a:schemeClr val="lt1"/>
+          </a:fontRef>
+        </p:style>
+        <p:txBody>
+          <a:bodyPr rtlCol="0" anchor="ctr"/>
+          <a:lstStyle/>
+          <a:p>
+            <a:pPr algn="ctr"/>
+            <a:endParaRPr lang="en-US" dirty="0"/>
+          </a:p>
+        </p:txBody>
+      </p:sp>
+      <p:sp>
+        <p:nvSpPr>
+          <p:cNvPr id="66" name="Rectangle 65"/>
+          <p:cNvSpPr/>
+          <p:nvPr/>
+        </p:nvSpPr>
+        <p:spPr>
+          <a:xfrm>
+            <a:off x="3360985" y="1312345"/>
+            <a:ext cx="1693334" cy="211666"/>
+          </a:xfrm>
+          <a:prstGeom prst="rect">
+            <a:avLst/>
+          </a:prstGeom>
+          <a:solidFill>
+            <a:schemeClr val="tx1"/>
+          </a:solidFill>
+          <a:ln>
+            <a:solidFill>
+              <a:schemeClr val="tx1"/>
+            </a:solidFill>
+          </a:ln>
+        </p:spPr>
+        <p:style>
+          <a:lnRef idx="1">
+            <a:schemeClr val="accent1"/>
+          </a:lnRef>
+          <a:fillRef idx="3">
+            <a:schemeClr val="accent1"/>
+          </a:fillRef>
+          <a:effectRef idx="2">
+            <a:schemeClr val="accent1"/>
+          </a:effectRef>
+          <a:fontRef idx="minor">
+            <a:schemeClr val="lt1"/>
+          </a:fontRef>
+        </p:style>
+        <p:txBody>
+          <a:bodyPr rtlCol="0" anchor="ctr"/>
+          <a:lstStyle/>
+          <a:p>
+            <a:pPr algn="ctr"/>
+            <a:r>
+              <a:rPr lang="en-US" sz="800" b="1" dirty="0" smtClean="0"/>
+              <a:t>App Showcase</a:t>
+            </a:r>
+            <a:endParaRPr lang="en-US" sz="800" b="1" dirty="0"/>
+          </a:p>
+        </p:txBody>
+      </p:sp>
+      <p:sp>
+        <p:nvSpPr>
+          <p:cNvPr id="69" name="Rectangle 68"/>
+          <p:cNvSpPr/>
+          <p:nvPr/>
+        </p:nvSpPr>
+        <p:spPr>
+          <a:xfrm>
+            <a:off x="3399084" y="4855644"/>
+            <a:ext cx="1693334" cy="211666"/>
+          </a:xfrm>
+          <a:prstGeom prst="rect">
+            <a:avLst/>
+          </a:prstGeom>
+          <a:solidFill>
+            <a:schemeClr val="tx1"/>
+          </a:solidFill>
+          <a:ln>
+            <a:solidFill>
+              <a:schemeClr val="tx1"/>
+            </a:solidFill>
+          </a:ln>
+        </p:spPr>
+        <p:style>
+          <a:lnRef idx="1">
+            <a:schemeClr val="accent1"/>
+          </a:lnRef>
+          <a:fillRef idx="3">
+            <a:schemeClr val="accent1"/>
+          </a:fillRef>
+          <a:effectRef idx="2">
+            <a:schemeClr val="accent1"/>
+          </a:effectRef>
+          <a:fontRef idx="minor">
+            <a:schemeClr val="lt1"/>
+          </a:fontRef>
+        </p:style>
+        <p:txBody>
+          <a:bodyPr rtlCol="0" anchor="ctr"/>
+          <a:lstStyle/>
+          <a:p>
+            <a:pPr algn="ctr"/>
+            <a:r>
+              <a:rPr lang="en-US" sz="800" b="1" dirty="0" smtClean="0"/>
+              <a:t>App Showcase List Screen</a:t>
+            </a:r>
+            <a:endParaRPr lang="en-US" sz="800" b="1" dirty="0"/>
+          </a:p>
+        </p:txBody>
+      </p:sp>
+      <p:sp>
+        <p:nvSpPr>
+          <p:cNvPr id="74" name="Rectangle 73"/>
+          <p:cNvSpPr/>
+          <p:nvPr/>
+        </p:nvSpPr>
+        <p:spPr>
+          <a:xfrm>
+            <a:off x="3394998" y="1579043"/>
+            <a:ext cx="1659321" cy="698496"/>
+          </a:xfrm>
+          <a:prstGeom prst="rect">
+            <a:avLst/>
+          </a:prstGeom>
+          <a:solidFill>
+            <a:srgbClr val="FFFFFF"/>
+          </a:solidFill>
+          <a:ln>
+            <a:noFill/>
+          </a:ln>
+        </p:spPr>
+        <p:style>
+          <a:lnRef idx="1">
+            <a:schemeClr val="accent1"/>
+          </a:lnRef>
+          <a:fillRef idx="3">
+            <a:schemeClr val="accent1"/>
+          </a:fillRef>
+          <a:effectRef idx="2">
+            <a:schemeClr val="accent1"/>
+          </a:effectRef>
+          <a:fontRef idx="minor">
+            <a:schemeClr val="lt1"/>
+          </a:fontRef>
+        </p:style>
+        <p:txBody>
+          <a:bodyPr rtlCol="0" anchor="ctr"/>
+          <a:lstStyle/>
+          <a:p>
+            <a:pPr algn="ctr"/>
+            <a:endParaRPr lang="en-US" sz="800" b="1" dirty="0"/>
+          </a:p>
+        </p:txBody>
+      </p:sp>
+      <p:pic>
+        <p:nvPicPr>
+          <p:cNvPr id="70" name="Picture 69"/>
+          <p:cNvPicPr>
+            <a:picLocks noChangeAspect="1"/>
+          </p:cNvPicPr>
+          <p:nvPr/>
+        </p:nvPicPr>
+        <p:blipFill>
+          <a:blip r:embed="rId3"/>
+          <a:stretch>
+            <a:fillRect/>
+          </a:stretch>
+        </p:blipFill>
+        <p:spPr>
+          <a:xfrm>
+            <a:off x="3496597" y="1680180"/>
+            <a:ext cx="461960" cy="419554"/>
+          </a:xfrm>
+          <a:prstGeom prst="rect">
+            <a:avLst/>
+          </a:prstGeom>
+        </p:spPr>
+      </p:pic>
+      <p:sp>
+        <p:nvSpPr>
+          <p:cNvPr id="75" name="Rectangle 74"/>
+          <p:cNvSpPr/>
+          <p:nvPr/>
+        </p:nvSpPr>
+        <p:spPr>
+          <a:xfrm>
+            <a:off x="3394998" y="2260589"/>
+            <a:ext cx="1659321" cy="698496"/>
+          </a:xfrm>
+          <a:prstGeom prst="rect">
+            <a:avLst/>
+          </a:prstGeom>
+          <a:solidFill>
+            <a:schemeClr val="bg1">
+              <a:lumMod val="65000"/>
+            </a:schemeClr>
+          </a:solidFill>
+          <a:ln>
+            <a:noFill/>
+          </a:ln>
+        </p:spPr>
+        <p:style>
+          <a:lnRef idx="1">
+            <a:schemeClr val="accent1"/>
+          </a:lnRef>
+          <a:fillRef idx="3">
+            <a:schemeClr val="accent1"/>
+          </a:fillRef>
+          <a:effectRef idx="2">
+            <a:schemeClr val="accent1"/>
+          </a:effectRef>
+          <a:fontRef idx="minor">
+            <a:schemeClr val="lt1"/>
+          </a:fontRef>
+        </p:style>
+        <p:txBody>
+          <a:bodyPr rtlCol="0" anchor="ctr"/>
+          <a:lstStyle/>
+          <a:p>
+            <a:pPr algn="ctr"/>
+            <a:endParaRPr lang="en-US" sz="800" b="1" dirty="0"/>
+          </a:p>
+        </p:txBody>
+      </p:sp>
+      <p:pic>
+        <p:nvPicPr>
+          <p:cNvPr id="71" name="Picture 70"/>
+          <p:cNvPicPr>
+            <a:picLocks noChangeAspect="1"/>
+          </p:cNvPicPr>
+          <p:nvPr/>
+        </p:nvPicPr>
+        <p:blipFill>
+          <a:blip r:embed="rId4"/>
+          <a:stretch>
+            <a:fillRect/>
+          </a:stretch>
+        </p:blipFill>
+        <p:spPr>
+          <a:xfrm>
+            <a:off x="3428866" y="2311391"/>
+            <a:ext cx="575163" cy="575163"/>
+          </a:xfrm>
+          <a:prstGeom prst="rect">
+            <a:avLst/>
+          </a:prstGeom>
+        </p:spPr>
+      </p:pic>
+      <p:sp>
+        <p:nvSpPr>
+          <p:cNvPr id="72" name="Rectangle 71"/>
+          <p:cNvSpPr/>
+          <p:nvPr/>
+        </p:nvSpPr>
+        <p:spPr>
+          <a:xfrm>
+            <a:off x="4029993" y="2523057"/>
+            <a:ext cx="935420" cy="186256"/>
+          </a:xfrm>
+          <a:prstGeom prst="rect">
+            <a:avLst/>
+          </a:prstGeom>
+          <a:noFill/>
+          <a:ln>
+            <a:noFill/>
+          </a:ln>
+        </p:spPr>
+        <p:style>
+          <a:lnRef idx="1">
+            <a:schemeClr val="accent1"/>
+          </a:lnRef>
+          <a:fillRef idx="3">
+            <a:schemeClr val="accent1"/>
+          </a:fillRef>
+          <a:effectRef idx="2">
+            <a:schemeClr val="accent1"/>
+          </a:effectRef>
+          <a:fontRef idx="minor">
+            <a:schemeClr val="lt1"/>
+          </a:fontRef>
+        </p:style>
+        <p:txBody>
+          <a:bodyPr rtlCol="0" anchor="ctr"/>
+          <a:lstStyle/>
+          <a:p>
+            <a:pPr algn="ctr"/>
+            <a:r>
+              <a:rPr lang="en-US" sz="900" dirty="0" smtClean="0">
+                <a:solidFill>
+                  <a:schemeClr val="tx1"/>
+                </a:solidFill>
+              </a:rPr>
+              <a:t>SwarmPulse</a:t>
+            </a:r>
+            <a:endParaRPr lang="en-US" sz="900" dirty="0">
+              <a:solidFill>
+                <a:schemeClr val="tx1"/>
+              </a:solidFill>
+            </a:endParaRPr>
+          </a:p>
+        </p:txBody>
+      </p:sp>
+      <p:sp>
+        <p:nvSpPr>
+          <p:cNvPr id="73" name="Rectangle 72"/>
+          <p:cNvSpPr/>
+          <p:nvPr/>
+        </p:nvSpPr>
+        <p:spPr>
+          <a:xfrm>
+            <a:off x="4004029" y="1752610"/>
+            <a:ext cx="914969" cy="304789"/>
+          </a:xfrm>
+          <a:prstGeom prst="rect">
+            <a:avLst/>
+          </a:prstGeom>
+          <a:noFill/>
+          <a:ln>
+            <a:noFill/>
+          </a:ln>
+        </p:spPr>
+        <p:style>
+          <a:lnRef idx="1">
+            <a:schemeClr val="accent1"/>
+          </a:lnRef>
+          <a:fillRef idx="3">
+            <a:schemeClr val="accent1"/>
+          </a:fillRef>
+          <a:effectRef idx="2">
+            <a:schemeClr val="accent1"/>
+          </a:effectRef>
+          <a:fontRef idx="minor">
+            <a:schemeClr val="lt1"/>
+          </a:fontRef>
+        </p:style>
+        <p:txBody>
+          <a:bodyPr rtlCol="0" anchor="ctr"/>
+          <a:lstStyle/>
+          <a:p>
+            <a:pPr algn="ctr"/>
+            <a:r>
+              <a:rPr lang="en-US" sz="900" dirty="0" err="1" smtClean="0">
+                <a:solidFill>
+                  <a:schemeClr val="tx1"/>
+                </a:solidFill>
+              </a:rPr>
+              <a:t>nervousnet</a:t>
+            </a:r>
+            <a:endParaRPr lang="en-US" sz="900" dirty="0" smtClean="0">
+              <a:solidFill>
+                <a:schemeClr val="tx1"/>
+              </a:solidFill>
+            </a:endParaRPr>
+          </a:p>
+          <a:p>
+            <a:pPr algn="ctr"/>
+            <a:r>
+              <a:rPr lang="en-US" sz="900" dirty="0" smtClean="0">
+                <a:solidFill>
+                  <a:schemeClr val="tx1"/>
+                </a:solidFill>
+              </a:rPr>
+              <a:t>Competition</a:t>
+            </a:r>
+            <a:endParaRPr lang="en-US" sz="900" dirty="0">
+              <a:solidFill>
+                <a:schemeClr val="tx1"/>
+              </a:solidFill>
+            </a:endParaRPr>
+          </a:p>
+        </p:txBody>
+      </p:sp>
+      <p:pic>
+        <p:nvPicPr>
+          <p:cNvPr id="44" name="Picture 43"/>
+          <p:cNvPicPr>
+            <a:picLocks noChangeAspect="1"/>
+          </p:cNvPicPr>
+          <p:nvPr/>
+        </p:nvPicPr>
+        <p:blipFill>
+          <a:blip r:embed="rId2"/>
+          <a:stretch>
+            <a:fillRect/>
+          </a:stretch>
+        </p:blipFill>
+        <p:spPr>
+          <a:xfrm>
+            <a:off x="5546747" y="451795"/>
+            <a:ext cx="2564175" cy="4615515"/>
+          </a:xfrm>
+          <a:prstGeom prst="rect">
+            <a:avLst/>
+          </a:prstGeom>
+        </p:spPr>
+      </p:pic>
+      <p:sp>
+        <p:nvSpPr>
+          <p:cNvPr id="45" name="Rectangle 44"/>
+          <p:cNvSpPr/>
+          <p:nvPr/>
+        </p:nvSpPr>
+        <p:spPr>
+          <a:xfrm>
+            <a:off x="6011198" y="1320805"/>
+            <a:ext cx="1693334" cy="211666"/>
+          </a:xfrm>
+          <a:prstGeom prst="rect">
+            <a:avLst/>
+          </a:prstGeom>
+          <a:solidFill>
+            <a:schemeClr val="tx1"/>
+          </a:solidFill>
+          <a:ln>
+            <a:solidFill>
+              <a:schemeClr val="tx1"/>
+            </a:solidFill>
+          </a:ln>
+        </p:spPr>
+        <p:style>
+          <a:lnRef idx="1">
+            <a:schemeClr val="accent1"/>
+          </a:lnRef>
+          <a:fillRef idx="3">
+            <a:schemeClr val="accent1"/>
+          </a:fillRef>
+          <a:effectRef idx="2">
+            <a:schemeClr val="accent1"/>
+          </a:effectRef>
+          <a:fontRef idx="minor">
+            <a:schemeClr val="lt1"/>
+          </a:fontRef>
+        </p:style>
+        <p:txBody>
+          <a:bodyPr rtlCol="0" anchor="ctr"/>
+          <a:lstStyle/>
+          <a:p>
+            <a:r>
+              <a:rPr lang="en-US" sz="800" b="1" dirty="0" smtClean="0"/>
+              <a:t>App Showcase</a:t>
+            </a:r>
+            <a:endParaRPr lang="en-US" sz="800" b="1" dirty="0"/>
+          </a:p>
+        </p:txBody>
+      </p:sp>
+      <p:sp>
+        <p:nvSpPr>
+          <p:cNvPr id="46" name="Rectangle 45"/>
+          <p:cNvSpPr/>
+          <p:nvPr/>
+        </p:nvSpPr>
+        <p:spPr>
+          <a:xfrm>
+            <a:off x="6002731" y="1295410"/>
+            <a:ext cx="1693334" cy="2921000"/>
+          </a:xfrm>
+          <a:prstGeom prst="rect">
+            <a:avLst/>
+          </a:prstGeom>
+          <a:solidFill>
+            <a:schemeClr val="bg1">
+              <a:lumMod val="85000"/>
+            </a:schemeClr>
+          </a:solidFill>
+          <a:ln>
+            <a:solidFill>
+              <a:schemeClr val="bg1">
+                <a:lumMod val="50000"/>
+              </a:schemeClr>
+            </a:solidFill>
+          </a:ln>
+        </p:spPr>
+        <p:style>
+          <a:lnRef idx="1">
+            <a:schemeClr val="accent1"/>
+          </a:lnRef>
+          <a:fillRef idx="3">
+            <a:schemeClr val="accent1"/>
+          </a:fillRef>
+          <a:effectRef idx="2">
+            <a:schemeClr val="accent1"/>
+          </a:effectRef>
+          <a:fontRef idx="minor">
+            <a:schemeClr val="lt1"/>
+          </a:fontRef>
+        </p:style>
+        <p:txBody>
+          <a:bodyPr rtlCol="0" anchor="ctr"/>
+          <a:lstStyle/>
+          <a:p>
+            <a:pPr algn="ctr"/>
+            <a:endParaRPr lang="en-US" dirty="0"/>
+          </a:p>
+        </p:txBody>
+      </p:sp>
+      <p:sp>
+        <p:nvSpPr>
+          <p:cNvPr id="47" name="Rectangle 46"/>
+          <p:cNvSpPr/>
+          <p:nvPr/>
+        </p:nvSpPr>
+        <p:spPr>
+          <a:xfrm>
+            <a:off x="5994119" y="1295411"/>
+            <a:ext cx="1693334" cy="211666"/>
+          </a:xfrm>
+          <a:prstGeom prst="rect">
+            <a:avLst/>
+          </a:prstGeom>
+          <a:solidFill>
+            <a:schemeClr val="tx1"/>
+          </a:solidFill>
+          <a:ln>
+            <a:solidFill>
+              <a:schemeClr val="tx1"/>
+            </a:solidFill>
+          </a:ln>
+        </p:spPr>
+        <p:style>
+          <a:lnRef idx="1">
+            <a:schemeClr val="accent1"/>
+          </a:lnRef>
+          <a:fillRef idx="3">
+            <a:schemeClr val="accent1"/>
+          </a:fillRef>
+          <a:effectRef idx="2">
+            <a:schemeClr val="accent1"/>
+          </a:effectRef>
+          <a:fontRef idx="minor">
+            <a:schemeClr val="lt1"/>
+          </a:fontRef>
+        </p:style>
+        <p:txBody>
+          <a:bodyPr rtlCol="0" anchor="ctr"/>
+          <a:lstStyle/>
+          <a:p>
+            <a:pPr algn="ctr"/>
+            <a:r>
+              <a:rPr lang="en-US" sz="800" b="1" dirty="0" smtClean="0"/>
+              <a:t>App Showcase</a:t>
+            </a:r>
+            <a:endParaRPr lang="en-US" sz="800" b="1" dirty="0"/>
+          </a:p>
+        </p:txBody>
+      </p:sp>
+      <p:sp>
+        <p:nvSpPr>
+          <p:cNvPr id="48" name="Rectangle 47"/>
+          <p:cNvSpPr/>
+          <p:nvPr/>
+        </p:nvSpPr>
+        <p:spPr>
+          <a:xfrm>
+            <a:off x="6032218" y="4838710"/>
+            <a:ext cx="1693334" cy="211666"/>
+          </a:xfrm>
+          <a:prstGeom prst="rect">
+            <a:avLst/>
+          </a:prstGeom>
+          <a:solidFill>
+            <a:schemeClr val="tx1"/>
+          </a:solidFill>
+          <a:ln>
+            <a:solidFill>
+              <a:schemeClr val="tx1"/>
+            </a:solidFill>
+          </a:ln>
+        </p:spPr>
+        <p:style>
+          <a:lnRef idx="1">
+            <a:schemeClr val="accent1"/>
+          </a:lnRef>
+          <a:fillRef idx="3">
+            <a:schemeClr val="accent1"/>
+          </a:fillRef>
+          <a:effectRef idx="2">
+            <a:schemeClr val="accent1"/>
+          </a:effectRef>
+          <a:fontRef idx="minor">
+            <a:schemeClr val="lt1"/>
+          </a:fontRef>
+        </p:style>
+        <p:txBody>
+          <a:bodyPr rtlCol="0" anchor="ctr"/>
+          <a:lstStyle/>
+          <a:p>
+            <a:pPr algn="ctr"/>
+            <a:r>
+              <a:rPr lang="en-US" sz="800" b="1" dirty="0" smtClean="0"/>
+              <a:t>App Showcase Details Screen</a:t>
+            </a:r>
+            <a:endParaRPr lang="en-US" sz="800" b="1" dirty="0"/>
+          </a:p>
+        </p:txBody>
+      </p:sp>
+      <p:sp>
+        <p:nvSpPr>
+          <p:cNvPr id="51" name="Rectangle 50"/>
+          <p:cNvSpPr/>
+          <p:nvPr/>
+        </p:nvSpPr>
+        <p:spPr>
+          <a:xfrm>
+            <a:off x="6028132" y="1540934"/>
+            <a:ext cx="1659321" cy="642899"/>
+          </a:xfrm>
+          <a:prstGeom prst="rect">
+            <a:avLst/>
+          </a:prstGeom>
+          <a:solidFill>
+            <a:srgbClr val="FFFFFF"/>
+          </a:solidFill>
+          <a:ln>
+            <a:noFill/>
+          </a:ln>
+        </p:spPr>
+        <p:style>
+          <a:lnRef idx="1">
+            <a:schemeClr val="accent1"/>
+          </a:lnRef>
+          <a:fillRef idx="3">
+            <a:schemeClr val="accent1"/>
+          </a:fillRef>
+          <a:effectRef idx="2">
+            <a:schemeClr val="accent1"/>
+          </a:effectRef>
+          <a:fontRef idx="minor">
+            <a:schemeClr val="lt1"/>
+          </a:fontRef>
+        </p:style>
+        <p:txBody>
+          <a:bodyPr rtlCol="0" anchor="ctr"/>
+          <a:lstStyle/>
+          <a:p>
+            <a:pPr algn="ctr"/>
+            <a:endParaRPr lang="en-US" sz="800" b="1" dirty="0"/>
+          </a:p>
+        </p:txBody>
+      </p:sp>
+      <p:pic>
+        <p:nvPicPr>
+          <p:cNvPr id="52" name="Picture 51"/>
+          <p:cNvPicPr>
+            <a:picLocks noChangeAspect="1"/>
+          </p:cNvPicPr>
+          <p:nvPr/>
+        </p:nvPicPr>
+        <p:blipFill>
+          <a:blip r:embed="rId4"/>
+          <a:stretch>
+            <a:fillRect/>
+          </a:stretch>
+        </p:blipFill>
+        <p:spPr>
+          <a:xfrm>
+            <a:off x="6032218" y="1608670"/>
+            <a:ext cx="575163" cy="575163"/>
+          </a:xfrm>
+          <a:prstGeom prst="rect">
+            <a:avLst/>
+          </a:prstGeom>
+        </p:spPr>
+      </p:pic>
+      <p:sp>
+        <p:nvSpPr>
+          <p:cNvPr id="53" name="Rectangle 52"/>
+          <p:cNvSpPr/>
+          <p:nvPr/>
+        </p:nvSpPr>
+        <p:spPr>
+          <a:xfrm>
+            <a:off x="6637163" y="1583281"/>
+            <a:ext cx="935420" cy="186256"/>
+          </a:xfrm>
+          <a:prstGeom prst="rect">
+            <a:avLst/>
+          </a:prstGeom>
+          <a:noFill/>
+          <a:ln>
+            <a:noFill/>
+          </a:ln>
+        </p:spPr>
+        <p:style>
+          <a:lnRef idx="1">
+            <a:schemeClr val="accent1"/>
+          </a:lnRef>
+          <a:fillRef idx="3">
+            <a:schemeClr val="accent1"/>
+          </a:fillRef>
+          <a:effectRef idx="2">
+            <a:schemeClr val="accent1"/>
+          </a:effectRef>
+          <a:fontRef idx="minor">
+            <a:schemeClr val="lt1"/>
+          </a:fontRef>
+        </p:style>
+        <p:txBody>
+          <a:bodyPr rtlCol="0" anchor="ctr"/>
+          <a:lstStyle/>
+          <a:p>
+            <a:pPr algn="ctr"/>
+            <a:r>
+              <a:rPr lang="en-US" sz="900" dirty="0" smtClean="0">
+                <a:solidFill>
+                  <a:schemeClr val="tx1"/>
+                </a:solidFill>
+              </a:rPr>
+              <a:t>SwarmPulse</a:t>
+            </a:r>
+            <a:endParaRPr lang="en-US" sz="900" dirty="0">
+              <a:solidFill>
+                <a:schemeClr val="tx1"/>
+              </a:solidFill>
+            </a:endParaRPr>
+          </a:p>
+        </p:txBody>
+      </p:sp>
+      <p:sp>
+        <p:nvSpPr>
+          <p:cNvPr id="54" name="Rectangle 53"/>
+          <p:cNvSpPr/>
+          <p:nvPr/>
+        </p:nvSpPr>
+        <p:spPr>
+          <a:xfrm>
+            <a:off x="6011198" y="2192290"/>
+            <a:ext cx="1676399" cy="1693353"/>
+          </a:xfrm>
+          <a:prstGeom prst="rect">
+            <a:avLst/>
+          </a:prstGeom>
+          <a:solidFill>
+            <a:schemeClr val="tx1">
+              <a:lumMod val="50000"/>
+              <a:lumOff val="50000"/>
+            </a:schemeClr>
+          </a:solidFill>
+          <a:ln/>
+        </p:spPr>
+        <p:style>
+          <a:lnRef idx="1">
+            <a:schemeClr val="dk1"/>
+          </a:lnRef>
+          <a:fillRef idx="3">
+            <a:schemeClr val="dk1"/>
+          </a:fillRef>
+          <a:effectRef idx="2">
+            <a:schemeClr val="dk1"/>
+          </a:effectRef>
+          <a:fontRef idx="minor">
+            <a:schemeClr val="lt1"/>
+          </a:fontRef>
+        </p:style>
+        <p:txBody>
+          <a:bodyPr rtlCol="0" anchor="ctr"/>
+          <a:lstStyle/>
+          <a:p>
+            <a:pPr algn="just"/>
+            <a:r>
+              <a:rPr lang="en-US" sz="800" b="1" dirty="0" smtClean="0">
+                <a:solidFill>
+                  <a:srgbClr val="FFFFFF"/>
+                </a:solidFill>
+              </a:rPr>
+              <a:t>The SwarmPulse service allows for collective visualization and sharing of mobile sensor data, text messages, media files and more.</a:t>
+            </a:r>
+          </a:p>
+          <a:p>
+            <a:pPr algn="just"/>
+            <a:r>
+              <a:rPr lang="en-US" sz="800" b="1" dirty="0" smtClean="0">
+                <a:solidFill>
+                  <a:srgbClr val="FFFFFF"/>
+                </a:solidFill>
+              </a:rPr>
+              <a:t> The "SwarmPulse" service is built on top of the </a:t>
+            </a:r>
+            <a:r>
+              <a:rPr lang="en-US" sz="800" b="1" dirty="0" err="1" smtClean="0">
+                <a:solidFill>
+                  <a:srgbClr val="FFFFFF"/>
+                </a:solidFill>
+              </a:rPr>
+              <a:t>nervousnet</a:t>
+            </a:r>
+            <a:r>
+              <a:rPr lang="en-US" sz="800" b="1" dirty="0" smtClean="0">
+                <a:solidFill>
+                  <a:srgbClr val="FFFFFF"/>
+                </a:solidFill>
+              </a:rPr>
+              <a:t> research platform, a large-scale distributed research platform that provides real-time social sensing services as a public good. Existing Big Data</a:t>
+            </a:r>
+            <a:endParaRPr lang="en-US" sz="800" b="1" dirty="0">
+              <a:solidFill>
+                <a:srgbClr val="FFFFFF"/>
+              </a:solidFill>
+            </a:endParaRPr>
+          </a:p>
+        </p:txBody>
+      </p:sp>
+      <p:sp>
+        <p:nvSpPr>
+          <p:cNvPr id="3" name="Rounded Rectangle 2"/>
+          <p:cNvSpPr/>
+          <p:nvPr/>
+        </p:nvSpPr>
+        <p:spPr>
+          <a:xfrm>
+            <a:off x="6023750" y="3928532"/>
+            <a:ext cx="1655235" cy="254010"/>
+          </a:xfrm>
+          <a:prstGeom prst="roundRect">
+            <a:avLst/>
+          </a:prstGeom>
+          <a:solidFill>
+            <a:schemeClr val="tx1">
+              <a:lumMod val="65000"/>
+              <a:lumOff val="35000"/>
+            </a:schemeClr>
+          </a:solidFill>
+          <a:ln>
+            <a:solidFill>
+              <a:schemeClr val="tx1">
+                <a:lumMod val="75000"/>
+                <a:lumOff val="25000"/>
+              </a:schemeClr>
+            </a:solidFill>
+          </a:ln>
+        </p:spPr>
+        <p:style>
+          <a:lnRef idx="1">
+            <a:schemeClr val="accent1"/>
+          </a:lnRef>
+          <a:fillRef idx="3">
+            <a:schemeClr val="accent1"/>
+          </a:fillRef>
+          <a:effectRef idx="2">
+            <a:schemeClr val="accent1"/>
+          </a:effectRef>
+          <a:fontRef idx="minor">
+            <a:schemeClr val="lt1"/>
+          </a:fontRef>
+        </p:style>
+        <p:txBody>
+          <a:bodyPr rtlCol="0" anchor="ctr"/>
+          <a:lstStyle/>
+          <a:p>
+            <a:pPr algn="ctr"/>
+            <a:r>
+              <a:rPr lang="en-US" sz="900" dirty="0" smtClean="0"/>
+              <a:t>Download from App Store</a:t>
+            </a:r>
+            <a:endParaRPr lang="en-US" sz="900" dirty="0"/>
+          </a:p>
+        </p:txBody>
+      </p:sp>
+      <p:sp>
+        <p:nvSpPr>
+          <p:cNvPr id="5" name="Footer Placeholder 4"/>
+          <p:cNvSpPr>
+            <a:spLocks noGrp="1"/>
+          </p:cNvSpPr>
+          <p:nvPr>
+            <p:ph type="ftr" sz="quarter" idx="11"/>
+          </p:nvPr>
+        </p:nvSpPr>
+        <p:spPr/>
+        <p:txBody>
+          <a:bodyPr/>
+          <a:lstStyle/>
+          <a:p>
+            <a:r>
+              <a:rPr lang="en-US" smtClean="0"/>
+              <a:t>© ETH Zürich, COSS </a:t>
+            </a:r>
+            <a:endParaRPr lang="en-US"/>
+          </a:p>
+        </p:txBody>
+      </p:sp>
+    </p:spTree>
+    <p:extLst>
+      <p:ext uri="{BB962C8B-B14F-4D97-AF65-F5344CB8AC3E}">
+        <p14:creationId xmlns:p14="http://schemas.microsoft.com/office/powerpoint/2010/main" val="3109372529"/>
+      </p:ext>
+    </p:extLst>
+  </p:cSld>
+  <p:clrMapOvr>
+    <a:masterClrMapping/>
+  </p:clrMapOvr>
+  <p:timing>
+    <p:tnLst>
+      <p:par>
+        <p:cTn xmlns:p14="http://schemas.microsoft.com/office/powerpoint/2010/main" id="1" dur="indefinite" restart="never" nodeType="tmRoot"/>
+      </p:par>
+    </p:tnLst>
+  </p:timing>
+</p:sld>
+</file>
+
+<file path=ppt/slides/slide25.xml><?xml version="1.0" encoding="utf-8"?>
+<p:sld xmlns:a="http://schemas.openxmlformats.org/drawingml/2006/main" xmlns:r="http://schemas.openxmlformats.org/officeDocument/2006/relationships" xmlns:p="http://schemas.openxmlformats.org/presentationml/2006/main" show="0">
+  <p:cSld>
+    <p:spTree>
+      <p:nvGrpSpPr>
+        <p:cNvPr id="1" name=""/>
+        <p:cNvGrpSpPr/>
+        <p:nvPr/>
+      </p:nvGrpSpPr>
+      <p:grpSpPr>
+        <a:xfrm>
+          <a:off x="0" y="0"/>
+          <a:ext cx="0" cy="0"/>
+          <a:chOff x="0" y="0"/>
+          <a:chExt cx="0" cy="0"/>
+        </a:xfrm>
+      </p:grpSpPr>
+      <p:sp>
+        <p:nvSpPr>
+          <p:cNvPr id="2" name="TextBox 1"/>
+          <p:cNvSpPr txBox="1"/>
+          <p:nvPr/>
+        </p:nvSpPr>
+        <p:spPr>
+          <a:xfrm>
+            <a:off x="0" y="266239"/>
+            <a:ext cx="3367638" cy="369332"/>
+          </a:xfrm>
+          <a:prstGeom prst="rect">
+            <a:avLst/>
+          </a:prstGeom>
+          <a:solidFill>
+            <a:schemeClr val="tx1">
+              <a:lumMod val="65000"/>
+              <a:lumOff val="35000"/>
+            </a:schemeClr>
+          </a:solidFill>
+        </p:spPr>
+        <p:style>
+          <a:lnRef idx="2">
+            <a:schemeClr val="dk1"/>
+          </a:lnRef>
+          <a:fillRef idx="1">
+            <a:schemeClr val="lt1"/>
+          </a:fillRef>
+          <a:effectRef idx="0">
+            <a:schemeClr val="dk1"/>
+          </a:effectRef>
+          <a:fontRef idx="minor">
+            <a:schemeClr val="dk1"/>
+          </a:fontRef>
+        </p:style>
+        <p:txBody>
+          <a:bodyPr wrap="square" rtlCol="0">
+            <a:spAutoFit/>
+          </a:bodyPr>
+          <a:lstStyle/>
+          <a:p>
+            <a:r>
+              <a:rPr lang="en-US" dirty="0" err="1" smtClean="0">
+                <a:solidFill>
+                  <a:schemeClr val="bg1"/>
+                </a:solidFill>
+              </a:rPr>
+              <a:t>nervousnet</a:t>
+            </a:r>
+            <a:endParaRPr lang="en-US" dirty="0">
+              <a:solidFill>
+                <a:schemeClr val="bg1"/>
+              </a:solidFill>
+            </a:endParaRPr>
+          </a:p>
+        </p:txBody>
+      </p:sp>
+      <p:sp>
+        <p:nvSpPr>
+          <p:cNvPr id="23" name="TextBox 22"/>
+          <p:cNvSpPr txBox="1"/>
+          <p:nvPr/>
+        </p:nvSpPr>
+        <p:spPr>
+          <a:xfrm>
+            <a:off x="3367638" y="260253"/>
+            <a:ext cx="5612323" cy="369332"/>
+          </a:xfrm>
+          <a:prstGeom prst="rect">
+            <a:avLst/>
+          </a:prstGeom>
+          <a:solidFill>
+            <a:schemeClr val="bg1">
+              <a:lumMod val="65000"/>
+            </a:schemeClr>
+          </a:solidFill>
+        </p:spPr>
+        <p:style>
+          <a:lnRef idx="2">
+            <a:schemeClr val="dk1"/>
+          </a:lnRef>
+          <a:fillRef idx="1">
+            <a:schemeClr val="lt1"/>
+          </a:fillRef>
+          <a:effectRef idx="0">
+            <a:schemeClr val="dk1"/>
+          </a:effectRef>
+          <a:fontRef idx="minor">
+            <a:schemeClr val="dk1"/>
+          </a:fontRef>
+        </p:style>
+        <p:txBody>
+          <a:bodyPr wrap="square" rtlCol="0">
+            <a:spAutoFit/>
+          </a:bodyPr>
+          <a:lstStyle>
+            <a:defPPr>
+              <a:defRPr lang="en-US"/>
+            </a:defPPr>
+            <a:lvl1pPr>
+              <a:defRPr>
+                <a:solidFill>
+                  <a:schemeClr val="bg1"/>
+                </a:solidFill>
+              </a:defRPr>
+            </a:lvl1pPr>
+          </a:lstStyle>
+          <a:p>
+            <a:pPr algn="r"/>
+            <a:r>
+              <a:rPr lang="en-US" dirty="0" smtClean="0">
+                <a:solidFill>
+                  <a:schemeClr val="tx1"/>
+                </a:solidFill>
+              </a:rPr>
+              <a:t>Targeting Users</a:t>
+            </a:r>
+            <a:endParaRPr lang="en-US" dirty="0">
+              <a:solidFill>
+                <a:schemeClr val="tx1"/>
+              </a:solidFill>
+            </a:endParaRPr>
+          </a:p>
+        </p:txBody>
+      </p:sp>
+      <p:graphicFrame>
+        <p:nvGraphicFramePr>
+          <p:cNvPr id="3" name="Diagram 2"/>
+          <p:cNvGraphicFramePr/>
+          <p:nvPr>
+            <p:extLst>
+              <p:ext uri="{D42A27DB-BD31-4B8C-83A1-F6EECF244321}">
+                <p14:modId xmlns:p14="http://schemas.microsoft.com/office/powerpoint/2010/main" val="1478489717"/>
+              </p:ext>
+            </p:extLst>
+          </p:nvPr>
+        </p:nvGraphicFramePr>
+        <p:xfrm>
+          <a:off x="1185333" y="1388532"/>
+          <a:ext cx="6815667" cy="3215217"/>
+        </p:xfrm>
+        <a:graphic>
+          <a:graphicData uri="http://schemas.openxmlformats.org/drawingml/2006/diagram">
+            <dgm:relIds xmlns:dgm="http://schemas.openxmlformats.org/drawingml/2006/diagram" xmlns:r="http://schemas.openxmlformats.org/officeDocument/2006/relationships" r:dm="rId3" r:lo="rId4" r:qs="rId5" r:cs="rId6"/>
+          </a:graphicData>
+        </a:graphic>
+      </p:graphicFrame>
+      <p:sp>
+        <p:nvSpPr>
+          <p:cNvPr id="5" name="Footer Placeholder 4"/>
+          <p:cNvSpPr>
+            <a:spLocks noGrp="1"/>
+          </p:cNvSpPr>
+          <p:nvPr>
+            <p:ph type="ftr" sz="quarter" idx="11"/>
+          </p:nvPr>
+        </p:nvSpPr>
+        <p:spPr/>
+        <p:txBody>
+          <a:bodyPr/>
+          <a:lstStyle/>
+          <a:p>
+            <a:r>
+              <a:rPr lang="en-US" smtClean="0"/>
+              <a:t>© ETH Zürich, COSS </a:t>
+            </a:r>
+            <a:endParaRPr lang="en-US"/>
+          </a:p>
+        </p:txBody>
+      </p:sp>
+    </p:spTree>
+    <p:extLst>
+      <p:ext uri="{BB962C8B-B14F-4D97-AF65-F5344CB8AC3E}">
+        <p14:creationId xmlns:p14="http://schemas.microsoft.com/office/powerpoint/2010/main" val="188781168"/>
+      </p:ext>
+    </p:extLst>
+  </p:cSld>
+  <p:clrMapOvr>
+    <a:masterClrMapping/>
+  </p:clrMapOvr>
+  <mc:AlternateContent xmlns:mc="http://schemas.openxmlformats.org/markup-compatibility/2006">
+    <mc:Choice xmlns:p14="http://schemas.microsoft.com/office/powerpoint/2010/main" Requires="p14">
+      <p:transition spd="slow" p14:dur="2000"/>
+    </mc:Choice>
+    <mc:Fallback>
+      <p:transition xmlns:p14="http://schemas.microsoft.com/office/powerpoint/2010/main" spd="slow"/>
+    </mc:Fallback>
+  </mc:AlternateContent>
   <p:timing>
     <p:tnLst>
       <p:par>
@@ -22758,7 +31064,7 @@
           <a:lstStyle/>
           <a:p>
             <a:r>
-              <a:rPr lang="en-US" dirty="0" smtClean="0">
+              <a:rPr lang="en-US" dirty="0" err="1" smtClean="0">
                 <a:solidFill>
                   <a:schemeClr val="bg1"/>
                 </a:solidFill>
@@ -23085,8 +31391,12 @@
           <a:p>
             <a:pPr algn="ctr"/>
             <a:r>
+              <a:rPr lang="en-US" sz="1100" dirty="0" err="1" smtClean="0"/>
+              <a:t>Nervousnet</a:t>
+            </a:r>
+            <a:r>
               <a:rPr lang="en-US" sz="1100" dirty="0" smtClean="0"/>
-              <a:t>Nervousnet CORE</a:t>
+              <a:t> CORE</a:t>
             </a:r>
           </a:p>
           <a:p>
@@ -26010,7 +34320,7 @@
           <a:lstStyle/>
           <a:p>
             <a:r>
-              <a:rPr lang="en-US" dirty="0">
+              <a:rPr lang="en-US" dirty="0" err="1">
                 <a:solidFill>
                   <a:schemeClr val="bg1"/>
                 </a:solidFill>
@@ -26018,12 +34328,20 @@
               <a:t>n</a:t>
             </a:r>
             <a:r>
+              <a:rPr lang="en-US" dirty="0" err="1" smtClean="0">
+                <a:solidFill>
+                  <a:schemeClr val="bg1"/>
+                </a:solidFill>
+              </a:rPr>
+              <a:t>ervousnet</a:t>
+            </a:r>
+            <a:r>
               <a:rPr lang="en-US" dirty="0" smtClean="0">
                 <a:solidFill>
                   <a:schemeClr val="bg1"/>
                 </a:solidFill>
               </a:rPr>
-              <a:t>ervousnet HUB</a:t>
+              <a:t> HUB</a:t>
             </a:r>
             <a:endParaRPr lang="en-US" dirty="0">
               <a:solidFill>
@@ -26556,6 +34874,16 @@
           <a:lstStyle/>
           <a:p>
             <a:r>
+              <a:rPr lang="en-US" sz="1100" b="1" dirty="0" err="1" smtClean="0">
+                <a:solidFill>
+                  <a:schemeClr val="bg1">
+                    <a:lumMod val="85000"/>
+                  </a:schemeClr>
+                </a:solidFill>
+              </a:rPr>
+              <a:t>nervousnet</a:t>
+            </a:r>
+            <a:r>
               <a:rPr lang="en-US" sz="1100" b="1" dirty="0" smtClean="0">
                 <a:solidFill>
                   <a:schemeClr val="bg1">
@@ -26563,7 +34891,7 @@
                   </a:schemeClr>
                 </a:solidFill>
               </a:rPr>
-              <a:t>nervousnet VM</a:t>
+              <a:t> VM</a:t>
             </a:r>
             <a:endParaRPr lang="en-US" sz="1100" b="1" dirty="0">
               <a:solidFill>
@@ -26752,6 +35080,17 @@
           <a:lstStyle/>
           <a:p>
             <a:r>
+              <a:rPr lang="en-US" sz="1100" b="1" dirty="0" err="1" smtClean="0">
+                <a:solidFill>
+                  <a:schemeClr val="tx1">
+                    <a:lumMod val="50000"/>
+                    <a:lumOff val="50000"/>
+                  </a:schemeClr>
+                </a:solidFill>
+              </a:rPr>
+              <a:t>nervousnet</a:t>
+            </a:r>
+            <a:r>
               <a:rPr lang="en-US" sz="1100" b="1" dirty="0" smtClean="0">
                 <a:solidFill>
                   <a:schemeClr val="tx1">
@@ -26760,7 +35099,7 @@
                   </a:schemeClr>
                 </a:solidFill>
               </a:rPr>
-              <a:t>nervousnet Mobile App</a:t>
+              <a:t> Mobile App</a:t>
             </a:r>
             <a:endParaRPr lang="en-US" sz="1100" b="1" dirty="0">
               <a:solidFill>
@@ -26816,8 +35155,12 @@
           <a:p>
             <a:pPr algn="ctr"/>
             <a:r>
+              <a:rPr lang="en-US" sz="1200" dirty="0" err="1" smtClean="0"/>
+              <a:t>nervousnet</a:t>
+            </a:r>
+            <a:r>
               <a:rPr lang="en-US" sz="1200" dirty="0" smtClean="0"/>
-              <a:t>nervousnet Proxy / Server</a:t>
+              <a:t> Proxy / Server</a:t>
             </a:r>
             <a:endParaRPr lang="en-US" sz="1200" dirty="0"/>
           </a:p>
@@ -27946,6 +36289,16 @@
           <a:lstStyle/>
           <a:p>
             <a:r>
+              <a:rPr lang="en-US" sz="1100" b="1" dirty="0" err="1" smtClean="0">
+                <a:solidFill>
+                  <a:schemeClr val="bg1">
+                    <a:lumMod val="85000"/>
+                  </a:schemeClr>
+                </a:solidFill>
+              </a:rPr>
+              <a:t>nervousnet</a:t>
+            </a:r>
+            <a:r>
               <a:rPr lang="en-US" sz="1100" b="1" dirty="0" smtClean="0">
                 <a:solidFill>
                   <a:schemeClr val="bg1">
@@ -27953,7 +36306,7 @@
                   </a:schemeClr>
                 </a:solidFill>
               </a:rPr>
-              <a:t>nervousnet VM</a:t>
+              <a:t> VM</a:t>
             </a:r>
             <a:endParaRPr lang="en-US" sz="1100" b="1" dirty="0">
               <a:solidFill>
@@ -27988,6 +36341,16 @@
           <a:lstStyle/>
           <a:p>
             <a:r>
+              <a:rPr lang="en-US" sz="1100" b="1" dirty="0" err="1" smtClean="0">
+                <a:solidFill>
+                  <a:schemeClr val="bg1">
+                    <a:lumMod val="85000"/>
+                  </a:schemeClr>
+                </a:solidFill>
+              </a:rPr>
+              <a:t>nervousnet</a:t>
+            </a:r>
+            <a:r>
               <a:rPr lang="en-US" sz="1100" b="1" dirty="0" smtClean="0">
                 <a:solidFill>
                   <a:schemeClr val="bg1">
@@ -27995,7 +36358,7 @@
                   </a:schemeClr>
                 </a:solidFill>
               </a:rPr>
-              <a:t>nervousnet Mobile App</a:t>
+              <a:t> Mobile App</a:t>
             </a:r>
             <a:endParaRPr lang="en-US" sz="1100" b="1" dirty="0">
               <a:solidFill>
@@ -28202,12 +36565,20 @@
           <a:lstStyle/>
           <a:p>
             <a:r>
+              <a:rPr lang="en-US" dirty="0" err="1" smtClean="0">
+                <a:solidFill>
+                  <a:schemeClr val="bg1"/>
+                </a:solidFill>
+              </a:rPr>
+              <a:t>nervousnet</a:t>
+            </a:r>
+            <a:r>
               <a:rPr lang="en-US" dirty="0" smtClean="0">
                 <a:solidFill>
                   <a:schemeClr val="bg1"/>
                 </a:solidFill>
               </a:rPr>
-              <a:t>nervousnet HUB</a:t>
+              <a:t> HUB</a:t>
             </a:r>
           </a:p>
         </p:txBody>
@@ -28304,8 +36675,12 @@
           <a:p>
             <a:pPr algn="just"/>
             <a:r>
+              <a:rPr lang="en-US" sz="900" b="1" dirty="0" err="1" smtClean="0"/>
+              <a:t>nervousnet</a:t>
+            </a:r>
+            <a:r>
               <a:rPr lang="en-US" sz="900" b="1" dirty="0" smtClean="0"/>
-              <a:t>nervousnet Applications</a:t>
+              <a:t> Applications</a:t>
             </a:r>
             <a:endParaRPr lang="en-US" sz="900" b="1" dirty="0"/>
           </a:p>
@@ -28316,7 +36691,15 @@
             </a:pPr>
             <a:r>
               <a:rPr lang="en-US" sz="900" dirty="0" smtClean="0"/>
-              <a:t>Allowing Third party developers to extend and use nervousnet API’s to use within their own Applications.</a:t>
+              <a:t>Allowing Third party developers to extend and use </a:t>
+            </a:r>
+            <a:r>
+              <a:rPr lang="en-US" sz="900" dirty="0" err="1" smtClean="0"/>
+              <a:t>nervousnet</a:t>
+            </a:r>
+            <a:r>
+              <a:rPr lang="en-US" sz="900" dirty="0" smtClean="0"/>
+              <a:t> API’s to use within their own Applications.</a:t>
             </a:r>
           </a:p>
           <a:p>
@@ -28326,13 +36709,16 @@
             </a:pPr>
             <a:r>
               <a:rPr lang="en-US" sz="900" dirty="0" smtClean="0"/>
-              <a:t>Such applications are dependent and requires the installation of nervousnet Core Application</a:t>
+              <a:t>Such applications are dependent and requires the installation of </a:t>
+            </a:r>
+            <a:r>
+              <a:rPr lang="en-US" sz="900" dirty="0" err="1" smtClean="0"/>
+              <a:t>nervousnet</a:t>
             </a:r>
             <a:r>
               <a:rPr lang="en-US" sz="900" dirty="0" smtClean="0"/>
-              <a:t>.</a:t>
-            </a:r>
-            <a:endParaRPr lang="en-US" sz="900" dirty="0" smtClean="0"/>
+              <a:t> Core Application.</a:t>
+            </a:r>
           </a:p>
           <a:p>
             <a:pPr algn="just"/>
@@ -28363,7 +36749,15 @@
             </a:r>
             <a:r>
               <a:rPr lang="en-US" sz="900" u="sng" dirty="0" smtClean="0"/>
-              <a:t>run inside the webview component of the nervousnet core application</a:t>
+              <a:t>run inside the webview component of the </a:t>
+            </a:r>
+            <a:r>
+              <a:rPr lang="en-US" sz="900" u="sng" dirty="0" err="1" smtClean="0"/>
+              <a:t>nervousnet</a:t>
+            </a:r>
+            <a:r>
+              <a:rPr lang="en-US" sz="900" u="sng" dirty="0" smtClean="0"/>
+              <a:t> core application</a:t>
             </a:r>
             <a:r>
               <a:rPr lang="en-US" sz="900" dirty="0" smtClean="0"/>
@@ -28406,19 +36800,7 @@
             </a:r>
             <a:r>
               <a:rPr lang="en-US" sz="900" u="sng" dirty="0" smtClean="0"/>
-              <a:t>ative and </a:t>
-            </a:r>
-            <a:r>
-              <a:rPr lang="en-US" sz="900" u="sng" dirty="0" smtClean="0"/>
-              <a:t>supports all required </a:t>
-            </a:r>
-            <a:r>
-              <a:rPr lang="en-US" sz="900" u="sng" dirty="0" smtClean="0"/>
-              <a:t>functionality. Only </a:t>
-            </a:r>
-            <a:r>
-              <a:rPr lang="en-US" sz="900" u="sng" dirty="0" smtClean="0"/>
-              <a:t>possible in Android</a:t>
+              <a:t>ative and supports all required functionality. Only possible in Android</a:t>
             </a:r>
             <a:r>
               <a:rPr lang="en-US" sz="900" dirty="0" smtClean="0"/>
@@ -28430,13 +36812,8 @@
             </a:r>
             <a:r>
               <a:rPr lang="en-US" sz="900" dirty="0" smtClean="0"/>
-              <a:t>as it does not allow to keep apps running in the background</a:t>
-            </a:r>
-            <a:r>
-              <a:rPr lang="en-US" sz="900" dirty="0" smtClean="0"/>
-              <a:t>.   </a:t>
-            </a:r>
-            <a:endParaRPr lang="en-US" sz="900" dirty="0" smtClean="0"/>
+              <a:t>as it does not allow to keep apps running in the background.   </a:t>
+            </a:r>
           </a:p>
           <a:p>
             <a:pPr marL="342900" indent="-342900" algn="just">
@@ -29541,6 +37918,16 @@
           <a:lstStyle/>
           <a:p>
             <a:r>
+              <a:rPr lang="en-US" sz="1100" b="1" dirty="0" err="1" smtClean="0">
+                <a:solidFill>
+                  <a:schemeClr val="bg1">
+                    <a:lumMod val="85000"/>
+                  </a:schemeClr>
+                </a:solidFill>
+              </a:rPr>
+              <a:t>nervousnet</a:t>
+            </a:r>
+            <a:r>
               <a:rPr lang="en-US" sz="1100" b="1" dirty="0" smtClean="0">
                 <a:solidFill>
                   <a:schemeClr val="bg1">
@@ -29548,7 +37935,7 @@
                   </a:schemeClr>
                 </a:solidFill>
               </a:rPr>
-              <a:t>nervousnet VM</a:t>
+              <a:t> VM</a:t>
             </a:r>
             <a:endParaRPr lang="en-US" sz="1100" b="1" dirty="0">
               <a:solidFill>
@@ -29583,6 +37970,16 @@
           <a:lstStyle/>
           <a:p>
             <a:r>
+              <a:rPr lang="en-US" sz="1100" b="1" dirty="0" err="1" smtClean="0">
+                <a:solidFill>
+                  <a:schemeClr val="bg1">
+                    <a:lumMod val="85000"/>
+                  </a:schemeClr>
+                </a:solidFill>
+              </a:rPr>
+              <a:t>nervousnet</a:t>
+            </a:r>
+            <a:r>
               <a:rPr lang="en-US" sz="1100" b="1" dirty="0" smtClean="0">
                 <a:solidFill>
                   <a:schemeClr val="bg1">
@@ -29590,7 +37987,7 @@
                   </a:schemeClr>
                 </a:solidFill>
               </a:rPr>
-              <a:t>nervousnet Mobile App</a:t>
+              <a:t> Mobile App</a:t>
             </a:r>
             <a:endParaRPr lang="en-US" sz="1100" b="1" dirty="0">
               <a:solidFill>
@@ -29797,12 +38194,20 @@
           <a:lstStyle/>
           <a:p>
             <a:r>
+              <a:rPr lang="en-US" dirty="0" err="1" smtClean="0">
+                <a:solidFill>
+                  <a:schemeClr val="bg1"/>
+                </a:solidFill>
+              </a:rPr>
+              <a:t>nervousnet</a:t>
+            </a:r>
+            <a:r>
               <a:rPr lang="en-US" dirty="0" smtClean="0">
                 <a:solidFill>
                   <a:schemeClr val="bg1"/>
                 </a:solidFill>
               </a:rPr>
-              <a:t>nervousnet HUB Controller</a:t>
+              <a:t> HUB Controller</a:t>
             </a:r>
           </a:p>
         </p:txBody>
@@ -30994,6 +39399,16 @@
           <a:lstStyle/>
           <a:p>
             <a:r>
+              <a:rPr lang="en-US" sz="1100" b="1" dirty="0" err="1" smtClean="0">
+                <a:solidFill>
+                  <a:schemeClr val="bg1">
+                    <a:lumMod val="85000"/>
+                  </a:schemeClr>
+                </a:solidFill>
+              </a:rPr>
+              <a:t>nervousnet</a:t>
+            </a:r>
+            <a:r>
               <a:rPr lang="en-US" sz="1100" b="1" dirty="0" smtClean="0">
                 <a:solidFill>
                   <a:schemeClr val="bg1">
@@ -31001,7 +39416,7 @@
                   </a:schemeClr>
                 </a:solidFill>
               </a:rPr>
-              <a:t>nervousnet VM</a:t>
+              <a:t> VM</a:t>
             </a:r>
             <a:endParaRPr lang="en-US" sz="1100" b="1" dirty="0">
               <a:solidFill>
@@ -31036,6 +39451,16 @@
           <a:lstStyle/>
           <a:p>
             <a:r>
+              <a:rPr lang="en-US" sz="1100" b="1" dirty="0" err="1" smtClean="0">
+                <a:solidFill>
+                  <a:schemeClr val="bg1">
+                    <a:lumMod val="85000"/>
+                  </a:schemeClr>
+                </a:solidFill>
+              </a:rPr>
+              <a:t>nervousnet</a:t>
+            </a:r>
+            <a:r>
               <a:rPr lang="en-US" sz="1100" b="1" dirty="0" smtClean="0">
                 <a:solidFill>
                   <a:schemeClr val="bg1">
@@ -31043,7 +39468,7 @@
                   </a:schemeClr>
                 </a:solidFill>
               </a:rPr>
-              <a:t>nervousnet Mobile App</a:t>
+              <a:t> Mobile App</a:t>
             </a:r>
             <a:endParaRPr lang="en-US" sz="1100" b="1" dirty="0">
               <a:solidFill>
@@ -32407,6 +40832,16 @@
           <a:lstStyle/>
           <a:p>
             <a:r>
+              <a:rPr lang="en-US" sz="1100" b="1" dirty="0" err="1" smtClean="0">
+                <a:solidFill>
+                  <a:schemeClr val="bg1">
+                    <a:lumMod val="85000"/>
+                  </a:schemeClr>
+                </a:solidFill>
+              </a:rPr>
+              <a:t>nervousnet</a:t>
+            </a:r>
+            <a:r>
               <a:rPr lang="en-US" sz="1100" b="1" dirty="0" smtClean="0">
                 <a:solidFill>
                   <a:schemeClr val="bg1">
@@ -32414,7 +40849,7 @@
                   </a:schemeClr>
                 </a:solidFill>
               </a:rPr>
-              <a:t>nervousnet VM</a:t>
+              <a:t> VM</a:t>
             </a:r>
             <a:endParaRPr lang="en-US" sz="1100" b="1" dirty="0">
               <a:solidFill>
@@ -32449,6 +40884,16 @@
           <a:lstStyle/>
           <a:p>
             <a:r>
+              <a:rPr lang="en-US" sz="1100" b="1" dirty="0" err="1" smtClean="0">
+                <a:solidFill>
+                  <a:schemeClr val="bg1">
+                    <a:lumMod val="85000"/>
+                  </a:schemeClr>
+                </a:solidFill>
+              </a:rPr>
+              <a:t>nervousnet</a:t>
+            </a:r>
+            <a:r>
               <a:rPr lang="en-US" sz="1100" b="1" dirty="0" smtClean="0">
                 <a:solidFill>
                   <a:schemeClr val="bg1">
@@ -32456,7 +40901,7 @@
                   </a:schemeClr>
                 </a:solidFill>
               </a:rPr>
-              <a:t>nervousnet Mobile App</a:t>
+              <a:t> Mobile App</a:t>
             </a:r>
             <a:endParaRPr lang="en-US" sz="1100" b="1" dirty="0">
               <a:solidFill>
@@ -33867,6 +42312,16 @@
           <a:lstStyle/>
           <a:p>
             <a:r>
+              <a:rPr lang="en-US" sz="1100" b="1" dirty="0" err="1" smtClean="0">
+                <a:solidFill>
+                  <a:schemeClr val="bg1">
+                    <a:lumMod val="85000"/>
+                  </a:schemeClr>
+                </a:solidFill>
+              </a:rPr>
+              <a:t>nervousnet</a:t>
+            </a:r>
+            <a:r>
               <a:rPr lang="en-US" sz="1100" b="1" dirty="0" smtClean="0">
                 <a:solidFill>
                   <a:schemeClr val="bg1">
@@ -33874,7 +42329,7 @@
                   </a:schemeClr>
                 </a:solidFill>
               </a:rPr>
-              <a:t>nervousnet VM</a:t>
+              <a:t> VM</a:t>
             </a:r>
             <a:endParaRPr lang="en-US" sz="1100" b="1" dirty="0">
               <a:solidFill>
@@ -33909,6 +42364,16 @@
           <a:lstStyle/>
           <a:p>
             <a:r>
+              <a:rPr lang="en-US" sz="1100" b="1" dirty="0" err="1" smtClean="0">
+                <a:solidFill>
+                  <a:schemeClr val="bg1">
+                    <a:lumMod val="85000"/>
+                  </a:schemeClr>
+                </a:solidFill>
+              </a:rPr>
+              <a:t>nervousnet</a:t>
+            </a:r>
+            <a:r>
               <a:rPr lang="en-US" sz="1100" b="1" dirty="0" smtClean="0">
                 <a:solidFill>
                   <a:schemeClr val="bg1">
@@ -33916,7 +42381,7 @@
                   </a:schemeClr>
                 </a:solidFill>
               </a:rPr>
-              <a:t>nervousnet Mobile App</a:t>
+              <a:t> Mobile App</a:t>
             </a:r>
             <a:endParaRPr lang="en-US" sz="1100" b="1" dirty="0">
               <a:solidFill>
@@ -34176,7 +42641,15 @@
             </a:pPr>
             <a:r>
               <a:rPr lang="en-US" sz="1200" dirty="0" smtClean="0"/>
-              <a:t>Manages list of nervousnet Apps that are installed within the local installation instance.</a:t>
+              <a:t>Manages list of </a:t>
+            </a:r>
+            <a:r>
+              <a:rPr lang="en-US" sz="1200" dirty="0" err="1" smtClean="0"/>
+              <a:t>nervousnet</a:t>
+            </a:r>
+            <a:r>
+              <a:rPr lang="en-US" sz="1200" dirty="0" smtClean="0"/>
+              <a:t> Apps that are installed within the local installation instance.</a:t>
             </a:r>
           </a:p>
           <a:p>
@@ -34200,7 +42673,15 @@
             </a:r>
             <a:r>
               <a:rPr lang="en-US" sz="1200" dirty="0" smtClean="0"/>
-              <a:t>store, but running within the nervousnet app.</a:t>
+              <a:t>store, but running within the </a:t>
+            </a:r>
+            <a:r>
+              <a:rPr lang="en-US" sz="1200" dirty="0" err="1" smtClean="0"/>
+              <a:t>nervousnet</a:t>
+            </a:r>
+            <a:r>
+              <a:rPr lang="en-US" sz="1200" dirty="0" smtClean="0"/>
+              <a:t> app.</a:t>
             </a:r>
             <a:endParaRPr lang="en-US" sz="1200" dirty="0"/>
           </a:p>

--- a/Documents/NervousNet_Redesign.pptx
+++ b/Documents/NervousNet_Redesign.pptx
@@ -23543,7 +23543,7 @@
         </p:blipFill>
         <p:spPr>
           <a:xfrm>
-            <a:off x="5518372" y="3055095"/>
+            <a:off x="5518372" y="2995826"/>
             <a:ext cx="1025670" cy="1846206"/>
           </a:xfrm>
           <a:prstGeom prst="rect">
@@ -23559,7 +23559,7 @@
         </p:nvSpPr>
         <p:spPr>
           <a:xfrm>
-            <a:off x="5716723" y="3392936"/>
+            <a:off x="5716723" y="3333667"/>
             <a:ext cx="630170" cy="93140"/>
           </a:xfrm>
           <a:prstGeom prst="rect">
@@ -23745,7 +23745,7 @@
         </p:blipFill>
         <p:spPr>
           <a:xfrm>
-            <a:off x="5867232" y="3744319"/>
+            <a:off x="5867232" y="3625781"/>
             <a:ext cx="293464" cy="596053"/>
           </a:xfrm>
           <a:prstGeom prst="rect">
@@ -27515,130 +27515,1003 @@
         </p:nvSpPr>
         <p:spPr>
           <a:xfrm>
-            <a:off x="1854209" y="2785551"/>
-            <a:ext cx="1676255" cy="1508105"/>
+            <a:off x="1854210" y="2785551"/>
+            <a:ext cx="1659174" cy="338554"/>
           </a:xfrm>
           <a:prstGeom prst="rect">
             <a:avLst/>
           </a:prstGeom>
-          <a:ln>
-            <a:solidFill>
-              <a:schemeClr val="tx1">
-                <a:lumMod val="50000"/>
-                <a:lumOff val="50000"/>
-              </a:schemeClr>
-            </a:solidFill>
-          </a:ln>
+          <a:ln/>
         </p:spPr>
         <p:style>
-          <a:lnRef idx="2">
+          <a:lnRef idx="0">
             <a:schemeClr val="dk1"/>
           </a:lnRef>
-          <a:fillRef idx="1">
-            <a:schemeClr val="lt1"/>
+          <a:fillRef idx="3">
+            <a:schemeClr val="dk1"/>
           </a:fillRef>
-          <a:effectRef idx="0">
+          <a:effectRef idx="3">
             <a:schemeClr val="dk1"/>
           </a:effectRef>
           <a:fontRef idx="minor">
-            <a:schemeClr val="dk1"/>
+            <a:schemeClr val="lt1"/>
           </a:fontRef>
         </p:style>
         <p:txBody>
-          <a:bodyPr wrap="square" rtlCol="0">
-            <a:spAutoFit/>
+          <a:bodyPr wrap="square" rtlCol="0" anchor="ctr" anchorCtr="0">
+            <a:normAutofit/>
           </a:bodyPr>
           <a:lstStyle/>
           <a:p>
+            <a:pPr algn="ctr"/>
             <a:r>
               <a:rPr lang="en-US" sz="800" b="1" dirty="0" smtClean="0">
                 <a:latin typeface="Arial"/>
                 <a:cs typeface="Arial"/>
               </a:rPr>
-              <a:t>Data Privacy:</a:t>
-            </a:r>
-          </a:p>
-          <a:p>
-            <a:endParaRPr lang="en-US" sz="800" b="1" dirty="0" smtClean="0">
-              <a:latin typeface="Arial"/>
-              <a:cs typeface="Arial"/>
-            </a:endParaRPr>
-          </a:p>
-          <a:p>
+              <a:t>Sensor Settings</a:t>
+            </a:r>
             <a:endParaRPr lang="en-US" sz="800" dirty="0">
               <a:latin typeface="Arial"/>
               <a:cs typeface="Arial"/>
             </a:endParaRPr>
           </a:p>
-          <a:p>
-            <a:r>
-              <a:rPr lang="en-US" sz="700" dirty="0" smtClean="0">
+        </p:txBody>
+      </p:sp>
+      <p:pic>
+        <p:nvPicPr>
+          <p:cNvPr id="30" name="Picture 29"/>
+          <p:cNvPicPr>
+            <a:picLocks noChangeAspect="1"/>
+          </p:cNvPicPr>
+          <p:nvPr/>
+        </p:nvPicPr>
+        <p:blipFill>
+          <a:blip r:embed="rId2"/>
+          <a:stretch>
+            <a:fillRect/>
+          </a:stretch>
+        </p:blipFill>
+        <p:spPr>
+          <a:xfrm>
+            <a:off x="4487848" y="519514"/>
+            <a:ext cx="2564175" cy="4615515"/>
+          </a:xfrm>
+          <a:prstGeom prst="rect">
+            <a:avLst/>
+          </a:prstGeom>
+        </p:spPr>
+      </p:pic>
+      <p:sp>
+        <p:nvSpPr>
+          <p:cNvPr id="31" name="Rectangle 30"/>
+          <p:cNvSpPr/>
+          <p:nvPr/>
+        </p:nvSpPr>
+        <p:spPr>
+          <a:xfrm>
+            <a:off x="4961330" y="1388536"/>
+            <a:ext cx="1693334" cy="211666"/>
+          </a:xfrm>
+          <a:prstGeom prst="rect">
+            <a:avLst/>
+          </a:prstGeom>
+          <a:solidFill>
+            <a:schemeClr val="tx1"/>
+          </a:solidFill>
+          <a:ln>
+            <a:solidFill>
+              <a:schemeClr val="tx1"/>
+            </a:solidFill>
+          </a:ln>
+        </p:spPr>
+        <p:style>
+          <a:lnRef idx="1">
+            <a:schemeClr val="accent1"/>
+          </a:lnRef>
+          <a:fillRef idx="3">
+            <a:schemeClr val="accent1"/>
+          </a:fillRef>
+          <a:effectRef idx="2">
+            <a:schemeClr val="accent1"/>
+          </a:effectRef>
+          <a:fontRef idx="minor">
+            <a:schemeClr val="lt1"/>
+          </a:fontRef>
+        </p:style>
+        <p:txBody>
+          <a:bodyPr rtlCol="0" anchor="ctr"/>
+          <a:lstStyle/>
+          <a:p>
+            <a:r>
+              <a:rPr lang="en-US" sz="800" b="1" dirty="0" smtClean="0"/>
+              <a:t>App Showcase</a:t>
+            </a:r>
+            <a:endParaRPr lang="en-US" sz="800" b="1" dirty="0"/>
+          </a:p>
+        </p:txBody>
+      </p:sp>
+      <p:sp>
+        <p:nvSpPr>
+          <p:cNvPr id="33" name="Rectangle 32"/>
+          <p:cNvSpPr/>
+          <p:nvPr/>
+        </p:nvSpPr>
+        <p:spPr>
+          <a:xfrm>
+            <a:off x="4952863" y="1363141"/>
+            <a:ext cx="1693334" cy="2921000"/>
+          </a:xfrm>
+          <a:prstGeom prst="rect">
+            <a:avLst/>
+          </a:prstGeom>
+          <a:solidFill>
+            <a:schemeClr val="bg1">
+              <a:lumMod val="85000"/>
+            </a:schemeClr>
+          </a:solidFill>
+          <a:ln>
+            <a:solidFill>
+              <a:schemeClr val="bg1">
+                <a:lumMod val="50000"/>
+              </a:schemeClr>
+            </a:solidFill>
+          </a:ln>
+        </p:spPr>
+        <p:style>
+          <a:lnRef idx="1">
+            <a:schemeClr val="accent1"/>
+          </a:lnRef>
+          <a:fillRef idx="3">
+            <a:schemeClr val="accent1"/>
+          </a:fillRef>
+          <a:effectRef idx="2">
+            <a:schemeClr val="accent1"/>
+          </a:effectRef>
+          <a:fontRef idx="minor">
+            <a:schemeClr val="lt1"/>
+          </a:fontRef>
+        </p:style>
+        <p:txBody>
+          <a:bodyPr rtlCol="0" anchor="ctr"/>
+          <a:lstStyle/>
+          <a:p>
+            <a:pPr algn="ctr"/>
+            <a:endParaRPr lang="en-US" dirty="0"/>
+          </a:p>
+        </p:txBody>
+      </p:sp>
+      <p:sp>
+        <p:nvSpPr>
+          <p:cNvPr id="34" name="Rectangle 33"/>
+          <p:cNvSpPr/>
+          <p:nvPr/>
+        </p:nvSpPr>
+        <p:spPr>
+          <a:xfrm>
+            <a:off x="4944251" y="1363142"/>
+            <a:ext cx="1693334" cy="211666"/>
+          </a:xfrm>
+          <a:prstGeom prst="rect">
+            <a:avLst/>
+          </a:prstGeom>
+          <a:solidFill>
+            <a:schemeClr val="tx1"/>
+          </a:solidFill>
+          <a:ln>
+            <a:solidFill>
+              <a:schemeClr val="tx1"/>
+            </a:solidFill>
+          </a:ln>
+        </p:spPr>
+        <p:style>
+          <a:lnRef idx="1">
+            <a:schemeClr val="accent1"/>
+          </a:lnRef>
+          <a:fillRef idx="3">
+            <a:schemeClr val="accent1"/>
+          </a:fillRef>
+          <a:effectRef idx="2">
+            <a:schemeClr val="accent1"/>
+          </a:effectRef>
+          <a:fontRef idx="minor">
+            <a:schemeClr val="lt1"/>
+          </a:fontRef>
+        </p:style>
+        <p:txBody>
+          <a:bodyPr rtlCol="0" anchor="ctr"/>
+          <a:lstStyle/>
+          <a:p>
+            <a:pPr algn="ctr"/>
+            <a:r>
+              <a:rPr lang="en-US" sz="800" b="1" dirty="0" smtClean="0"/>
+              <a:t>Sensor Settings</a:t>
+            </a:r>
+            <a:endParaRPr lang="en-US" sz="800" b="1" dirty="0"/>
+          </a:p>
+        </p:txBody>
+      </p:sp>
+      <p:sp>
+        <p:nvSpPr>
+          <p:cNvPr id="40" name="TextBox 39"/>
+          <p:cNvSpPr txBox="1"/>
+          <p:nvPr/>
+        </p:nvSpPr>
+        <p:spPr>
+          <a:xfrm>
+            <a:off x="4978264" y="3945587"/>
+            <a:ext cx="1659174" cy="338554"/>
+          </a:xfrm>
+          <a:prstGeom prst="rect">
+            <a:avLst/>
+          </a:prstGeom>
+          <a:ln/>
+        </p:spPr>
+        <p:style>
+          <a:lnRef idx="0">
+            <a:schemeClr val="dk1"/>
+          </a:lnRef>
+          <a:fillRef idx="3">
+            <a:schemeClr val="dk1"/>
+          </a:fillRef>
+          <a:effectRef idx="3">
+            <a:schemeClr val="dk1"/>
+          </a:effectRef>
+          <a:fontRef idx="minor">
+            <a:schemeClr val="lt1"/>
+          </a:fontRef>
+        </p:style>
+        <p:txBody>
+          <a:bodyPr wrap="square" rtlCol="0" anchor="ctr" anchorCtr="0">
+            <a:normAutofit/>
+          </a:bodyPr>
+          <a:lstStyle/>
+          <a:p>
+            <a:pPr algn="ctr"/>
+            <a:r>
+              <a:rPr lang="en-US" sz="800" b="1" dirty="0" smtClean="0">
                 <a:latin typeface="Arial"/>
                 <a:cs typeface="Arial"/>
               </a:rPr>
-              <a:t>(Store Shared Data on Server)</a:t>
-            </a:r>
-          </a:p>
-          <a:p>
-            <a:endParaRPr lang="en-US" sz="700" dirty="0">
-              <a:latin typeface="Arial"/>
-              <a:cs typeface="Arial"/>
-            </a:endParaRPr>
-          </a:p>
-          <a:p>
-            <a:r>
-              <a:rPr lang="en-US" sz="700" b="1" dirty="0" smtClean="0">
-                <a:latin typeface="Arial"/>
-                <a:cs typeface="Arial"/>
-              </a:rPr>
-              <a:t>Retain data for</a:t>
-            </a:r>
-            <a:r>
-              <a:rPr lang="en-US" sz="700" dirty="0" smtClean="0">
-                <a:latin typeface="Arial"/>
-                <a:cs typeface="Arial"/>
-              </a:rPr>
-              <a:t>:</a:t>
-            </a:r>
-          </a:p>
-          <a:p>
-            <a:endParaRPr lang="en-US" sz="700" dirty="0">
-              <a:latin typeface="Arial"/>
-              <a:cs typeface="Arial"/>
-            </a:endParaRPr>
-          </a:p>
-          <a:p>
+              <a:t>Save</a:t>
+            </a:r>
             <a:endParaRPr lang="en-US" sz="800" dirty="0">
               <a:latin typeface="Arial"/>
               <a:cs typeface="Arial"/>
             </a:endParaRPr>
           </a:p>
-          <a:p>
-            <a:endParaRPr lang="en-US" sz="800" dirty="0" smtClean="0">
-              <a:latin typeface="Arial"/>
-              <a:cs typeface="Arial"/>
-            </a:endParaRPr>
-          </a:p>
-          <a:p>
-            <a:endParaRPr lang="en-US" sz="800" dirty="0">
-              <a:latin typeface="Arial"/>
-              <a:cs typeface="Arial"/>
-            </a:endParaRPr>
-          </a:p>
-          <a:p>
-            <a:endParaRPr lang="en-US" sz="800" dirty="0" smtClean="0">
-              <a:latin typeface="Arial"/>
-              <a:cs typeface="Arial"/>
-            </a:endParaRPr>
-          </a:p>
-          <a:p>
-            <a:endParaRPr lang="en-US" sz="800" dirty="0">
-              <a:latin typeface="Arial"/>
-              <a:cs typeface="Arial"/>
-            </a:endParaRPr>
-          </a:p>
-        </p:txBody>
-      </p:sp>
+        </p:txBody>
+      </p:sp>
+      <p:sp>
+        <p:nvSpPr>
+          <p:cNvPr id="7" name="Rectangle 6"/>
+          <p:cNvSpPr/>
+          <p:nvPr/>
+        </p:nvSpPr>
+        <p:spPr>
+          <a:xfrm>
+            <a:off x="5655109" y="1788070"/>
+            <a:ext cx="390476" cy="369332"/>
+          </a:xfrm>
+          <a:prstGeom prst="rect">
+            <a:avLst/>
+          </a:prstGeom>
+        </p:spPr>
+        <p:txBody>
+          <a:bodyPr wrap="none">
+            <a:spAutoFit/>
+          </a:bodyPr>
+          <a:lstStyle/>
+          <a:p>
+            <a:r>
+              <a:rPr lang="en-US" dirty="0">
+                <a:latin typeface="Wingdings"/>
+                <a:ea typeface="Wingdings"/>
+                <a:cs typeface="Wingdings"/>
+              </a:rPr>
+              <a:t></a:t>
+            </a:r>
+            <a:endParaRPr lang="en-US" dirty="0"/>
+          </a:p>
+        </p:txBody>
+      </p:sp>
+      <p:sp>
+        <p:nvSpPr>
+          <p:cNvPr id="8" name="Rectangle 7"/>
+          <p:cNvSpPr/>
+          <p:nvPr/>
+        </p:nvSpPr>
+        <p:spPr>
+          <a:xfrm>
+            <a:off x="5646642" y="2305617"/>
+            <a:ext cx="415498" cy="369332"/>
+          </a:xfrm>
+          <a:prstGeom prst="rect">
+            <a:avLst/>
+          </a:prstGeom>
+        </p:spPr>
+        <p:txBody>
+          <a:bodyPr wrap="none">
+            <a:spAutoFit/>
+          </a:bodyPr>
+          <a:lstStyle/>
+          <a:p>
+            <a:r>
+              <a:rPr lang="en-US" dirty="0">
+                <a:latin typeface="ＭＳ ゴシック"/>
+                <a:ea typeface="ＭＳ ゴシック"/>
+                <a:cs typeface="ＭＳ ゴシック"/>
+              </a:rPr>
+              <a:t>☐</a:t>
+            </a:r>
+            <a:endParaRPr lang="en-US" dirty="0"/>
+          </a:p>
+        </p:txBody>
+      </p:sp>
+      <p:sp>
+        <p:nvSpPr>
+          <p:cNvPr id="9" name="TextBox 8"/>
+          <p:cNvSpPr txBox="1"/>
+          <p:nvPr/>
+        </p:nvSpPr>
+        <p:spPr>
+          <a:xfrm>
+            <a:off x="5626026" y="1574808"/>
+            <a:ext cx="368260" cy="215444"/>
+          </a:xfrm>
+          <a:prstGeom prst="rect">
+            <a:avLst/>
+          </a:prstGeom>
+          <a:noFill/>
+        </p:spPr>
+        <p:txBody>
+          <a:bodyPr wrap="none" rtlCol="0">
+            <a:spAutoFit/>
+          </a:bodyPr>
+          <a:lstStyle/>
+          <a:p>
+            <a:r>
+              <a:rPr lang="en-US" sz="800" b="1" dirty="0" smtClean="0"/>
+              <a:t>Log</a:t>
+            </a:r>
+            <a:endParaRPr lang="en-US" sz="800" b="1" dirty="0"/>
+          </a:p>
+        </p:txBody>
+      </p:sp>
+      <p:sp>
+        <p:nvSpPr>
+          <p:cNvPr id="41" name="TextBox 40"/>
+          <p:cNvSpPr txBox="1"/>
+          <p:nvPr/>
+        </p:nvSpPr>
+        <p:spPr>
+          <a:xfrm>
+            <a:off x="5901149" y="1574808"/>
+            <a:ext cx="466794" cy="215444"/>
+          </a:xfrm>
+          <a:prstGeom prst="rect">
+            <a:avLst/>
+          </a:prstGeom>
+          <a:noFill/>
+        </p:spPr>
+        <p:txBody>
+          <a:bodyPr wrap="none" rtlCol="0">
+            <a:spAutoFit/>
+          </a:bodyPr>
+          <a:lstStyle/>
+          <a:p>
+            <a:r>
+              <a:rPr lang="en-US" sz="800" b="1" dirty="0" smtClean="0"/>
+              <a:t>Share</a:t>
+            </a:r>
+            <a:endParaRPr lang="en-US" sz="800" b="1" dirty="0"/>
+          </a:p>
+        </p:txBody>
+      </p:sp>
+      <p:sp>
+        <p:nvSpPr>
+          <p:cNvPr id="42" name="TextBox 41"/>
+          <p:cNvSpPr txBox="1"/>
+          <p:nvPr/>
+        </p:nvSpPr>
+        <p:spPr>
+          <a:xfrm>
+            <a:off x="6242421" y="1574819"/>
+            <a:ext cx="482258" cy="323165"/>
+          </a:xfrm>
+          <a:prstGeom prst="rect">
+            <a:avLst/>
+          </a:prstGeom>
+          <a:noFill/>
+        </p:spPr>
+        <p:txBody>
+          <a:bodyPr wrap="none" rtlCol="0">
+            <a:spAutoFit/>
+          </a:bodyPr>
+          <a:lstStyle/>
+          <a:p>
+            <a:pPr algn="ctr"/>
+            <a:r>
+              <a:rPr lang="en-US" sz="800" b="1" dirty="0" smtClean="0"/>
+              <a:t>Delay</a:t>
+            </a:r>
+          </a:p>
+          <a:p>
+            <a:pPr algn="ctr"/>
+            <a:r>
+              <a:rPr lang="en-US" sz="700" i="1" dirty="0" smtClean="0"/>
+              <a:t>(</a:t>
+            </a:r>
+            <a:r>
+              <a:rPr lang="en-US" sz="700" i="1" dirty="0" err="1"/>
+              <a:t>s</a:t>
+            </a:r>
+            <a:r>
+              <a:rPr lang="en-US" sz="700" i="1" dirty="0" err="1" smtClean="0"/>
+              <a:t>ecs</a:t>
+            </a:r>
+            <a:r>
+              <a:rPr lang="en-US" sz="700" i="1" dirty="0" smtClean="0"/>
+              <a:t>)</a:t>
+            </a:r>
+            <a:endParaRPr lang="en-US" sz="700" i="1" dirty="0"/>
+          </a:p>
+        </p:txBody>
+      </p:sp>
+      <p:sp>
+        <p:nvSpPr>
+          <p:cNvPr id="43" name="Rectangle 42"/>
+          <p:cNvSpPr/>
+          <p:nvPr/>
+        </p:nvSpPr>
+        <p:spPr>
+          <a:xfrm>
+            <a:off x="5960417" y="1783387"/>
+            <a:ext cx="390476" cy="369332"/>
+          </a:xfrm>
+          <a:prstGeom prst="rect">
+            <a:avLst/>
+          </a:prstGeom>
+        </p:spPr>
+        <p:txBody>
+          <a:bodyPr wrap="none">
+            <a:spAutoFit/>
+          </a:bodyPr>
+          <a:lstStyle/>
+          <a:p>
+            <a:r>
+              <a:rPr lang="en-US" dirty="0">
+                <a:latin typeface="Wingdings"/>
+                <a:ea typeface="Wingdings"/>
+                <a:cs typeface="Wingdings"/>
+              </a:rPr>
+              <a:t></a:t>
+            </a:r>
+            <a:endParaRPr lang="en-US" dirty="0"/>
+          </a:p>
+        </p:txBody>
+      </p:sp>
+      <p:sp>
+        <p:nvSpPr>
+          <p:cNvPr id="45" name="Rectangle 44"/>
+          <p:cNvSpPr/>
+          <p:nvPr/>
+        </p:nvSpPr>
+        <p:spPr>
+          <a:xfrm>
+            <a:off x="5954438" y="2303542"/>
+            <a:ext cx="415498" cy="369332"/>
+          </a:xfrm>
+          <a:prstGeom prst="rect">
+            <a:avLst/>
+          </a:prstGeom>
+        </p:spPr>
+        <p:txBody>
+          <a:bodyPr wrap="none">
+            <a:spAutoFit/>
+          </a:bodyPr>
+          <a:lstStyle/>
+          <a:p>
+            <a:r>
+              <a:rPr lang="en-US" dirty="0">
+                <a:latin typeface="ＭＳ ゴシック"/>
+                <a:ea typeface="ＭＳ ゴシック"/>
+                <a:cs typeface="ＭＳ ゴシック"/>
+              </a:rPr>
+              <a:t>☐</a:t>
+            </a:r>
+            <a:endParaRPr lang="en-US" dirty="0"/>
+          </a:p>
+        </p:txBody>
+      </p:sp>
+      <p:sp>
+        <p:nvSpPr>
+          <p:cNvPr id="10" name="TextBox 9"/>
+          <p:cNvSpPr txBox="1"/>
+          <p:nvPr/>
+        </p:nvSpPr>
+        <p:spPr>
+          <a:xfrm>
+            <a:off x="4927317" y="1858865"/>
+            <a:ext cx="851515" cy="200055"/>
+          </a:xfrm>
+          <a:prstGeom prst="rect">
+            <a:avLst/>
+          </a:prstGeom>
+          <a:noFill/>
+        </p:spPr>
+        <p:txBody>
+          <a:bodyPr wrap="none" rtlCol="0">
+            <a:spAutoFit/>
+          </a:bodyPr>
+          <a:lstStyle/>
+          <a:p>
+            <a:r>
+              <a:rPr lang="en-US" sz="700" dirty="0" smtClean="0"/>
+              <a:t>Accelerometer</a:t>
+            </a:r>
+            <a:endParaRPr lang="en-US" sz="700" dirty="0"/>
+          </a:p>
+        </p:txBody>
+      </p:sp>
+      <p:sp>
+        <p:nvSpPr>
+          <p:cNvPr id="46" name="TextBox 45"/>
+          <p:cNvSpPr txBox="1"/>
+          <p:nvPr/>
+        </p:nvSpPr>
+        <p:spPr>
+          <a:xfrm>
+            <a:off x="4935159" y="2121523"/>
+            <a:ext cx="492443" cy="200055"/>
+          </a:xfrm>
+          <a:prstGeom prst="rect">
+            <a:avLst/>
+          </a:prstGeom>
+          <a:noFill/>
+        </p:spPr>
+        <p:txBody>
+          <a:bodyPr wrap="none" rtlCol="0">
+            <a:spAutoFit/>
+          </a:bodyPr>
+          <a:lstStyle/>
+          <a:p>
+            <a:r>
+              <a:rPr lang="en-US" sz="700" dirty="0" smtClean="0"/>
+              <a:t>Battery</a:t>
+            </a:r>
+            <a:endParaRPr lang="en-US" sz="700" dirty="0"/>
+          </a:p>
+        </p:txBody>
+      </p:sp>
+      <p:sp>
+        <p:nvSpPr>
+          <p:cNvPr id="47" name="TextBox 46"/>
+          <p:cNvSpPr txBox="1"/>
+          <p:nvPr/>
+        </p:nvSpPr>
+        <p:spPr>
+          <a:xfrm>
+            <a:off x="4944396" y="2362808"/>
+            <a:ext cx="569387" cy="200055"/>
+          </a:xfrm>
+          <a:prstGeom prst="rect">
+            <a:avLst/>
+          </a:prstGeom>
+          <a:noFill/>
+        </p:spPr>
+        <p:txBody>
+          <a:bodyPr wrap="none" rtlCol="0">
+            <a:spAutoFit/>
+          </a:bodyPr>
+          <a:lstStyle/>
+          <a:p>
+            <a:r>
+              <a:rPr lang="en-US" sz="700" dirty="0" smtClean="0"/>
+              <a:t>Beacons</a:t>
+            </a:r>
+            <a:endParaRPr lang="en-US" sz="700" dirty="0"/>
+          </a:p>
+        </p:txBody>
+      </p:sp>
+      <p:sp>
+        <p:nvSpPr>
+          <p:cNvPr id="49" name="TextBox 48"/>
+          <p:cNvSpPr txBox="1"/>
+          <p:nvPr/>
+        </p:nvSpPr>
+        <p:spPr>
+          <a:xfrm>
+            <a:off x="4937912" y="2597341"/>
+            <a:ext cx="736994" cy="200055"/>
+          </a:xfrm>
+          <a:prstGeom prst="rect">
+            <a:avLst/>
+          </a:prstGeom>
+          <a:noFill/>
+        </p:spPr>
+        <p:txBody>
+          <a:bodyPr wrap="none" rtlCol="0">
+            <a:spAutoFit/>
+          </a:bodyPr>
+          <a:lstStyle/>
+          <a:p>
+            <a:r>
+              <a:rPr lang="en-US" sz="700" dirty="0" smtClean="0"/>
+              <a:t>Connectivity</a:t>
+            </a:r>
+            <a:endParaRPr lang="en-US" sz="700" dirty="0"/>
+          </a:p>
+        </p:txBody>
+      </p:sp>
+      <p:sp>
+        <p:nvSpPr>
+          <p:cNvPr id="50" name="Rectangle 49"/>
+          <p:cNvSpPr/>
+          <p:nvPr/>
+        </p:nvSpPr>
+        <p:spPr>
+          <a:xfrm>
+            <a:off x="5663576" y="2044278"/>
+            <a:ext cx="390476" cy="369332"/>
+          </a:xfrm>
+          <a:prstGeom prst="rect">
+            <a:avLst/>
+          </a:prstGeom>
+        </p:spPr>
+        <p:txBody>
+          <a:bodyPr wrap="none">
+            <a:spAutoFit/>
+          </a:bodyPr>
+          <a:lstStyle/>
+          <a:p>
+            <a:r>
+              <a:rPr lang="en-US" dirty="0">
+                <a:latin typeface="Wingdings"/>
+                <a:ea typeface="Wingdings"/>
+                <a:cs typeface="Wingdings"/>
+              </a:rPr>
+              <a:t></a:t>
+            </a:r>
+            <a:endParaRPr lang="en-US" dirty="0"/>
+          </a:p>
+        </p:txBody>
+      </p:sp>
+      <p:sp>
+        <p:nvSpPr>
+          <p:cNvPr id="51" name="Rectangle 50"/>
+          <p:cNvSpPr/>
+          <p:nvPr/>
+        </p:nvSpPr>
+        <p:spPr>
+          <a:xfrm>
+            <a:off x="5960417" y="2035811"/>
+            <a:ext cx="390476" cy="369332"/>
+          </a:xfrm>
+          <a:prstGeom prst="rect">
+            <a:avLst/>
+          </a:prstGeom>
+        </p:spPr>
+        <p:txBody>
+          <a:bodyPr wrap="none">
+            <a:spAutoFit/>
+          </a:bodyPr>
+          <a:lstStyle/>
+          <a:p>
+            <a:r>
+              <a:rPr lang="en-US" dirty="0">
+                <a:latin typeface="Wingdings"/>
+                <a:ea typeface="Wingdings"/>
+                <a:cs typeface="Wingdings"/>
+              </a:rPr>
+              <a:t></a:t>
+            </a:r>
+            <a:endParaRPr lang="en-US" dirty="0"/>
+          </a:p>
+        </p:txBody>
+      </p:sp>
+      <p:sp>
+        <p:nvSpPr>
+          <p:cNvPr id="53" name="Rounded Rectangle 52"/>
+          <p:cNvSpPr/>
+          <p:nvPr/>
+        </p:nvSpPr>
+        <p:spPr>
+          <a:xfrm>
+            <a:off x="6323463" y="1892255"/>
+            <a:ext cx="270000" cy="162000"/>
+          </a:xfrm>
+          <a:prstGeom prst="roundRect">
+            <a:avLst/>
+          </a:prstGeom>
+          <a:solidFill>
+            <a:srgbClr val="7F7F7F"/>
+          </a:solidFill>
+          <a:ln>
+            <a:solidFill>
+              <a:srgbClr val="7F7F7F"/>
+            </a:solidFill>
+          </a:ln>
+        </p:spPr>
+        <p:style>
+          <a:lnRef idx="1">
+            <a:schemeClr val="accent6"/>
+          </a:lnRef>
+          <a:fillRef idx="3">
+            <a:schemeClr val="accent6"/>
+          </a:fillRef>
+          <a:effectRef idx="2">
+            <a:schemeClr val="accent6"/>
+          </a:effectRef>
+          <a:fontRef idx="minor">
+            <a:schemeClr val="lt1"/>
+          </a:fontRef>
+        </p:style>
+        <p:txBody>
+          <a:bodyPr lIns="36000" rIns="36000" rtlCol="0" anchor="ctr"/>
+          <a:lstStyle/>
+          <a:p>
+            <a:pPr algn="ctr"/>
+            <a:r>
+              <a:rPr lang="en-US" sz="700" dirty="0" smtClean="0"/>
+              <a:t>10</a:t>
+            </a:r>
+            <a:endParaRPr lang="en-US" sz="700" dirty="0"/>
+          </a:p>
+        </p:txBody>
+      </p:sp>
+      <p:sp>
+        <p:nvSpPr>
+          <p:cNvPr id="54" name="Rounded Rectangle 53"/>
+          <p:cNvSpPr/>
+          <p:nvPr/>
+        </p:nvSpPr>
+        <p:spPr>
+          <a:xfrm>
+            <a:off x="6323327" y="2145772"/>
+            <a:ext cx="270000" cy="162000"/>
+          </a:xfrm>
+          <a:prstGeom prst="roundRect">
+            <a:avLst/>
+          </a:prstGeom>
+          <a:solidFill>
+            <a:srgbClr val="7F7F7F"/>
+          </a:solidFill>
+          <a:ln>
+            <a:solidFill>
+              <a:srgbClr val="7F7F7F"/>
+            </a:solidFill>
+          </a:ln>
+        </p:spPr>
+        <p:style>
+          <a:lnRef idx="1">
+            <a:schemeClr val="accent6"/>
+          </a:lnRef>
+          <a:fillRef idx="3">
+            <a:schemeClr val="accent6"/>
+          </a:fillRef>
+          <a:effectRef idx="2">
+            <a:schemeClr val="accent6"/>
+          </a:effectRef>
+          <a:fontRef idx="minor">
+            <a:schemeClr val="lt1"/>
+          </a:fontRef>
+        </p:style>
+        <p:txBody>
+          <a:bodyPr lIns="36000" rIns="36000" rtlCol="0" anchor="ctr"/>
+          <a:lstStyle/>
+          <a:p>
+            <a:pPr algn="ctr"/>
+            <a:r>
+              <a:rPr lang="en-US" sz="700" dirty="0" smtClean="0"/>
+              <a:t>30</a:t>
+            </a:r>
+            <a:endParaRPr lang="en-US" sz="700" dirty="0"/>
+          </a:p>
+        </p:txBody>
+      </p:sp>
+      <p:sp>
+        <p:nvSpPr>
+          <p:cNvPr id="55" name="Rounded Rectangle 54"/>
+          <p:cNvSpPr/>
+          <p:nvPr/>
+        </p:nvSpPr>
+        <p:spPr>
+          <a:xfrm>
+            <a:off x="6333727" y="2417315"/>
+            <a:ext cx="270000" cy="162000"/>
+          </a:xfrm>
+          <a:prstGeom prst="roundRect">
+            <a:avLst/>
+          </a:prstGeom>
+          <a:solidFill>
+            <a:srgbClr val="7F7F7F"/>
+          </a:solidFill>
+          <a:ln>
+            <a:solidFill>
+              <a:srgbClr val="7F7F7F"/>
+            </a:solidFill>
+          </a:ln>
+        </p:spPr>
+        <p:style>
+          <a:lnRef idx="1">
+            <a:schemeClr val="accent6"/>
+          </a:lnRef>
+          <a:fillRef idx="3">
+            <a:schemeClr val="accent6"/>
+          </a:fillRef>
+          <a:effectRef idx="2">
+            <a:schemeClr val="accent6"/>
+          </a:effectRef>
+          <a:fontRef idx="minor">
+            <a:schemeClr val="lt1"/>
+          </a:fontRef>
+        </p:style>
+        <p:txBody>
+          <a:bodyPr lIns="36000" rIns="36000" rtlCol="0" anchor="ctr"/>
+          <a:lstStyle/>
+          <a:p>
+            <a:pPr algn="ctr"/>
+            <a:r>
+              <a:rPr lang="en-US" sz="700" dirty="0" smtClean="0"/>
+              <a:t>-</a:t>
+            </a:r>
+            <a:endParaRPr lang="en-US" sz="700" dirty="0"/>
+          </a:p>
+        </p:txBody>
+      </p:sp>
+      <p:sp>
+        <p:nvSpPr>
+          <p:cNvPr id="56" name="Rectangle 55"/>
+          <p:cNvSpPr/>
+          <p:nvPr/>
+        </p:nvSpPr>
+        <p:spPr>
+          <a:xfrm>
+            <a:off x="5672037" y="2552292"/>
+            <a:ext cx="390476" cy="369332"/>
+          </a:xfrm>
+          <a:prstGeom prst="rect">
+            <a:avLst/>
+          </a:prstGeom>
+        </p:spPr>
+        <p:txBody>
+          <a:bodyPr wrap="none">
+            <a:spAutoFit/>
+          </a:bodyPr>
+          <a:lstStyle/>
+          <a:p>
+            <a:r>
+              <a:rPr lang="en-US" dirty="0">
+                <a:latin typeface="Wingdings"/>
+                <a:ea typeface="Wingdings"/>
+                <a:cs typeface="Wingdings"/>
+              </a:rPr>
+              <a:t></a:t>
+            </a:r>
+            <a:endParaRPr lang="en-US" dirty="0"/>
+          </a:p>
+        </p:txBody>
+      </p:sp>
+      <p:sp>
+        <p:nvSpPr>
+          <p:cNvPr id="57" name="Rectangle 56"/>
+          <p:cNvSpPr/>
+          <p:nvPr/>
+        </p:nvSpPr>
+        <p:spPr>
+          <a:xfrm>
+            <a:off x="5968878" y="2543825"/>
+            <a:ext cx="390476" cy="369332"/>
+          </a:xfrm>
+          <a:prstGeom prst="rect">
+            <a:avLst/>
+          </a:prstGeom>
+        </p:spPr>
+        <p:txBody>
+          <a:bodyPr wrap="none">
+            <a:spAutoFit/>
+          </a:bodyPr>
+          <a:lstStyle/>
+          <a:p>
+            <a:r>
+              <a:rPr lang="en-US" dirty="0">
+                <a:latin typeface="Wingdings"/>
+                <a:ea typeface="Wingdings"/>
+                <a:cs typeface="Wingdings"/>
+              </a:rPr>
+              <a:t></a:t>
+            </a:r>
+            <a:endParaRPr lang="en-US" dirty="0"/>
+          </a:p>
+        </p:txBody>
+      </p:sp>
+      <p:sp>
+        <p:nvSpPr>
+          <p:cNvPr id="58" name="Rounded Rectangle 57"/>
+          <p:cNvSpPr/>
+          <p:nvPr/>
+        </p:nvSpPr>
+        <p:spPr>
+          <a:xfrm>
+            <a:off x="6331788" y="2653786"/>
+            <a:ext cx="270000" cy="162000"/>
+          </a:xfrm>
+          <a:prstGeom prst="roundRect">
+            <a:avLst/>
+          </a:prstGeom>
+          <a:solidFill>
+            <a:srgbClr val="7F7F7F"/>
+          </a:solidFill>
+          <a:ln>
+            <a:solidFill>
+              <a:srgbClr val="7F7F7F"/>
+            </a:solidFill>
+          </a:ln>
+        </p:spPr>
+        <p:style>
+          <a:lnRef idx="1">
+            <a:schemeClr val="accent6"/>
+          </a:lnRef>
+          <a:fillRef idx="3">
+            <a:schemeClr val="accent6"/>
+          </a:fillRef>
+          <a:effectRef idx="2">
+            <a:schemeClr val="accent6"/>
+          </a:effectRef>
+          <a:fontRef idx="minor">
+            <a:schemeClr val="lt1"/>
+          </a:fontRef>
+        </p:style>
+        <p:txBody>
+          <a:bodyPr lIns="36000" rIns="36000" rtlCol="0" anchor="ctr"/>
+          <a:lstStyle/>
+          <a:p>
+            <a:pPr algn="ctr"/>
+            <a:r>
+              <a:rPr lang="en-US" sz="700" dirty="0" smtClean="0"/>
+              <a:t>30</a:t>
+            </a:r>
+            <a:endParaRPr lang="en-US" sz="700" dirty="0"/>
+          </a:p>
+        </p:txBody>
+      </p:sp>
+      <p:cxnSp>
+        <p:nvCxnSpPr>
+          <p:cNvPr id="62" name="Elbow Connector 61"/>
+          <p:cNvCxnSpPr>
+            <a:stCxn id="18" idx="3"/>
+            <a:endCxn id="30" idx="1"/>
+          </p:cNvCxnSpPr>
+          <p:nvPr/>
+        </p:nvCxnSpPr>
+        <p:spPr>
+          <a:xfrm flipV="1">
+            <a:off x="3513384" y="2827272"/>
+            <a:ext cx="974464" cy="127556"/>
+          </a:xfrm>
+          <a:prstGeom prst="bentConnector3">
+            <a:avLst/>
+          </a:prstGeom>
+          <a:ln>
+            <a:tailEnd type="arrow"/>
+          </a:ln>
+        </p:spPr>
+        <p:style>
+          <a:lnRef idx="2">
+            <a:schemeClr val="accent1"/>
+          </a:lnRef>
+          <a:fillRef idx="0">
+            <a:schemeClr val="accent1"/>
+          </a:fillRef>
+          <a:effectRef idx="1">
+            <a:schemeClr val="accent1"/>
+          </a:effectRef>
+          <a:fontRef idx="minor">
+            <a:schemeClr val="tx1"/>
+          </a:fontRef>
+        </p:style>
+      </p:cxnSp>
     </p:spTree>
     <p:extLst>
       <p:ext uri="{BB962C8B-B14F-4D97-AF65-F5344CB8AC3E}">

--- a/Documents/NervousNet_Redesign.pptx
+++ b/Documents/NervousNet_Redesign.pptx
@@ -28479,16 +28479,13 @@
       <p:cxnSp>
         <p:nvCxnSpPr>
           <p:cNvPr id="62" name="Elbow Connector 61"/>
-          <p:cNvCxnSpPr>
-            <a:stCxn id="18" idx="3"/>
-            <a:endCxn id="30" idx="1"/>
-          </p:cNvCxnSpPr>
+          <p:cNvCxnSpPr/>
           <p:nvPr/>
         </p:nvCxnSpPr>
         <p:spPr>
-          <a:xfrm flipV="1">
-            <a:off x="3513384" y="2827272"/>
-            <a:ext cx="974464" cy="127556"/>
+          <a:xfrm>
+            <a:off x="3521997" y="2921624"/>
+            <a:ext cx="965851" cy="3627"/>
           </a:xfrm>
           <a:prstGeom prst="bentConnector3">
             <a:avLst/>

--- a/Documents/NervousNet_Redesign.pptx
+++ b/Documents/NervousNet_Redesign.pptx
@@ -7341,7 +7341,7 @@
           <a:p>
             <a:fld id="{E29EADBD-8C2A-0E4C-92CE-5EBFF6224A3A}" type="datetime1">
               <a:rPr lang="en-US" smtClean="0"/>
-              <a:t>27/01/16</a:t>
+              <a:t>01/03/16</a:t>
             </a:fld>
             <a:endParaRPr lang="en-US"/>
           </a:p>
@@ -7511,7 +7511,7 @@
           <a:p>
             <a:fld id="{00A2197B-82DA-B840-975D-6BA3EE4C2DC8}" type="datetime1">
               <a:rPr lang="en-US" smtClean="0"/>
-              <a:t>27/01/16</a:t>
+              <a:t>01/03/16</a:t>
             </a:fld>
             <a:endParaRPr lang="en-US"/>
           </a:p>
@@ -8339,7 +8339,7 @@
           <a:p>
             <a:fld id="{D9367090-103A-FA49-A3B4-31066D77167B}" type="datetime1">
               <a:rPr lang="en-US" smtClean="0"/>
-              <a:t>27/01/16</a:t>
+              <a:t>01/03/16</a:t>
             </a:fld>
             <a:endParaRPr lang="en-US"/>
           </a:p>
@@ -8664,7 +8664,7 @@
           <a:p>
             <a:fld id="{ABC2C74B-38EB-6142-981A-F4874F5C558C}" type="datetime1">
               <a:rPr lang="en-US" smtClean="0"/>
-              <a:t>27/01/16</a:t>
+              <a:t>01/03/16</a:t>
             </a:fld>
             <a:endParaRPr lang="en-US"/>
           </a:p>
@@ -8945,7 +8945,7 @@
           <a:p>
             <a:fld id="{2E308B6A-9F4E-B64E-B36C-0598F402E0B0}" type="datetime1">
               <a:rPr lang="en-US" smtClean="0"/>
-              <a:t>27/01/16</a:t>
+              <a:t>01/03/16</a:t>
             </a:fld>
             <a:endParaRPr lang="en-US"/>
           </a:p>
@@ -9243,7 +9243,7 @@
           <a:p>
             <a:fld id="{85937D96-DDC1-4747-AA95-A033CACCB96C}" type="datetime1">
               <a:rPr lang="en-US" smtClean="0"/>
-              <a:t>27/01/16</a:t>
+              <a:t>01/03/16</a:t>
             </a:fld>
             <a:endParaRPr lang="en-US"/>
           </a:p>
@@ -9576,7 +9576,7 @@
           <a:p>
             <a:fld id="{5321CDED-9626-FA46-9EE7-E82FB8600649}" type="datetime1">
               <a:rPr lang="en-US" smtClean="0"/>
-              <a:t>27/01/16</a:t>
+              <a:t>01/03/16</a:t>
             </a:fld>
             <a:endParaRPr lang="en-US"/>
           </a:p>
@@ -9831,7 +9831,7 @@
           <a:p>
             <a:fld id="{1C24507A-5856-C541-981B-4412383053C8}" type="datetime1">
               <a:rPr lang="en-US" smtClean="0"/>
-              <a:t>27/01/16</a:t>
+              <a:t>01/03/16</a:t>
             </a:fld>
             <a:endParaRPr lang="en-US"/>
           </a:p>
@@ -10014,7 +10014,7 @@
           <a:p>
             <a:fld id="{6905DD47-EC52-8743-A4BF-BDFBFBA3AE81}" type="datetime1">
               <a:rPr lang="en-US" smtClean="0"/>
-              <a:t>27/01/16</a:t>
+              <a:t>01/03/16</a:t>
             </a:fld>
             <a:endParaRPr lang="en-US"/>
           </a:p>
@@ -10187,7 +10187,7 @@
           <a:p>
             <a:fld id="{1D77DB73-494B-5E4A-8019-F4524E111BAF}" type="datetime1">
               <a:rPr lang="en-US" smtClean="0"/>
-              <a:t>27/01/16</a:t>
+              <a:t>01/03/16</a:t>
             </a:fld>
             <a:endParaRPr lang="en-US"/>
           </a:p>
@@ -10460,7 +10460,7 @@
           <a:p>
             <a:fld id="{5A88EB98-4821-3849-86D7-AEAB3699D07C}" type="datetime1">
               <a:rPr lang="en-US" smtClean="0"/>
-              <a:t>27/01/16</a:t>
+              <a:t>01/03/16</a:t>
             </a:fld>
             <a:endParaRPr lang="en-US"/>
           </a:p>
@@ -10771,7 +10771,7 @@
           <a:p>
             <a:fld id="{E2211E45-9E9F-C742-80C0-3820C3566BB1}" type="datetime1">
               <a:rPr lang="en-US" smtClean="0"/>
-              <a:t>27/01/16</a:t>
+              <a:t>01/03/16</a:t>
             </a:fld>
             <a:endParaRPr lang="en-US"/>
           </a:p>
@@ -11067,7 +11067,7 @@
           <a:p>
             <a:fld id="{CB5CC828-769C-E54C-9215-692401F93968}" type="datetime1">
               <a:rPr lang="en-US" smtClean="0"/>
-              <a:t>27/01/16</a:t>
+              <a:t>01/03/16</a:t>
             </a:fld>
             <a:endParaRPr lang="en-US"/>
           </a:p>
@@ -11501,7 +11501,7 @@
           <a:p>
             <a:fld id="{1AA2AE0E-A114-5642-B6C6-FD149E76306E}" type="datetime1">
               <a:rPr lang="en-US" smtClean="0"/>
-              <a:t>27/01/16</a:t>
+              <a:t>01/03/16</a:t>
             </a:fld>
             <a:endParaRPr lang="en-US"/>
           </a:p>
@@ -11851,7 +11851,7 @@
           <a:p>
             <a:fld id="{8A715A52-2182-4049-98B2-F3202A644989}" type="datetime1">
               <a:rPr lang="en-US" smtClean="0"/>
-              <a:t>27/01/16</a:t>
+              <a:t>01/03/16</a:t>
             </a:fld>
             <a:endParaRPr lang="en-US"/>
           </a:p>
@@ -11945,7 +11945,7 @@
           <a:p>
             <a:fld id="{3CF4FDC8-DC40-7C44-B03A-3EFB3AAE78B7}" type="datetime1">
               <a:rPr lang="en-US" smtClean="0"/>
-              <a:t>27/01/16</a:t>
+              <a:t>01/03/16</a:t>
             </a:fld>
             <a:endParaRPr lang="en-US"/>
           </a:p>
@@ -12286,7 +12286,7 @@
           <a:p>
             <a:fld id="{22BC680A-A1C5-9D47-898A-4B941B6FDB12}" type="datetime1">
               <a:rPr lang="en-US" smtClean="0"/>
-              <a:t>27/01/16</a:t>
+              <a:t>01/03/16</a:t>
             </a:fld>
             <a:endParaRPr lang="en-US"/>
           </a:p>
@@ -12502,7 +12502,7 @@
           <a:p>
             <a:fld id="{A94D9655-E859-0A4D-ABA6-66C7095048D0}" type="datetime1">
               <a:rPr lang="en-US" smtClean="0"/>
-              <a:t>27/01/16</a:t>
+              <a:t>01/03/16</a:t>
             </a:fld>
             <a:endParaRPr lang="en-US"/>
           </a:p>
@@ -29379,7 +29379,7 @@
           <a:p>
             <a:pPr algn="ctr"/>
             <a:r>
-              <a:rPr lang="en-US" sz="900" dirty="0">
+              <a:rPr lang="en-US" sz="900" dirty="0" err="1">
                 <a:solidFill>
                   <a:schemeClr val="tx1"/>
                 </a:solidFill>
@@ -29387,12 +29387,20 @@
               <a:t>n</a:t>
             </a:r>
             <a:r>
+              <a:rPr lang="en-US" sz="900" dirty="0" err="1" smtClean="0">
+                <a:solidFill>
+                  <a:schemeClr val="tx1"/>
+                </a:solidFill>
+              </a:rPr>
+              <a:t>ervousNet</a:t>
+            </a:r>
+            <a:r>
               <a:rPr lang="en-US" sz="900" dirty="0" smtClean="0">
                 <a:solidFill>
                   <a:schemeClr val="tx1"/>
                 </a:solidFill>
               </a:rPr>
-              <a:t>ervousNet HUB</a:t>
+              <a:t> HUB</a:t>
             </a:r>
           </a:p>
           <a:p>
@@ -29411,15 +29419,7 @@
                   <a:schemeClr val="tx1"/>
                 </a:solidFill>
               </a:rPr>
-              <a:t> 0.0.1 – </a:t>
-            </a:r>
-            <a:r>
-              <a:rPr lang="en-US" sz="900" dirty="0" smtClean="0">
-                <a:solidFill>
-                  <a:schemeClr val="tx1"/>
-                </a:solidFill>
-              </a:rPr>
-              <a:t>beta</a:t>
+              <a:t> 0.0.1 – beta</a:t>
             </a:r>
           </a:p>
           <a:p>
@@ -32261,12 +32261,8 @@
           <a:p>
             <a:pPr algn="ctr"/>
             <a:r>
-              <a:rPr lang="en-US" sz="1100" dirty="0" err="1" smtClean="0"/>
-              <a:t>Nervousnet</a:t>
-            </a:r>
-            <a:r>
               <a:rPr lang="en-US" sz="1100" dirty="0" smtClean="0"/>
-              <a:t> CORE</a:t>
+              <a:t>Nervousnet CORE</a:t>
             </a:r>
           </a:p>
           <a:p>
